--- a/module-5/Faison_M5_ValueStreamMapping.pptx
+++ b/module-5/Faison_M5_ValueStreamMapping.pptx
@@ -2,19 +2,19 @@
 <file path=ppt/presentation.xml><?xml version="1.0" encoding="utf-8"?>
 <p:presentation xmlns:a="http://schemas.openxmlformats.org/drawingml/2006/main" xmlns:r="http://schemas.openxmlformats.org/officeDocument/2006/relationships" xmlns:p="http://schemas.openxmlformats.org/presentationml/2006/main" saveSubsetFonts="1">
   <p:sldMasterIdLst>
-    <p:sldMasterId id="2147483648" r:id="rId1"/>
+    <p:sldMasterId id="2147483660" r:id="rId1"/>
   </p:sldMasterIdLst>
   <p:sldIdLst>
     <p:sldId id="256" r:id="rId2"/>
     <p:sldId id="257" r:id="rId3"/>
   </p:sldIdLst>
-  <p:sldSz cx="12192000" cy="6858000"/>
+  <p:sldSz cx="11887200" cy="11887200"/>
   <p:notesSz cx="6858000" cy="9144000"/>
   <p:defaultTextStyle>
     <a:defPPr>
       <a:defRPr lang="en-US"/>
     </a:defPPr>
-    <a:lvl1pPr marL="0" algn="l" defTabSz="914400" rtl="0" eaLnBrk="1" latinLnBrk="0" hangingPunct="1">
+    <a:lvl1pPr marL="0" algn="l" defTabSz="457200" rtl="0" eaLnBrk="1" latinLnBrk="0" hangingPunct="1">
       <a:defRPr sz="1800" kern="1200">
         <a:solidFill>
           <a:schemeClr val="tx1"/>
@@ -24,7 +24,7 @@
         <a:cs typeface="+mn-cs"/>
       </a:defRPr>
     </a:lvl1pPr>
-    <a:lvl2pPr marL="457200" algn="l" defTabSz="914400" rtl="0" eaLnBrk="1" latinLnBrk="0" hangingPunct="1">
+    <a:lvl2pPr marL="457200" algn="l" defTabSz="457200" rtl="0" eaLnBrk="1" latinLnBrk="0" hangingPunct="1">
       <a:defRPr sz="1800" kern="1200">
         <a:solidFill>
           <a:schemeClr val="tx1"/>
@@ -34,7 +34,7 @@
         <a:cs typeface="+mn-cs"/>
       </a:defRPr>
     </a:lvl2pPr>
-    <a:lvl3pPr marL="914400" algn="l" defTabSz="914400" rtl="0" eaLnBrk="1" latinLnBrk="0" hangingPunct="1">
+    <a:lvl3pPr marL="914400" algn="l" defTabSz="457200" rtl="0" eaLnBrk="1" latinLnBrk="0" hangingPunct="1">
       <a:defRPr sz="1800" kern="1200">
         <a:solidFill>
           <a:schemeClr val="tx1"/>
@@ -44,7 +44,7 @@
         <a:cs typeface="+mn-cs"/>
       </a:defRPr>
     </a:lvl3pPr>
-    <a:lvl4pPr marL="1371600" algn="l" defTabSz="914400" rtl="0" eaLnBrk="1" latinLnBrk="0" hangingPunct="1">
+    <a:lvl4pPr marL="1371600" algn="l" defTabSz="457200" rtl="0" eaLnBrk="1" latinLnBrk="0" hangingPunct="1">
       <a:defRPr sz="1800" kern="1200">
         <a:solidFill>
           <a:schemeClr val="tx1"/>
@@ -54,7 +54,7 @@
         <a:cs typeface="+mn-cs"/>
       </a:defRPr>
     </a:lvl4pPr>
-    <a:lvl5pPr marL="1828800" algn="l" defTabSz="914400" rtl="0" eaLnBrk="1" latinLnBrk="0" hangingPunct="1">
+    <a:lvl5pPr marL="1828800" algn="l" defTabSz="457200" rtl="0" eaLnBrk="1" latinLnBrk="0" hangingPunct="1">
       <a:defRPr sz="1800" kern="1200">
         <a:solidFill>
           <a:schemeClr val="tx1"/>
@@ -64,7 +64,7 @@
         <a:cs typeface="+mn-cs"/>
       </a:defRPr>
     </a:lvl5pPr>
-    <a:lvl6pPr marL="2286000" algn="l" defTabSz="914400" rtl="0" eaLnBrk="1" latinLnBrk="0" hangingPunct="1">
+    <a:lvl6pPr marL="2286000" algn="l" defTabSz="457200" rtl="0" eaLnBrk="1" latinLnBrk="0" hangingPunct="1">
       <a:defRPr sz="1800" kern="1200">
         <a:solidFill>
           <a:schemeClr val="tx1"/>
@@ -74,7 +74,7 @@
         <a:cs typeface="+mn-cs"/>
       </a:defRPr>
     </a:lvl6pPr>
-    <a:lvl7pPr marL="2743200" algn="l" defTabSz="914400" rtl="0" eaLnBrk="1" latinLnBrk="0" hangingPunct="1">
+    <a:lvl7pPr marL="2743200" algn="l" defTabSz="457200" rtl="0" eaLnBrk="1" latinLnBrk="0" hangingPunct="1">
       <a:defRPr sz="1800" kern="1200">
         <a:solidFill>
           <a:schemeClr val="tx1"/>
@@ -84,7 +84,7 @@
         <a:cs typeface="+mn-cs"/>
       </a:defRPr>
     </a:lvl7pPr>
-    <a:lvl8pPr marL="3200400" algn="l" defTabSz="914400" rtl="0" eaLnBrk="1" latinLnBrk="0" hangingPunct="1">
+    <a:lvl8pPr marL="3200400" algn="l" defTabSz="457200" rtl="0" eaLnBrk="1" latinLnBrk="0" hangingPunct="1">
       <a:defRPr sz="1800" kern="1200">
         <a:solidFill>
           <a:schemeClr val="tx1"/>
@@ -94,7 +94,7 @@
         <a:cs typeface="+mn-cs"/>
       </a:defRPr>
     </a:lvl8pPr>
-    <a:lvl9pPr marL="3657600" algn="l" defTabSz="914400" rtl="0" eaLnBrk="1" latinLnBrk="0" hangingPunct="1">
+    <a:lvl9pPr marL="3657600" algn="l" defTabSz="457200" rtl="0" eaLnBrk="1" latinLnBrk="0" hangingPunct="1">
       <a:defRPr sz="1800" kern="1200">
         <a:solidFill>
           <a:schemeClr val="tx1"/>
@@ -105,6 +105,11 @@
       </a:defRPr>
     </a:lvl9pPr>
   </p:defaultTextStyle>
+  <p:extLst>
+    <p:ext uri="{EFAFB233-063F-42B5-8137-9DF3F51BA10A}">
+      <p15:sldGuideLst xmlns:p15="http://schemas.microsoft.com/office/powerpoint/2012/main"/>
+    </p:ext>
+  </p:extLst>
 </p:presentation>
 </file>
 
@@ -127,13 +132,7 @@
       </p:grpSpPr>
       <p:sp>
         <p:nvSpPr>
-          <p:cNvPr id="2" name="Title 1">
-            <a:extLst>
-              <a:ext uri="{FF2B5EF4-FFF2-40B4-BE49-F238E27FC236}">
-                <a16:creationId xmlns:a16="http://schemas.microsoft.com/office/drawing/2014/main" id="{A3AAFA2C-8164-1A22-6DF8-18791F3D5C55}"/>
-              </a:ext>
-            </a:extLst>
-          </p:cNvPr>
+          <p:cNvPr id="2" name="Title 1"/>
           <p:cNvSpPr>
             <a:spLocks noGrp="1"/>
           </p:cNvSpPr>
@@ -143,15 +142,15 @@
         </p:nvSpPr>
         <p:spPr>
           <a:xfrm>
-            <a:off x="1524000" y="1122363"/>
-            <a:ext cx="9144000" cy="2387600"/>
+            <a:off x="891540" y="1945429"/>
+            <a:ext cx="10104120" cy="4138507"/>
           </a:xfrm>
         </p:spPr>
         <p:txBody>
           <a:bodyPr anchor="b"/>
           <a:lstStyle>
             <a:lvl1pPr algn="ctr">
-              <a:defRPr sz="6000"/>
+              <a:defRPr sz="7800"/>
             </a:lvl1pPr>
           </a:lstStyle>
           <a:p>
@@ -159,18 +158,13 @@
               <a:rPr lang="en-US"/>
               <a:t>Click to edit Master title style</a:t>
             </a:r>
+            <a:endParaRPr lang="en-US" dirty="0"/>
           </a:p>
         </p:txBody>
       </p:sp>
       <p:sp>
         <p:nvSpPr>
-          <p:cNvPr id="3" name="Subtitle 2">
-            <a:extLst>
-              <a:ext uri="{FF2B5EF4-FFF2-40B4-BE49-F238E27FC236}">
-                <a16:creationId xmlns:a16="http://schemas.microsoft.com/office/drawing/2014/main" id="{620D4A05-481E-047A-CF7D-603C07D52658}"/>
-              </a:ext>
-            </a:extLst>
-          </p:cNvPr>
+          <p:cNvPr id="3" name="Subtitle 2"/>
           <p:cNvSpPr>
             <a:spLocks noGrp="1"/>
           </p:cNvSpPr>
@@ -180,8 +174,8 @@
         </p:nvSpPr>
         <p:spPr>
           <a:xfrm>
-            <a:off x="1524000" y="3602038"/>
-            <a:ext cx="9144000" cy="1655762"/>
+            <a:off x="1485900" y="6243533"/>
+            <a:ext cx="8915400" cy="2869987"/>
           </a:xfrm>
         </p:spPr>
         <p:txBody>
@@ -189,39 +183,39 @@
           <a:lstStyle>
             <a:lvl1pPr marL="0" indent="0" algn="ctr">
               <a:buNone/>
-              <a:defRPr sz="2400"/>
+              <a:defRPr sz="3120"/>
             </a:lvl1pPr>
-            <a:lvl2pPr marL="457200" indent="0" algn="ctr">
+            <a:lvl2pPr marL="594360" indent="0" algn="ctr">
               <a:buNone/>
-              <a:defRPr sz="2000"/>
+              <a:defRPr sz="2600"/>
             </a:lvl2pPr>
-            <a:lvl3pPr marL="914400" indent="0" algn="ctr">
+            <a:lvl3pPr marL="1188720" indent="0" algn="ctr">
               <a:buNone/>
-              <a:defRPr sz="1800"/>
+              <a:defRPr sz="2340"/>
             </a:lvl3pPr>
-            <a:lvl4pPr marL="1371600" indent="0" algn="ctr">
+            <a:lvl4pPr marL="1783080" indent="0" algn="ctr">
               <a:buNone/>
-              <a:defRPr sz="1600"/>
+              <a:defRPr sz="2080"/>
             </a:lvl4pPr>
-            <a:lvl5pPr marL="1828800" indent="0" algn="ctr">
+            <a:lvl5pPr marL="2377440" indent="0" algn="ctr">
               <a:buNone/>
-              <a:defRPr sz="1600"/>
+              <a:defRPr sz="2080"/>
             </a:lvl5pPr>
-            <a:lvl6pPr marL="2286000" indent="0" algn="ctr">
+            <a:lvl6pPr marL="2971800" indent="0" algn="ctr">
               <a:buNone/>
-              <a:defRPr sz="1600"/>
+              <a:defRPr sz="2080"/>
             </a:lvl6pPr>
-            <a:lvl7pPr marL="2743200" indent="0" algn="ctr">
+            <a:lvl7pPr marL="3566160" indent="0" algn="ctr">
               <a:buNone/>
-              <a:defRPr sz="1600"/>
+              <a:defRPr sz="2080"/>
             </a:lvl7pPr>
-            <a:lvl8pPr marL="3200400" indent="0" algn="ctr">
+            <a:lvl8pPr marL="4160520" indent="0" algn="ctr">
               <a:buNone/>
-              <a:defRPr sz="1600"/>
+              <a:defRPr sz="2080"/>
             </a:lvl8pPr>
-            <a:lvl9pPr marL="3657600" indent="0" algn="ctr">
+            <a:lvl9pPr marL="4754880" indent="0" algn="ctr">
               <a:buNone/>
-              <a:defRPr sz="1600"/>
+              <a:defRPr sz="2080"/>
             </a:lvl9pPr>
           </a:lstStyle>
           <a:p>
@@ -229,18 +223,13 @@
               <a:rPr lang="en-US"/>
               <a:t>Click to edit Master subtitle style</a:t>
             </a:r>
+            <a:endParaRPr lang="en-US" dirty="0"/>
           </a:p>
         </p:txBody>
       </p:sp>
       <p:sp>
         <p:nvSpPr>
-          <p:cNvPr id="4" name="Date Placeholder 3">
-            <a:extLst>
-              <a:ext uri="{FF2B5EF4-FFF2-40B4-BE49-F238E27FC236}">
-                <a16:creationId xmlns:a16="http://schemas.microsoft.com/office/drawing/2014/main" id="{2F552525-FB10-9D13-5672-D3D755A24246}"/>
-              </a:ext>
-            </a:extLst>
-          </p:cNvPr>
+          <p:cNvPr id="4" name="Date Placeholder 3"/>
           <p:cNvSpPr>
             <a:spLocks noGrp="1"/>
           </p:cNvSpPr>
@@ -255,7 +244,7 @@
           <a:p>
             <a:fld id="{D865FBE8-0AE7-4F39-8C28-C05E193A1F1F}" type="datetimeFigureOut">
               <a:rPr lang="en-US" smtClean="0"/>
-              <a:t>9/9/2025</a:t>
+              <a:t>9/11/2025</a:t>
             </a:fld>
             <a:endParaRPr lang="en-US"/>
           </a:p>
@@ -263,13 +252,7 @@
       </p:sp>
       <p:sp>
         <p:nvSpPr>
-          <p:cNvPr id="5" name="Footer Placeholder 4">
-            <a:extLst>
-              <a:ext uri="{FF2B5EF4-FFF2-40B4-BE49-F238E27FC236}">
-                <a16:creationId xmlns:a16="http://schemas.microsoft.com/office/drawing/2014/main" id="{FF72AC5A-5F36-A0EE-074F-B8ADBA9946F3}"/>
-              </a:ext>
-            </a:extLst>
-          </p:cNvPr>
+          <p:cNvPr id="5" name="Footer Placeholder 4"/>
           <p:cNvSpPr>
             <a:spLocks noGrp="1"/>
           </p:cNvSpPr>
@@ -288,13 +271,7 @@
       </p:sp>
       <p:sp>
         <p:nvSpPr>
-          <p:cNvPr id="6" name="Slide Number Placeholder 5">
-            <a:extLst>
-              <a:ext uri="{FF2B5EF4-FFF2-40B4-BE49-F238E27FC236}">
-                <a16:creationId xmlns:a16="http://schemas.microsoft.com/office/drawing/2014/main" id="{C201D971-0F50-31FA-E109-859EF1B25EEF}"/>
-              </a:ext>
-            </a:extLst>
-          </p:cNvPr>
+          <p:cNvPr id="6" name="Slide Number Placeholder 5"/>
           <p:cNvSpPr>
             <a:spLocks noGrp="1"/>
           </p:cNvSpPr>
@@ -318,7 +295,7 @@
     </p:spTree>
     <p:extLst>
       <p:ext uri="{BB962C8B-B14F-4D97-AF65-F5344CB8AC3E}">
-        <p14:creationId xmlns:p14="http://schemas.microsoft.com/office/powerpoint/2010/main" val="1621712472"/>
+        <p14:creationId xmlns:p14="http://schemas.microsoft.com/office/powerpoint/2010/main" val="2170229028"/>
       </p:ext>
     </p:extLst>
   </p:cSld>
@@ -347,13 +324,7 @@
       </p:grpSpPr>
       <p:sp>
         <p:nvSpPr>
-          <p:cNvPr id="2" name="Title 1">
-            <a:extLst>
-              <a:ext uri="{FF2B5EF4-FFF2-40B4-BE49-F238E27FC236}">
-                <a16:creationId xmlns:a16="http://schemas.microsoft.com/office/drawing/2014/main" id="{AD1F9C1C-ADF0-9D6B-C79C-9ACF0516FC5A}"/>
-              </a:ext>
-            </a:extLst>
-          </p:cNvPr>
+          <p:cNvPr id="2" name="Title 1"/>
           <p:cNvSpPr>
             <a:spLocks noGrp="1"/>
           </p:cNvSpPr>
@@ -370,18 +341,13 @@
               <a:rPr lang="en-US"/>
               <a:t>Click to edit Master title style</a:t>
             </a:r>
+            <a:endParaRPr lang="en-US" dirty="0"/>
           </a:p>
         </p:txBody>
       </p:sp>
       <p:sp>
         <p:nvSpPr>
-          <p:cNvPr id="3" name="Vertical Text Placeholder 2">
-            <a:extLst>
-              <a:ext uri="{FF2B5EF4-FFF2-40B4-BE49-F238E27FC236}">
-                <a16:creationId xmlns:a16="http://schemas.microsoft.com/office/drawing/2014/main" id="{213B27CE-088C-CBCA-6DBC-A9EEE48A37EF}"/>
-              </a:ext>
-            </a:extLst>
-          </p:cNvPr>
+          <p:cNvPr id="3" name="Vertical Text Placeholder 2"/>
           <p:cNvSpPr>
             <a:spLocks noGrp="1"/>
           </p:cNvSpPr>
@@ -427,18 +393,13 @@
               <a:rPr lang="en-US"/>
               <a:t>Fifth level</a:t>
             </a:r>
+            <a:endParaRPr lang="en-US" dirty="0"/>
           </a:p>
         </p:txBody>
       </p:sp>
       <p:sp>
         <p:nvSpPr>
-          <p:cNvPr id="4" name="Date Placeholder 3">
-            <a:extLst>
-              <a:ext uri="{FF2B5EF4-FFF2-40B4-BE49-F238E27FC236}">
-                <a16:creationId xmlns:a16="http://schemas.microsoft.com/office/drawing/2014/main" id="{13DE9861-7421-0979-0B6A-09C3001AB6D1}"/>
-              </a:ext>
-            </a:extLst>
-          </p:cNvPr>
+          <p:cNvPr id="4" name="Date Placeholder 3"/>
           <p:cNvSpPr>
             <a:spLocks noGrp="1"/>
           </p:cNvSpPr>
@@ -453,7 +414,7 @@
           <a:p>
             <a:fld id="{D865FBE8-0AE7-4F39-8C28-C05E193A1F1F}" type="datetimeFigureOut">
               <a:rPr lang="en-US" smtClean="0"/>
-              <a:t>9/9/2025</a:t>
+              <a:t>9/11/2025</a:t>
             </a:fld>
             <a:endParaRPr lang="en-US"/>
           </a:p>
@@ -461,13 +422,7 @@
       </p:sp>
       <p:sp>
         <p:nvSpPr>
-          <p:cNvPr id="5" name="Footer Placeholder 4">
-            <a:extLst>
-              <a:ext uri="{FF2B5EF4-FFF2-40B4-BE49-F238E27FC236}">
-                <a16:creationId xmlns:a16="http://schemas.microsoft.com/office/drawing/2014/main" id="{577060F8-3B46-37EF-9DF6-5BCD9D6638CC}"/>
-              </a:ext>
-            </a:extLst>
-          </p:cNvPr>
+          <p:cNvPr id="5" name="Footer Placeholder 4"/>
           <p:cNvSpPr>
             <a:spLocks noGrp="1"/>
           </p:cNvSpPr>
@@ -486,13 +441,7 @@
       </p:sp>
       <p:sp>
         <p:nvSpPr>
-          <p:cNvPr id="6" name="Slide Number Placeholder 5">
-            <a:extLst>
-              <a:ext uri="{FF2B5EF4-FFF2-40B4-BE49-F238E27FC236}">
-                <a16:creationId xmlns:a16="http://schemas.microsoft.com/office/drawing/2014/main" id="{01908734-FBD2-3902-CECE-85A5755A0D0E}"/>
-              </a:ext>
-            </a:extLst>
-          </p:cNvPr>
+          <p:cNvPr id="6" name="Slide Number Placeholder 5"/>
           <p:cNvSpPr>
             <a:spLocks noGrp="1"/>
           </p:cNvSpPr>
@@ -516,7 +465,7 @@
     </p:spTree>
     <p:extLst>
       <p:ext uri="{BB962C8B-B14F-4D97-AF65-F5344CB8AC3E}">
-        <p14:creationId xmlns:p14="http://schemas.microsoft.com/office/powerpoint/2010/main" val="3698047425"/>
+        <p14:creationId xmlns:p14="http://schemas.microsoft.com/office/powerpoint/2010/main" val="1873267027"/>
       </p:ext>
     </p:extLst>
   </p:cSld>
@@ -545,13 +494,7 @@
       </p:grpSpPr>
       <p:sp>
         <p:nvSpPr>
-          <p:cNvPr id="2" name="Vertical Title 1">
-            <a:extLst>
-              <a:ext uri="{FF2B5EF4-FFF2-40B4-BE49-F238E27FC236}">
-                <a16:creationId xmlns:a16="http://schemas.microsoft.com/office/drawing/2014/main" id="{08043178-3607-FB81-F22C-EFA6AEF35D82}"/>
-              </a:ext>
-            </a:extLst>
-          </p:cNvPr>
+          <p:cNvPr id="2" name="Vertical Title 1"/>
           <p:cNvSpPr>
             <a:spLocks noGrp="1"/>
           </p:cNvSpPr>
@@ -561,8 +504,8 @@
         </p:nvSpPr>
         <p:spPr>
           <a:xfrm>
-            <a:off x="8724900" y="365125"/>
-            <a:ext cx="2628900" cy="5811838"/>
+            <a:off x="8506778" y="632883"/>
+            <a:ext cx="2563178" cy="10073853"/>
           </a:xfrm>
         </p:spPr>
         <p:txBody>
@@ -573,18 +516,13 @@
               <a:rPr lang="en-US"/>
               <a:t>Click to edit Master title style</a:t>
             </a:r>
+            <a:endParaRPr lang="en-US" dirty="0"/>
           </a:p>
         </p:txBody>
       </p:sp>
       <p:sp>
         <p:nvSpPr>
-          <p:cNvPr id="3" name="Vertical Text Placeholder 2">
-            <a:extLst>
-              <a:ext uri="{FF2B5EF4-FFF2-40B4-BE49-F238E27FC236}">
-                <a16:creationId xmlns:a16="http://schemas.microsoft.com/office/drawing/2014/main" id="{720FB461-32FB-600F-E807-5D741538A57B}"/>
-              </a:ext>
-            </a:extLst>
-          </p:cNvPr>
+          <p:cNvPr id="3" name="Vertical Text Placeholder 2"/>
           <p:cNvSpPr>
             <a:spLocks noGrp="1"/>
           </p:cNvSpPr>
@@ -594,8 +532,8 @@
         </p:nvSpPr>
         <p:spPr>
           <a:xfrm>
-            <a:off x="838200" y="365125"/>
-            <a:ext cx="7734300" cy="5811838"/>
+            <a:off x="817245" y="632883"/>
+            <a:ext cx="7540943" cy="10073853"/>
           </a:xfrm>
         </p:spPr>
         <p:txBody>
@@ -635,18 +573,13 @@
               <a:rPr lang="en-US"/>
               <a:t>Fifth level</a:t>
             </a:r>
+            <a:endParaRPr lang="en-US" dirty="0"/>
           </a:p>
         </p:txBody>
       </p:sp>
       <p:sp>
         <p:nvSpPr>
-          <p:cNvPr id="4" name="Date Placeholder 3">
-            <a:extLst>
-              <a:ext uri="{FF2B5EF4-FFF2-40B4-BE49-F238E27FC236}">
-                <a16:creationId xmlns:a16="http://schemas.microsoft.com/office/drawing/2014/main" id="{328FB777-4526-99FD-DBD1-CAD782B129D8}"/>
-              </a:ext>
-            </a:extLst>
-          </p:cNvPr>
+          <p:cNvPr id="4" name="Date Placeholder 3"/>
           <p:cNvSpPr>
             <a:spLocks noGrp="1"/>
           </p:cNvSpPr>
@@ -661,7 +594,7 @@
           <a:p>
             <a:fld id="{D865FBE8-0AE7-4F39-8C28-C05E193A1F1F}" type="datetimeFigureOut">
               <a:rPr lang="en-US" smtClean="0"/>
-              <a:t>9/9/2025</a:t>
+              <a:t>9/11/2025</a:t>
             </a:fld>
             <a:endParaRPr lang="en-US"/>
           </a:p>
@@ -669,13 +602,7 @@
       </p:sp>
       <p:sp>
         <p:nvSpPr>
-          <p:cNvPr id="5" name="Footer Placeholder 4">
-            <a:extLst>
-              <a:ext uri="{FF2B5EF4-FFF2-40B4-BE49-F238E27FC236}">
-                <a16:creationId xmlns:a16="http://schemas.microsoft.com/office/drawing/2014/main" id="{C0B13540-5112-B216-0AC2-E9D236F678BF}"/>
-              </a:ext>
-            </a:extLst>
-          </p:cNvPr>
+          <p:cNvPr id="5" name="Footer Placeholder 4"/>
           <p:cNvSpPr>
             <a:spLocks noGrp="1"/>
           </p:cNvSpPr>
@@ -694,13 +621,7 @@
       </p:sp>
       <p:sp>
         <p:nvSpPr>
-          <p:cNvPr id="6" name="Slide Number Placeholder 5">
-            <a:extLst>
-              <a:ext uri="{FF2B5EF4-FFF2-40B4-BE49-F238E27FC236}">
-                <a16:creationId xmlns:a16="http://schemas.microsoft.com/office/drawing/2014/main" id="{CF972DC7-F6C6-B826-B533-6A39427EB555}"/>
-              </a:ext>
-            </a:extLst>
-          </p:cNvPr>
+          <p:cNvPr id="6" name="Slide Number Placeholder 5"/>
           <p:cNvSpPr>
             <a:spLocks noGrp="1"/>
           </p:cNvSpPr>
@@ -724,7 +645,7 @@
     </p:spTree>
     <p:extLst>
       <p:ext uri="{BB962C8B-B14F-4D97-AF65-F5344CB8AC3E}">
-        <p14:creationId xmlns:p14="http://schemas.microsoft.com/office/powerpoint/2010/main" val="2563905164"/>
+        <p14:creationId xmlns:p14="http://schemas.microsoft.com/office/powerpoint/2010/main" val="14968729"/>
       </p:ext>
     </p:extLst>
   </p:cSld>
@@ -753,13 +674,7 @@
       </p:grpSpPr>
       <p:sp>
         <p:nvSpPr>
-          <p:cNvPr id="2" name="Title 1">
-            <a:extLst>
-              <a:ext uri="{FF2B5EF4-FFF2-40B4-BE49-F238E27FC236}">
-                <a16:creationId xmlns:a16="http://schemas.microsoft.com/office/drawing/2014/main" id="{AC05F404-4FDE-1922-5167-E67E19561632}"/>
-              </a:ext>
-            </a:extLst>
-          </p:cNvPr>
+          <p:cNvPr id="2" name="Title 1"/>
           <p:cNvSpPr>
             <a:spLocks noGrp="1"/>
           </p:cNvSpPr>
@@ -776,18 +691,13 @@
               <a:rPr lang="en-US"/>
               <a:t>Click to edit Master title style</a:t>
             </a:r>
+            <a:endParaRPr lang="en-US" dirty="0"/>
           </a:p>
         </p:txBody>
       </p:sp>
       <p:sp>
         <p:nvSpPr>
-          <p:cNvPr id="3" name="Content Placeholder 2">
-            <a:extLst>
-              <a:ext uri="{FF2B5EF4-FFF2-40B4-BE49-F238E27FC236}">
-                <a16:creationId xmlns:a16="http://schemas.microsoft.com/office/drawing/2014/main" id="{E655A838-DF5C-44A5-A9BA-872F82D5F9A0}"/>
-              </a:ext>
-            </a:extLst>
-          </p:cNvPr>
+          <p:cNvPr id="3" name="Content Placeholder 2"/>
           <p:cNvSpPr>
             <a:spLocks noGrp="1"/>
           </p:cNvSpPr>
@@ -833,18 +743,13 @@
               <a:rPr lang="en-US"/>
               <a:t>Fifth level</a:t>
             </a:r>
+            <a:endParaRPr lang="en-US" dirty="0"/>
           </a:p>
         </p:txBody>
       </p:sp>
       <p:sp>
         <p:nvSpPr>
-          <p:cNvPr id="4" name="Date Placeholder 3">
-            <a:extLst>
-              <a:ext uri="{FF2B5EF4-FFF2-40B4-BE49-F238E27FC236}">
-                <a16:creationId xmlns:a16="http://schemas.microsoft.com/office/drawing/2014/main" id="{13B870E5-5BED-B651-8C53-CE2D5BA9C810}"/>
-              </a:ext>
-            </a:extLst>
-          </p:cNvPr>
+          <p:cNvPr id="4" name="Date Placeholder 3"/>
           <p:cNvSpPr>
             <a:spLocks noGrp="1"/>
           </p:cNvSpPr>
@@ -859,7 +764,7 @@
           <a:p>
             <a:fld id="{D865FBE8-0AE7-4F39-8C28-C05E193A1F1F}" type="datetimeFigureOut">
               <a:rPr lang="en-US" smtClean="0"/>
-              <a:t>9/9/2025</a:t>
+              <a:t>9/11/2025</a:t>
             </a:fld>
             <a:endParaRPr lang="en-US"/>
           </a:p>
@@ -867,13 +772,7 @@
       </p:sp>
       <p:sp>
         <p:nvSpPr>
-          <p:cNvPr id="5" name="Footer Placeholder 4">
-            <a:extLst>
-              <a:ext uri="{FF2B5EF4-FFF2-40B4-BE49-F238E27FC236}">
-                <a16:creationId xmlns:a16="http://schemas.microsoft.com/office/drawing/2014/main" id="{0A5DC291-1E03-9430-585E-85F431BD0458}"/>
-              </a:ext>
-            </a:extLst>
-          </p:cNvPr>
+          <p:cNvPr id="5" name="Footer Placeholder 4"/>
           <p:cNvSpPr>
             <a:spLocks noGrp="1"/>
           </p:cNvSpPr>
@@ -892,13 +791,7 @@
       </p:sp>
       <p:sp>
         <p:nvSpPr>
-          <p:cNvPr id="6" name="Slide Number Placeholder 5">
-            <a:extLst>
-              <a:ext uri="{FF2B5EF4-FFF2-40B4-BE49-F238E27FC236}">
-                <a16:creationId xmlns:a16="http://schemas.microsoft.com/office/drawing/2014/main" id="{C7795196-4FAE-BCCB-DE47-11AE1934D7B9}"/>
-              </a:ext>
-            </a:extLst>
-          </p:cNvPr>
+          <p:cNvPr id="6" name="Slide Number Placeholder 5"/>
           <p:cNvSpPr>
             <a:spLocks noGrp="1"/>
           </p:cNvSpPr>
@@ -922,7 +815,7 @@
     </p:spTree>
     <p:extLst>
       <p:ext uri="{BB962C8B-B14F-4D97-AF65-F5344CB8AC3E}">
-        <p14:creationId xmlns:p14="http://schemas.microsoft.com/office/powerpoint/2010/main" val="2928435264"/>
+        <p14:creationId xmlns:p14="http://schemas.microsoft.com/office/powerpoint/2010/main" val="2443818977"/>
       </p:ext>
     </p:extLst>
   </p:cSld>
@@ -951,13 +844,7 @@
       </p:grpSpPr>
       <p:sp>
         <p:nvSpPr>
-          <p:cNvPr id="2" name="Title 1">
-            <a:extLst>
-              <a:ext uri="{FF2B5EF4-FFF2-40B4-BE49-F238E27FC236}">
-                <a16:creationId xmlns:a16="http://schemas.microsoft.com/office/drawing/2014/main" id="{205C2D5C-61E9-E426-DD3F-24F55BA83E58}"/>
-              </a:ext>
-            </a:extLst>
-          </p:cNvPr>
+          <p:cNvPr id="2" name="Title 1"/>
           <p:cNvSpPr>
             <a:spLocks noGrp="1"/>
           </p:cNvSpPr>
@@ -967,15 +854,15 @@
         </p:nvSpPr>
         <p:spPr>
           <a:xfrm>
-            <a:off x="831850" y="1709738"/>
-            <a:ext cx="10515600" cy="2852737"/>
+            <a:off x="811054" y="2963549"/>
+            <a:ext cx="10252710" cy="4944744"/>
           </a:xfrm>
         </p:spPr>
         <p:txBody>
           <a:bodyPr anchor="b"/>
           <a:lstStyle>
             <a:lvl1pPr>
-              <a:defRPr sz="6000"/>
+              <a:defRPr sz="7800"/>
             </a:lvl1pPr>
           </a:lstStyle>
           <a:p>
@@ -983,18 +870,13 @@
               <a:rPr lang="en-US"/>
               <a:t>Click to edit Master title style</a:t>
             </a:r>
+            <a:endParaRPr lang="en-US" dirty="0"/>
           </a:p>
         </p:txBody>
       </p:sp>
       <p:sp>
         <p:nvSpPr>
-          <p:cNvPr id="3" name="Text Placeholder 2">
-            <a:extLst>
-              <a:ext uri="{FF2B5EF4-FFF2-40B4-BE49-F238E27FC236}">
-                <a16:creationId xmlns:a16="http://schemas.microsoft.com/office/drawing/2014/main" id="{1EE23FB9-A6E0-1654-A9AC-24E96F0AF005}"/>
-              </a:ext>
-            </a:extLst>
-          </p:cNvPr>
+          <p:cNvPr id="3" name="Text Placeholder 2"/>
           <p:cNvSpPr>
             <a:spLocks noGrp="1"/>
           </p:cNvSpPr>
@@ -1004,8 +886,8 @@
         </p:nvSpPr>
         <p:spPr>
           <a:xfrm>
-            <a:off x="831850" y="4589463"/>
-            <a:ext cx="10515600" cy="1500187"/>
+            <a:off x="811054" y="7955072"/>
+            <a:ext cx="10252710" cy="2600324"/>
           </a:xfrm>
         </p:spPr>
         <p:txBody>
@@ -1013,17 +895,15 @@
           <a:lstStyle>
             <a:lvl1pPr marL="0" indent="0">
               <a:buNone/>
-              <a:defRPr sz="2400">
+              <a:defRPr sz="3120">
                 <a:solidFill>
-                  <a:schemeClr val="tx1">
-                    <a:tint val="75000"/>
-                  </a:schemeClr>
+                  <a:schemeClr val="tx1"/>
                 </a:solidFill>
               </a:defRPr>
             </a:lvl1pPr>
-            <a:lvl2pPr marL="457200" indent="0">
+            <a:lvl2pPr marL="594360" indent="0">
               <a:buNone/>
-              <a:defRPr sz="2000">
+              <a:defRPr sz="2600">
                 <a:solidFill>
                   <a:schemeClr val="tx1">
                     <a:tint val="75000"/>
@@ -1031,9 +911,9 @@
                 </a:solidFill>
               </a:defRPr>
             </a:lvl2pPr>
-            <a:lvl3pPr marL="914400" indent="0">
+            <a:lvl3pPr marL="1188720" indent="0">
               <a:buNone/>
-              <a:defRPr sz="1800">
+              <a:defRPr sz="2340">
                 <a:solidFill>
                   <a:schemeClr val="tx1">
                     <a:tint val="75000"/>
@@ -1041,9 +921,9 @@
                 </a:solidFill>
               </a:defRPr>
             </a:lvl3pPr>
-            <a:lvl4pPr marL="1371600" indent="0">
+            <a:lvl4pPr marL="1783080" indent="0">
               <a:buNone/>
-              <a:defRPr sz="1600">
+              <a:defRPr sz="2080">
                 <a:solidFill>
                   <a:schemeClr val="tx1">
                     <a:tint val="75000"/>
@@ -1051,9 +931,9 @@
                 </a:solidFill>
               </a:defRPr>
             </a:lvl4pPr>
-            <a:lvl5pPr marL="1828800" indent="0">
+            <a:lvl5pPr marL="2377440" indent="0">
               <a:buNone/>
-              <a:defRPr sz="1600">
+              <a:defRPr sz="2080">
                 <a:solidFill>
                   <a:schemeClr val="tx1">
                     <a:tint val="75000"/>
@@ -1061,9 +941,9 @@
                 </a:solidFill>
               </a:defRPr>
             </a:lvl5pPr>
-            <a:lvl6pPr marL="2286000" indent="0">
+            <a:lvl6pPr marL="2971800" indent="0">
               <a:buNone/>
-              <a:defRPr sz="1600">
+              <a:defRPr sz="2080">
                 <a:solidFill>
                   <a:schemeClr val="tx1">
                     <a:tint val="75000"/>
@@ -1071,9 +951,9 @@
                 </a:solidFill>
               </a:defRPr>
             </a:lvl6pPr>
-            <a:lvl7pPr marL="2743200" indent="0">
+            <a:lvl7pPr marL="3566160" indent="0">
               <a:buNone/>
-              <a:defRPr sz="1600">
+              <a:defRPr sz="2080">
                 <a:solidFill>
                   <a:schemeClr val="tx1">
                     <a:tint val="75000"/>
@@ -1081,9 +961,9 @@
                 </a:solidFill>
               </a:defRPr>
             </a:lvl7pPr>
-            <a:lvl8pPr marL="3200400" indent="0">
+            <a:lvl8pPr marL="4160520" indent="0">
               <a:buNone/>
-              <a:defRPr sz="1600">
+              <a:defRPr sz="2080">
                 <a:solidFill>
                   <a:schemeClr val="tx1">
                     <a:tint val="75000"/>
@@ -1091,9 +971,9 @@
                 </a:solidFill>
               </a:defRPr>
             </a:lvl8pPr>
-            <a:lvl9pPr marL="3657600" indent="0">
+            <a:lvl9pPr marL="4754880" indent="0">
               <a:buNone/>
-              <a:defRPr sz="1600">
+              <a:defRPr sz="2080">
                 <a:solidFill>
                   <a:schemeClr val="tx1">
                     <a:tint val="75000"/>
@@ -1113,13 +993,7 @@
       </p:sp>
       <p:sp>
         <p:nvSpPr>
-          <p:cNvPr id="4" name="Date Placeholder 3">
-            <a:extLst>
-              <a:ext uri="{FF2B5EF4-FFF2-40B4-BE49-F238E27FC236}">
-                <a16:creationId xmlns:a16="http://schemas.microsoft.com/office/drawing/2014/main" id="{6A950C87-8DAF-E2C1-17CB-71CAFECC496C}"/>
-              </a:ext>
-            </a:extLst>
-          </p:cNvPr>
+          <p:cNvPr id="4" name="Date Placeholder 3"/>
           <p:cNvSpPr>
             <a:spLocks noGrp="1"/>
           </p:cNvSpPr>
@@ -1134,7 +1008,7 @@
           <a:p>
             <a:fld id="{D865FBE8-0AE7-4F39-8C28-C05E193A1F1F}" type="datetimeFigureOut">
               <a:rPr lang="en-US" smtClean="0"/>
-              <a:t>9/9/2025</a:t>
+              <a:t>9/11/2025</a:t>
             </a:fld>
             <a:endParaRPr lang="en-US"/>
           </a:p>
@@ -1142,13 +1016,7 @@
       </p:sp>
       <p:sp>
         <p:nvSpPr>
-          <p:cNvPr id="5" name="Footer Placeholder 4">
-            <a:extLst>
-              <a:ext uri="{FF2B5EF4-FFF2-40B4-BE49-F238E27FC236}">
-                <a16:creationId xmlns:a16="http://schemas.microsoft.com/office/drawing/2014/main" id="{031631C1-E32E-78D2-F96F-E69D9EEBC271}"/>
-              </a:ext>
-            </a:extLst>
-          </p:cNvPr>
+          <p:cNvPr id="5" name="Footer Placeholder 4"/>
           <p:cNvSpPr>
             <a:spLocks noGrp="1"/>
           </p:cNvSpPr>
@@ -1167,13 +1035,7 @@
       </p:sp>
       <p:sp>
         <p:nvSpPr>
-          <p:cNvPr id="6" name="Slide Number Placeholder 5">
-            <a:extLst>
-              <a:ext uri="{FF2B5EF4-FFF2-40B4-BE49-F238E27FC236}">
-                <a16:creationId xmlns:a16="http://schemas.microsoft.com/office/drawing/2014/main" id="{EBFB2206-740A-A4AD-725F-608BF2CEA069}"/>
-              </a:ext>
-            </a:extLst>
-          </p:cNvPr>
+          <p:cNvPr id="6" name="Slide Number Placeholder 5"/>
           <p:cNvSpPr>
             <a:spLocks noGrp="1"/>
           </p:cNvSpPr>
@@ -1197,7 +1059,7 @@
     </p:spTree>
     <p:extLst>
       <p:ext uri="{BB962C8B-B14F-4D97-AF65-F5344CB8AC3E}">
-        <p14:creationId xmlns:p14="http://schemas.microsoft.com/office/powerpoint/2010/main" val="2890090390"/>
+        <p14:creationId xmlns:p14="http://schemas.microsoft.com/office/powerpoint/2010/main" val="1915718305"/>
       </p:ext>
     </p:extLst>
   </p:cSld>
@@ -1226,13 +1088,7 @@
       </p:grpSpPr>
       <p:sp>
         <p:nvSpPr>
-          <p:cNvPr id="2" name="Title 1">
-            <a:extLst>
-              <a:ext uri="{FF2B5EF4-FFF2-40B4-BE49-F238E27FC236}">
-                <a16:creationId xmlns:a16="http://schemas.microsoft.com/office/drawing/2014/main" id="{33F6C7F1-5148-7AF3-195F-1A05FDC155D7}"/>
-              </a:ext>
-            </a:extLst>
-          </p:cNvPr>
+          <p:cNvPr id="2" name="Title 1"/>
           <p:cNvSpPr>
             <a:spLocks noGrp="1"/>
           </p:cNvSpPr>
@@ -1249,18 +1105,13 @@
               <a:rPr lang="en-US"/>
               <a:t>Click to edit Master title style</a:t>
             </a:r>
+            <a:endParaRPr lang="en-US" dirty="0"/>
           </a:p>
         </p:txBody>
       </p:sp>
       <p:sp>
         <p:nvSpPr>
-          <p:cNvPr id="3" name="Content Placeholder 2">
-            <a:extLst>
-              <a:ext uri="{FF2B5EF4-FFF2-40B4-BE49-F238E27FC236}">
-                <a16:creationId xmlns:a16="http://schemas.microsoft.com/office/drawing/2014/main" id="{981564AB-CC80-7435-EE04-732BDCFE2FE2}"/>
-              </a:ext>
-            </a:extLst>
-          </p:cNvPr>
+          <p:cNvPr id="3" name="Content Placeholder 2"/>
           <p:cNvSpPr>
             <a:spLocks noGrp="1"/>
           </p:cNvSpPr>
@@ -1270,8 +1121,8 @@
         </p:nvSpPr>
         <p:spPr>
           <a:xfrm>
-            <a:off x="838200" y="1825625"/>
-            <a:ext cx="5181600" cy="4351338"/>
+            <a:off x="817245" y="3164417"/>
+            <a:ext cx="5052060" cy="7542319"/>
           </a:xfrm>
         </p:spPr>
         <p:txBody>
@@ -1311,18 +1162,13 @@
               <a:rPr lang="en-US"/>
               <a:t>Fifth level</a:t>
             </a:r>
+            <a:endParaRPr lang="en-US" dirty="0"/>
           </a:p>
         </p:txBody>
       </p:sp>
       <p:sp>
         <p:nvSpPr>
-          <p:cNvPr id="4" name="Content Placeholder 3">
-            <a:extLst>
-              <a:ext uri="{FF2B5EF4-FFF2-40B4-BE49-F238E27FC236}">
-                <a16:creationId xmlns:a16="http://schemas.microsoft.com/office/drawing/2014/main" id="{CFFE380E-BA35-BC99-C424-C969065B98F6}"/>
-              </a:ext>
-            </a:extLst>
-          </p:cNvPr>
+          <p:cNvPr id="4" name="Content Placeholder 3"/>
           <p:cNvSpPr>
             <a:spLocks noGrp="1"/>
           </p:cNvSpPr>
@@ -1332,8 +1178,8 @@
         </p:nvSpPr>
         <p:spPr>
           <a:xfrm>
-            <a:off x="6172200" y="1825625"/>
-            <a:ext cx="5181600" cy="4351338"/>
+            <a:off x="6017895" y="3164417"/>
+            <a:ext cx="5052060" cy="7542319"/>
           </a:xfrm>
         </p:spPr>
         <p:txBody>
@@ -1373,18 +1219,13 @@
               <a:rPr lang="en-US"/>
               <a:t>Fifth level</a:t>
             </a:r>
+            <a:endParaRPr lang="en-US" dirty="0"/>
           </a:p>
         </p:txBody>
       </p:sp>
       <p:sp>
         <p:nvSpPr>
-          <p:cNvPr id="5" name="Date Placeholder 4">
-            <a:extLst>
-              <a:ext uri="{FF2B5EF4-FFF2-40B4-BE49-F238E27FC236}">
-                <a16:creationId xmlns:a16="http://schemas.microsoft.com/office/drawing/2014/main" id="{2F07E8E7-E4FB-BBD7-0B53-5A0C9184558A}"/>
-              </a:ext>
-            </a:extLst>
-          </p:cNvPr>
+          <p:cNvPr id="5" name="Date Placeholder 4"/>
           <p:cNvSpPr>
             <a:spLocks noGrp="1"/>
           </p:cNvSpPr>
@@ -1399,7 +1240,7 @@
           <a:p>
             <a:fld id="{D865FBE8-0AE7-4F39-8C28-C05E193A1F1F}" type="datetimeFigureOut">
               <a:rPr lang="en-US" smtClean="0"/>
-              <a:t>9/9/2025</a:t>
+              <a:t>9/11/2025</a:t>
             </a:fld>
             <a:endParaRPr lang="en-US"/>
           </a:p>
@@ -1407,13 +1248,7 @@
       </p:sp>
       <p:sp>
         <p:nvSpPr>
-          <p:cNvPr id="6" name="Footer Placeholder 5">
-            <a:extLst>
-              <a:ext uri="{FF2B5EF4-FFF2-40B4-BE49-F238E27FC236}">
-                <a16:creationId xmlns:a16="http://schemas.microsoft.com/office/drawing/2014/main" id="{7E834F09-5FC9-D674-9F8D-78A068BCE113}"/>
-              </a:ext>
-            </a:extLst>
-          </p:cNvPr>
+          <p:cNvPr id="6" name="Footer Placeholder 5"/>
           <p:cNvSpPr>
             <a:spLocks noGrp="1"/>
           </p:cNvSpPr>
@@ -1432,13 +1267,7 @@
       </p:sp>
       <p:sp>
         <p:nvSpPr>
-          <p:cNvPr id="7" name="Slide Number Placeholder 6">
-            <a:extLst>
-              <a:ext uri="{FF2B5EF4-FFF2-40B4-BE49-F238E27FC236}">
-                <a16:creationId xmlns:a16="http://schemas.microsoft.com/office/drawing/2014/main" id="{B5B01249-331C-FC7A-8F83-5664E0B01C5C}"/>
-              </a:ext>
-            </a:extLst>
-          </p:cNvPr>
+          <p:cNvPr id="7" name="Slide Number Placeholder 6"/>
           <p:cNvSpPr>
             <a:spLocks noGrp="1"/>
           </p:cNvSpPr>
@@ -1462,7 +1291,7 @@
     </p:spTree>
     <p:extLst>
       <p:ext uri="{BB962C8B-B14F-4D97-AF65-F5344CB8AC3E}">
-        <p14:creationId xmlns:p14="http://schemas.microsoft.com/office/powerpoint/2010/main" val="3437646898"/>
+        <p14:creationId xmlns:p14="http://schemas.microsoft.com/office/powerpoint/2010/main" val="2801988955"/>
       </p:ext>
     </p:extLst>
   </p:cSld>
@@ -1491,13 +1320,7 @@
       </p:grpSpPr>
       <p:sp>
         <p:nvSpPr>
-          <p:cNvPr id="2" name="Title 1">
-            <a:extLst>
-              <a:ext uri="{FF2B5EF4-FFF2-40B4-BE49-F238E27FC236}">
-                <a16:creationId xmlns:a16="http://schemas.microsoft.com/office/drawing/2014/main" id="{C99D6F99-5F41-63B7-8658-5E7B8342CA86}"/>
-              </a:ext>
-            </a:extLst>
-          </p:cNvPr>
+          <p:cNvPr id="2" name="Title 1"/>
           <p:cNvSpPr>
             <a:spLocks noGrp="1"/>
           </p:cNvSpPr>
@@ -1507,8 +1330,8 @@
         </p:nvSpPr>
         <p:spPr>
           <a:xfrm>
-            <a:off x="839788" y="365125"/>
-            <a:ext cx="10515600" cy="1325563"/>
+            <a:off x="818793" y="632886"/>
+            <a:ext cx="10252710" cy="2297643"/>
           </a:xfrm>
         </p:spPr>
         <p:txBody>
@@ -1519,18 +1342,13 @@
               <a:rPr lang="en-US"/>
               <a:t>Click to edit Master title style</a:t>
             </a:r>
+            <a:endParaRPr lang="en-US" dirty="0"/>
           </a:p>
         </p:txBody>
       </p:sp>
       <p:sp>
         <p:nvSpPr>
-          <p:cNvPr id="3" name="Text Placeholder 2">
-            <a:extLst>
-              <a:ext uri="{FF2B5EF4-FFF2-40B4-BE49-F238E27FC236}">
-                <a16:creationId xmlns:a16="http://schemas.microsoft.com/office/drawing/2014/main" id="{B1C7CB3B-22CE-2469-9C24-5FF74DE45C9C}"/>
-              </a:ext>
-            </a:extLst>
-          </p:cNvPr>
+          <p:cNvPr id="3" name="Text Placeholder 2"/>
           <p:cNvSpPr>
             <a:spLocks noGrp="1"/>
           </p:cNvSpPr>
@@ -1540,8 +1358,8 @@
         </p:nvSpPr>
         <p:spPr>
           <a:xfrm>
-            <a:off x="839788" y="1681163"/>
-            <a:ext cx="5157787" cy="823912"/>
+            <a:off x="818795" y="2914016"/>
+            <a:ext cx="5028842" cy="1428114"/>
           </a:xfrm>
         </p:spPr>
         <p:txBody>
@@ -1549,39 +1367,39 @@
           <a:lstStyle>
             <a:lvl1pPr marL="0" indent="0">
               <a:buNone/>
-              <a:defRPr sz="2400" b="1"/>
+              <a:defRPr sz="3120" b="1"/>
             </a:lvl1pPr>
-            <a:lvl2pPr marL="457200" indent="0">
+            <a:lvl2pPr marL="594360" indent="0">
               <a:buNone/>
-              <a:defRPr sz="2000" b="1"/>
+              <a:defRPr sz="2600" b="1"/>
             </a:lvl2pPr>
-            <a:lvl3pPr marL="914400" indent="0">
+            <a:lvl3pPr marL="1188720" indent="0">
               <a:buNone/>
-              <a:defRPr sz="1800" b="1"/>
+              <a:defRPr sz="2340" b="1"/>
             </a:lvl3pPr>
-            <a:lvl4pPr marL="1371600" indent="0">
+            <a:lvl4pPr marL="1783080" indent="0">
               <a:buNone/>
-              <a:defRPr sz="1600" b="1"/>
+              <a:defRPr sz="2080" b="1"/>
             </a:lvl4pPr>
-            <a:lvl5pPr marL="1828800" indent="0">
+            <a:lvl5pPr marL="2377440" indent="0">
               <a:buNone/>
-              <a:defRPr sz="1600" b="1"/>
+              <a:defRPr sz="2080" b="1"/>
             </a:lvl5pPr>
-            <a:lvl6pPr marL="2286000" indent="0">
+            <a:lvl6pPr marL="2971800" indent="0">
               <a:buNone/>
-              <a:defRPr sz="1600" b="1"/>
+              <a:defRPr sz="2080" b="1"/>
             </a:lvl6pPr>
-            <a:lvl7pPr marL="2743200" indent="0">
+            <a:lvl7pPr marL="3566160" indent="0">
               <a:buNone/>
-              <a:defRPr sz="1600" b="1"/>
+              <a:defRPr sz="2080" b="1"/>
             </a:lvl7pPr>
-            <a:lvl8pPr marL="3200400" indent="0">
+            <a:lvl8pPr marL="4160520" indent="0">
               <a:buNone/>
-              <a:defRPr sz="1600" b="1"/>
+              <a:defRPr sz="2080" b="1"/>
             </a:lvl8pPr>
-            <a:lvl9pPr marL="3657600" indent="0">
+            <a:lvl9pPr marL="4754880" indent="0">
               <a:buNone/>
-              <a:defRPr sz="1600" b="1"/>
+              <a:defRPr sz="2080" b="1"/>
             </a:lvl9pPr>
           </a:lstStyle>
           <a:p>
@@ -1595,13 +1413,7 @@
       </p:sp>
       <p:sp>
         <p:nvSpPr>
-          <p:cNvPr id="4" name="Content Placeholder 3">
-            <a:extLst>
-              <a:ext uri="{FF2B5EF4-FFF2-40B4-BE49-F238E27FC236}">
-                <a16:creationId xmlns:a16="http://schemas.microsoft.com/office/drawing/2014/main" id="{9E45C56A-2866-1DF0-FEAA-978AFB8A264D}"/>
-              </a:ext>
-            </a:extLst>
-          </p:cNvPr>
+          <p:cNvPr id="4" name="Content Placeholder 3"/>
           <p:cNvSpPr>
             <a:spLocks noGrp="1"/>
           </p:cNvSpPr>
@@ -1611,8 +1423,8 @@
         </p:nvSpPr>
         <p:spPr>
           <a:xfrm>
-            <a:off x="839788" y="2505075"/>
-            <a:ext cx="5157787" cy="3684588"/>
+            <a:off x="818795" y="4342130"/>
+            <a:ext cx="5028842" cy="6386619"/>
           </a:xfrm>
         </p:spPr>
         <p:txBody>
@@ -1652,18 +1464,13 @@
               <a:rPr lang="en-US"/>
               <a:t>Fifth level</a:t>
             </a:r>
+            <a:endParaRPr lang="en-US" dirty="0"/>
           </a:p>
         </p:txBody>
       </p:sp>
       <p:sp>
         <p:nvSpPr>
-          <p:cNvPr id="5" name="Text Placeholder 4">
-            <a:extLst>
-              <a:ext uri="{FF2B5EF4-FFF2-40B4-BE49-F238E27FC236}">
-                <a16:creationId xmlns:a16="http://schemas.microsoft.com/office/drawing/2014/main" id="{C3118DDF-9C81-3B30-C33C-8CA48FABFF44}"/>
-              </a:ext>
-            </a:extLst>
-          </p:cNvPr>
+          <p:cNvPr id="5" name="Text Placeholder 4"/>
           <p:cNvSpPr>
             <a:spLocks noGrp="1"/>
           </p:cNvSpPr>
@@ -1673,8 +1480,8 @@
         </p:nvSpPr>
         <p:spPr>
           <a:xfrm>
-            <a:off x="6172200" y="1681163"/>
-            <a:ext cx="5183188" cy="823912"/>
+            <a:off x="6017896" y="2914016"/>
+            <a:ext cx="5053608" cy="1428114"/>
           </a:xfrm>
         </p:spPr>
         <p:txBody>
@@ -1682,39 +1489,39 @@
           <a:lstStyle>
             <a:lvl1pPr marL="0" indent="0">
               <a:buNone/>
-              <a:defRPr sz="2400" b="1"/>
+              <a:defRPr sz="3120" b="1"/>
             </a:lvl1pPr>
-            <a:lvl2pPr marL="457200" indent="0">
+            <a:lvl2pPr marL="594360" indent="0">
               <a:buNone/>
-              <a:defRPr sz="2000" b="1"/>
+              <a:defRPr sz="2600" b="1"/>
             </a:lvl2pPr>
-            <a:lvl3pPr marL="914400" indent="0">
+            <a:lvl3pPr marL="1188720" indent="0">
               <a:buNone/>
-              <a:defRPr sz="1800" b="1"/>
+              <a:defRPr sz="2340" b="1"/>
             </a:lvl3pPr>
-            <a:lvl4pPr marL="1371600" indent="0">
+            <a:lvl4pPr marL="1783080" indent="0">
               <a:buNone/>
-              <a:defRPr sz="1600" b="1"/>
+              <a:defRPr sz="2080" b="1"/>
             </a:lvl4pPr>
-            <a:lvl5pPr marL="1828800" indent="0">
+            <a:lvl5pPr marL="2377440" indent="0">
               <a:buNone/>
-              <a:defRPr sz="1600" b="1"/>
+              <a:defRPr sz="2080" b="1"/>
             </a:lvl5pPr>
-            <a:lvl6pPr marL="2286000" indent="0">
+            <a:lvl6pPr marL="2971800" indent="0">
               <a:buNone/>
-              <a:defRPr sz="1600" b="1"/>
+              <a:defRPr sz="2080" b="1"/>
             </a:lvl6pPr>
-            <a:lvl7pPr marL="2743200" indent="0">
+            <a:lvl7pPr marL="3566160" indent="0">
               <a:buNone/>
-              <a:defRPr sz="1600" b="1"/>
+              <a:defRPr sz="2080" b="1"/>
             </a:lvl7pPr>
-            <a:lvl8pPr marL="3200400" indent="0">
+            <a:lvl8pPr marL="4160520" indent="0">
               <a:buNone/>
-              <a:defRPr sz="1600" b="1"/>
+              <a:defRPr sz="2080" b="1"/>
             </a:lvl8pPr>
-            <a:lvl9pPr marL="3657600" indent="0">
+            <a:lvl9pPr marL="4754880" indent="0">
               <a:buNone/>
-              <a:defRPr sz="1600" b="1"/>
+              <a:defRPr sz="2080" b="1"/>
             </a:lvl9pPr>
           </a:lstStyle>
           <a:p>
@@ -1728,13 +1535,7 @@
       </p:sp>
       <p:sp>
         <p:nvSpPr>
-          <p:cNvPr id="6" name="Content Placeholder 5">
-            <a:extLst>
-              <a:ext uri="{FF2B5EF4-FFF2-40B4-BE49-F238E27FC236}">
-                <a16:creationId xmlns:a16="http://schemas.microsoft.com/office/drawing/2014/main" id="{6E485C40-4E0B-394A-D940-8004C9EFB8CA}"/>
-              </a:ext>
-            </a:extLst>
-          </p:cNvPr>
+          <p:cNvPr id="6" name="Content Placeholder 5"/>
           <p:cNvSpPr>
             <a:spLocks noGrp="1"/>
           </p:cNvSpPr>
@@ -1744,8 +1545,8 @@
         </p:nvSpPr>
         <p:spPr>
           <a:xfrm>
-            <a:off x="6172200" y="2505075"/>
-            <a:ext cx="5183188" cy="3684588"/>
+            <a:off x="6017896" y="4342130"/>
+            <a:ext cx="5053608" cy="6386619"/>
           </a:xfrm>
         </p:spPr>
         <p:txBody>
@@ -1785,18 +1586,13 @@
               <a:rPr lang="en-US"/>
               <a:t>Fifth level</a:t>
             </a:r>
+            <a:endParaRPr lang="en-US" dirty="0"/>
           </a:p>
         </p:txBody>
       </p:sp>
       <p:sp>
         <p:nvSpPr>
-          <p:cNvPr id="7" name="Date Placeholder 6">
-            <a:extLst>
-              <a:ext uri="{FF2B5EF4-FFF2-40B4-BE49-F238E27FC236}">
-                <a16:creationId xmlns:a16="http://schemas.microsoft.com/office/drawing/2014/main" id="{ABD8F376-33CD-F844-127B-B04FE1E8FF34}"/>
-              </a:ext>
-            </a:extLst>
-          </p:cNvPr>
+          <p:cNvPr id="7" name="Date Placeholder 6"/>
           <p:cNvSpPr>
             <a:spLocks noGrp="1"/>
           </p:cNvSpPr>
@@ -1811,7 +1607,7 @@
           <a:p>
             <a:fld id="{D865FBE8-0AE7-4F39-8C28-C05E193A1F1F}" type="datetimeFigureOut">
               <a:rPr lang="en-US" smtClean="0"/>
-              <a:t>9/9/2025</a:t>
+              <a:t>9/11/2025</a:t>
             </a:fld>
             <a:endParaRPr lang="en-US"/>
           </a:p>
@@ -1819,13 +1615,7 @@
       </p:sp>
       <p:sp>
         <p:nvSpPr>
-          <p:cNvPr id="8" name="Footer Placeholder 7">
-            <a:extLst>
-              <a:ext uri="{FF2B5EF4-FFF2-40B4-BE49-F238E27FC236}">
-                <a16:creationId xmlns:a16="http://schemas.microsoft.com/office/drawing/2014/main" id="{F989A591-0ED0-57BC-2231-5D9EF55CF45B}"/>
-              </a:ext>
-            </a:extLst>
-          </p:cNvPr>
+          <p:cNvPr id="8" name="Footer Placeholder 7"/>
           <p:cNvSpPr>
             <a:spLocks noGrp="1"/>
           </p:cNvSpPr>
@@ -1844,13 +1634,7 @@
       </p:sp>
       <p:sp>
         <p:nvSpPr>
-          <p:cNvPr id="9" name="Slide Number Placeholder 8">
-            <a:extLst>
-              <a:ext uri="{FF2B5EF4-FFF2-40B4-BE49-F238E27FC236}">
-                <a16:creationId xmlns:a16="http://schemas.microsoft.com/office/drawing/2014/main" id="{B078FDA9-D9D5-F01D-2BFA-235F0805B76A}"/>
-              </a:ext>
-            </a:extLst>
-          </p:cNvPr>
+          <p:cNvPr id="9" name="Slide Number Placeholder 8"/>
           <p:cNvSpPr>
             <a:spLocks noGrp="1"/>
           </p:cNvSpPr>
@@ -1874,7 +1658,7 @@
     </p:spTree>
     <p:extLst>
       <p:ext uri="{BB962C8B-B14F-4D97-AF65-F5344CB8AC3E}">
-        <p14:creationId xmlns:p14="http://schemas.microsoft.com/office/powerpoint/2010/main" val="191436233"/>
+        <p14:creationId xmlns:p14="http://schemas.microsoft.com/office/powerpoint/2010/main" val="3465880203"/>
       </p:ext>
     </p:extLst>
   </p:cSld>
@@ -1903,13 +1687,7 @@
       </p:grpSpPr>
       <p:sp>
         <p:nvSpPr>
-          <p:cNvPr id="2" name="Title 1">
-            <a:extLst>
-              <a:ext uri="{FF2B5EF4-FFF2-40B4-BE49-F238E27FC236}">
-                <a16:creationId xmlns:a16="http://schemas.microsoft.com/office/drawing/2014/main" id="{42CE6161-B408-BAC3-AE89-C19CBEFC1A26}"/>
-              </a:ext>
-            </a:extLst>
-          </p:cNvPr>
+          <p:cNvPr id="2" name="Title 1"/>
           <p:cNvSpPr>
             <a:spLocks noGrp="1"/>
           </p:cNvSpPr>
@@ -1926,18 +1704,13 @@
               <a:rPr lang="en-US"/>
               <a:t>Click to edit Master title style</a:t>
             </a:r>
+            <a:endParaRPr lang="en-US" dirty="0"/>
           </a:p>
         </p:txBody>
       </p:sp>
       <p:sp>
         <p:nvSpPr>
-          <p:cNvPr id="3" name="Date Placeholder 2">
-            <a:extLst>
-              <a:ext uri="{FF2B5EF4-FFF2-40B4-BE49-F238E27FC236}">
-                <a16:creationId xmlns:a16="http://schemas.microsoft.com/office/drawing/2014/main" id="{221BB215-6B8C-B47D-6A7A-C0E4046D7EBC}"/>
-              </a:ext>
-            </a:extLst>
-          </p:cNvPr>
+          <p:cNvPr id="3" name="Date Placeholder 2"/>
           <p:cNvSpPr>
             <a:spLocks noGrp="1"/>
           </p:cNvSpPr>
@@ -1952,7 +1725,7 @@
           <a:p>
             <a:fld id="{D865FBE8-0AE7-4F39-8C28-C05E193A1F1F}" type="datetimeFigureOut">
               <a:rPr lang="en-US" smtClean="0"/>
-              <a:t>9/9/2025</a:t>
+              <a:t>9/11/2025</a:t>
             </a:fld>
             <a:endParaRPr lang="en-US"/>
           </a:p>
@@ -1960,13 +1733,7 @@
       </p:sp>
       <p:sp>
         <p:nvSpPr>
-          <p:cNvPr id="4" name="Footer Placeholder 3">
-            <a:extLst>
-              <a:ext uri="{FF2B5EF4-FFF2-40B4-BE49-F238E27FC236}">
-                <a16:creationId xmlns:a16="http://schemas.microsoft.com/office/drawing/2014/main" id="{22C2C227-474E-68C6-234E-D3DCE503000A}"/>
-              </a:ext>
-            </a:extLst>
-          </p:cNvPr>
+          <p:cNvPr id="4" name="Footer Placeholder 3"/>
           <p:cNvSpPr>
             <a:spLocks noGrp="1"/>
           </p:cNvSpPr>
@@ -1985,13 +1752,7 @@
       </p:sp>
       <p:sp>
         <p:nvSpPr>
-          <p:cNvPr id="5" name="Slide Number Placeholder 4">
-            <a:extLst>
-              <a:ext uri="{FF2B5EF4-FFF2-40B4-BE49-F238E27FC236}">
-                <a16:creationId xmlns:a16="http://schemas.microsoft.com/office/drawing/2014/main" id="{BABF1A03-3C45-4B80-AECB-C11BFFA89C28}"/>
-              </a:ext>
-            </a:extLst>
-          </p:cNvPr>
+          <p:cNvPr id="5" name="Slide Number Placeholder 4"/>
           <p:cNvSpPr>
             <a:spLocks noGrp="1"/>
           </p:cNvSpPr>
@@ -2015,7 +1776,7 @@
     </p:spTree>
     <p:extLst>
       <p:ext uri="{BB962C8B-B14F-4D97-AF65-F5344CB8AC3E}">
-        <p14:creationId xmlns:p14="http://schemas.microsoft.com/office/powerpoint/2010/main" val="1167945831"/>
+        <p14:creationId xmlns:p14="http://schemas.microsoft.com/office/powerpoint/2010/main" val="719588835"/>
       </p:ext>
     </p:extLst>
   </p:cSld>
@@ -2044,13 +1805,7 @@
       </p:grpSpPr>
       <p:sp>
         <p:nvSpPr>
-          <p:cNvPr id="2" name="Date Placeholder 1">
-            <a:extLst>
-              <a:ext uri="{FF2B5EF4-FFF2-40B4-BE49-F238E27FC236}">
-                <a16:creationId xmlns:a16="http://schemas.microsoft.com/office/drawing/2014/main" id="{708B0965-BABB-0ABC-0B90-F3BD9D25AD21}"/>
-              </a:ext>
-            </a:extLst>
-          </p:cNvPr>
+          <p:cNvPr id="2" name="Date Placeholder 1"/>
           <p:cNvSpPr>
             <a:spLocks noGrp="1"/>
           </p:cNvSpPr>
@@ -2065,7 +1820,7 @@
           <a:p>
             <a:fld id="{D865FBE8-0AE7-4F39-8C28-C05E193A1F1F}" type="datetimeFigureOut">
               <a:rPr lang="en-US" smtClean="0"/>
-              <a:t>9/9/2025</a:t>
+              <a:t>9/11/2025</a:t>
             </a:fld>
             <a:endParaRPr lang="en-US"/>
           </a:p>
@@ -2073,13 +1828,7 @@
       </p:sp>
       <p:sp>
         <p:nvSpPr>
-          <p:cNvPr id="3" name="Footer Placeholder 2">
-            <a:extLst>
-              <a:ext uri="{FF2B5EF4-FFF2-40B4-BE49-F238E27FC236}">
-                <a16:creationId xmlns:a16="http://schemas.microsoft.com/office/drawing/2014/main" id="{59C1B04F-437C-9D5F-7169-F5BA8A11D97D}"/>
-              </a:ext>
-            </a:extLst>
-          </p:cNvPr>
+          <p:cNvPr id="3" name="Footer Placeholder 2"/>
           <p:cNvSpPr>
             <a:spLocks noGrp="1"/>
           </p:cNvSpPr>
@@ -2098,13 +1847,7 @@
       </p:sp>
       <p:sp>
         <p:nvSpPr>
-          <p:cNvPr id="4" name="Slide Number Placeholder 3">
-            <a:extLst>
-              <a:ext uri="{FF2B5EF4-FFF2-40B4-BE49-F238E27FC236}">
-                <a16:creationId xmlns:a16="http://schemas.microsoft.com/office/drawing/2014/main" id="{E5162FEC-8D20-A6AE-6C90-211BB640676C}"/>
-              </a:ext>
-            </a:extLst>
-          </p:cNvPr>
+          <p:cNvPr id="4" name="Slide Number Placeholder 3"/>
           <p:cNvSpPr>
             <a:spLocks noGrp="1"/>
           </p:cNvSpPr>
@@ -2128,7 +1871,7 @@
     </p:spTree>
     <p:extLst>
       <p:ext uri="{BB962C8B-B14F-4D97-AF65-F5344CB8AC3E}">
-        <p14:creationId xmlns:p14="http://schemas.microsoft.com/office/powerpoint/2010/main" val="809181897"/>
+        <p14:creationId xmlns:p14="http://schemas.microsoft.com/office/powerpoint/2010/main" val="89671954"/>
       </p:ext>
     </p:extLst>
   </p:cSld>
@@ -2157,13 +1900,7 @@
       </p:grpSpPr>
       <p:sp>
         <p:nvSpPr>
-          <p:cNvPr id="2" name="Title 1">
-            <a:extLst>
-              <a:ext uri="{FF2B5EF4-FFF2-40B4-BE49-F238E27FC236}">
-                <a16:creationId xmlns:a16="http://schemas.microsoft.com/office/drawing/2014/main" id="{9F43F632-F4BE-8BC1-4CAC-8B58AA6BA37D}"/>
-              </a:ext>
-            </a:extLst>
-          </p:cNvPr>
+          <p:cNvPr id="2" name="Title 1"/>
           <p:cNvSpPr>
             <a:spLocks noGrp="1"/>
           </p:cNvSpPr>
@@ -2173,15 +1910,15 @@
         </p:nvSpPr>
         <p:spPr>
           <a:xfrm>
-            <a:off x="839788" y="457200"/>
-            <a:ext cx="3932237" cy="1600200"/>
+            <a:off x="818794" y="792480"/>
+            <a:ext cx="3833931" cy="2773680"/>
           </a:xfrm>
         </p:spPr>
         <p:txBody>
           <a:bodyPr anchor="b"/>
           <a:lstStyle>
             <a:lvl1pPr>
-              <a:defRPr sz="3200"/>
+              <a:defRPr sz="4160"/>
             </a:lvl1pPr>
           </a:lstStyle>
           <a:p>
@@ -2189,18 +1926,13 @@
               <a:rPr lang="en-US"/>
               <a:t>Click to edit Master title style</a:t>
             </a:r>
+            <a:endParaRPr lang="en-US" dirty="0"/>
           </a:p>
         </p:txBody>
       </p:sp>
       <p:sp>
         <p:nvSpPr>
-          <p:cNvPr id="3" name="Content Placeholder 2">
-            <a:extLst>
-              <a:ext uri="{FF2B5EF4-FFF2-40B4-BE49-F238E27FC236}">
-                <a16:creationId xmlns:a16="http://schemas.microsoft.com/office/drawing/2014/main" id="{8E9B7AED-E6E2-6587-FFFC-EAECD672D847}"/>
-              </a:ext>
-            </a:extLst>
-          </p:cNvPr>
+          <p:cNvPr id="3" name="Content Placeholder 2"/>
           <p:cNvSpPr>
             <a:spLocks noGrp="1"/>
           </p:cNvSpPr>
@@ -2210,39 +1942,39 @@
         </p:nvSpPr>
         <p:spPr>
           <a:xfrm>
-            <a:off x="5183188" y="987425"/>
-            <a:ext cx="6172200" cy="4873625"/>
+            <a:off x="5053608" y="1711539"/>
+            <a:ext cx="6017895" cy="8447617"/>
           </a:xfrm>
         </p:spPr>
         <p:txBody>
           <a:bodyPr/>
           <a:lstStyle>
             <a:lvl1pPr>
-              <a:defRPr sz="3200"/>
+              <a:defRPr sz="4160"/>
             </a:lvl1pPr>
             <a:lvl2pPr>
-              <a:defRPr sz="2800"/>
+              <a:defRPr sz="3640"/>
             </a:lvl2pPr>
             <a:lvl3pPr>
-              <a:defRPr sz="2400"/>
+              <a:defRPr sz="3120"/>
             </a:lvl3pPr>
             <a:lvl4pPr>
-              <a:defRPr sz="2000"/>
+              <a:defRPr sz="2600"/>
             </a:lvl4pPr>
             <a:lvl5pPr>
-              <a:defRPr sz="2000"/>
+              <a:defRPr sz="2600"/>
             </a:lvl5pPr>
             <a:lvl6pPr>
-              <a:defRPr sz="2000"/>
+              <a:defRPr sz="2600"/>
             </a:lvl6pPr>
             <a:lvl7pPr>
-              <a:defRPr sz="2000"/>
+              <a:defRPr sz="2600"/>
             </a:lvl7pPr>
             <a:lvl8pPr>
-              <a:defRPr sz="2000"/>
+              <a:defRPr sz="2600"/>
             </a:lvl8pPr>
             <a:lvl9pPr>
-              <a:defRPr sz="2000"/>
+              <a:defRPr sz="2600"/>
             </a:lvl9pPr>
           </a:lstStyle>
           <a:p>
@@ -2279,18 +2011,13 @@
               <a:rPr lang="en-US"/>
               <a:t>Fifth level</a:t>
             </a:r>
+            <a:endParaRPr lang="en-US" dirty="0"/>
           </a:p>
         </p:txBody>
       </p:sp>
       <p:sp>
         <p:nvSpPr>
-          <p:cNvPr id="4" name="Text Placeholder 3">
-            <a:extLst>
-              <a:ext uri="{FF2B5EF4-FFF2-40B4-BE49-F238E27FC236}">
-                <a16:creationId xmlns:a16="http://schemas.microsoft.com/office/drawing/2014/main" id="{D2C354E3-361B-C392-F78F-9530A2249FB0}"/>
-              </a:ext>
-            </a:extLst>
-          </p:cNvPr>
+          <p:cNvPr id="4" name="Text Placeholder 3"/>
           <p:cNvSpPr>
             <a:spLocks noGrp="1"/>
           </p:cNvSpPr>
@@ -2300,8 +2027,8 @@
         </p:nvSpPr>
         <p:spPr>
           <a:xfrm>
-            <a:off x="839788" y="2057400"/>
-            <a:ext cx="3932237" cy="3811588"/>
+            <a:off x="818794" y="3566160"/>
+            <a:ext cx="3833931" cy="6606753"/>
           </a:xfrm>
         </p:spPr>
         <p:txBody>
@@ -2309,39 +2036,39 @@
           <a:lstStyle>
             <a:lvl1pPr marL="0" indent="0">
               <a:buNone/>
-              <a:defRPr sz="1600"/>
+              <a:defRPr sz="2080"/>
             </a:lvl1pPr>
-            <a:lvl2pPr marL="457200" indent="0">
+            <a:lvl2pPr marL="594360" indent="0">
               <a:buNone/>
-              <a:defRPr sz="1400"/>
+              <a:defRPr sz="1820"/>
             </a:lvl2pPr>
-            <a:lvl3pPr marL="914400" indent="0">
+            <a:lvl3pPr marL="1188720" indent="0">
               <a:buNone/>
-              <a:defRPr sz="1200"/>
+              <a:defRPr sz="1560"/>
             </a:lvl3pPr>
-            <a:lvl4pPr marL="1371600" indent="0">
+            <a:lvl4pPr marL="1783080" indent="0">
               <a:buNone/>
-              <a:defRPr sz="1000"/>
+              <a:defRPr sz="1300"/>
             </a:lvl4pPr>
-            <a:lvl5pPr marL="1828800" indent="0">
+            <a:lvl5pPr marL="2377440" indent="0">
               <a:buNone/>
-              <a:defRPr sz="1000"/>
+              <a:defRPr sz="1300"/>
             </a:lvl5pPr>
-            <a:lvl6pPr marL="2286000" indent="0">
+            <a:lvl6pPr marL="2971800" indent="0">
               <a:buNone/>
-              <a:defRPr sz="1000"/>
+              <a:defRPr sz="1300"/>
             </a:lvl6pPr>
-            <a:lvl7pPr marL="2743200" indent="0">
+            <a:lvl7pPr marL="3566160" indent="0">
               <a:buNone/>
-              <a:defRPr sz="1000"/>
+              <a:defRPr sz="1300"/>
             </a:lvl7pPr>
-            <a:lvl8pPr marL="3200400" indent="0">
+            <a:lvl8pPr marL="4160520" indent="0">
               <a:buNone/>
-              <a:defRPr sz="1000"/>
+              <a:defRPr sz="1300"/>
             </a:lvl8pPr>
-            <a:lvl9pPr marL="3657600" indent="0">
+            <a:lvl9pPr marL="4754880" indent="0">
               <a:buNone/>
-              <a:defRPr sz="1000"/>
+              <a:defRPr sz="1300"/>
             </a:lvl9pPr>
           </a:lstStyle>
           <a:p>
@@ -2355,13 +2082,7 @@
       </p:sp>
       <p:sp>
         <p:nvSpPr>
-          <p:cNvPr id="5" name="Date Placeholder 4">
-            <a:extLst>
-              <a:ext uri="{FF2B5EF4-FFF2-40B4-BE49-F238E27FC236}">
-                <a16:creationId xmlns:a16="http://schemas.microsoft.com/office/drawing/2014/main" id="{4642A367-808D-D2ED-9473-FACCF5EAD8FC}"/>
-              </a:ext>
-            </a:extLst>
-          </p:cNvPr>
+          <p:cNvPr id="5" name="Date Placeholder 4"/>
           <p:cNvSpPr>
             <a:spLocks noGrp="1"/>
           </p:cNvSpPr>
@@ -2376,7 +2097,7 @@
           <a:p>
             <a:fld id="{D865FBE8-0AE7-4F39-8C28-C05E193A1F1F}" type="datetimeFigureOut">
               <a:rPr lang="en-US" smtClean="0"/>
-              <a:t>9/9/2025</a:t>
+              <a:t>9/11/2025</a:t>
             </a:fld>
             <a:endParaRPr lang="en-US"/>
           </a:p>
@@ -2384,13 +2105,7 @@
       </p:sp>
       <p:sp>
         <p:nvSpPr>
-          <p:cNvPr id="6" name="Footer Placeholder 5">
-            <a:extLst>
-              <a:ext uri="{FF2B5EF4-FFF2-40B4-BE49-F238E27FC236}">
-                <a16:creationId xmlns:a16="http://schemas.microsoft.com/office/drawing/2014/main" id="{F3D32868-B2B5-2E6E-2D46-3C2B2F543E52}"/>
-              </a:ext>
-            </a:extLst>
-          </p:cNvPr>
+          <p:cNvPr id="6" name="Footer Placeholder 5"/>
           <p:cNvSpPr>
             <a:spLocks noGrp="1"/>
           </p:cNvSpPr>
@@ -2409,13 +2124,7 @@
       </p:sp>
       <p:sp>
         <p:nvSpPr>
-          <p:cNvPr id="7" name="Slide Number Placeholder 6">
-            <a:extLst>
-              <a:ext uri="{FF2B5EF4-FFF2-40B4-BE49-F238E27FC236}">
-                <a16:creationId xmlns:a16="http://schemas.microsoft.com/office/drawing/2014/main" id="{ACAA0E9A-05DF-04E9-ABA2-DFFD4D1CB052}"/>
-              </a:ext>
-            </a:extLst>
-          </p:cNvPr>
+          <p:cNvPr id="7" name="Slide Number Placeholder 6"/>
           <p:cNvSpPr>
             <a:spLocks noGrp="1"/>
           </p:cNvSpPr>
@@ -2439,7 +2148,7 @@
     </p:spTree>
     <p:extLst>
       <p:ext uri="{BB962C8B-B14F-4D97-AF65-F5344CB8AC3E}">
-        <p14:creationId xmlns:p14="http://schemas.microsoft.com/office/powerpoint/2010/main" val="3096568734"/>
+        <p14:creationId xmlns:p14="http://schemas.microsoft.com/office/powerpoint/2010/main" val="1214796639"/>
       </p:ext>
     </p:extLst>
   </p:cSld>
@@ -2468,13 +2177,7 @@
       </p:grpSpPr>
       <p:sp>
         <p:nvSpPr>
-          <p:cNvPr id="2" name="Title 1">
-            <a:extLst>
-              <a:ext uri="{FF2B5EF4-FFF2-40B4-BE49-F238E27FC236}">
-                <a16:creationId xmlns:a16="http://schemas.microsoft.com/office/drawing/2014/main" id="{2A0697D8-0F74-FAE9-CC1C-6C93E6C13F17}"/>
-              </a:ext>
-            </a:extLst>
-          </p:cNvPr>
+          <p:cNvPr id="2" name="Title 1"/>
           <p:cNvSpPr>
             <a:spLocks noGrp="1"/>
           </p:cNvSpPr>
@@ -2484,15 +2187,15 @@
         </p:nvSpPr>
         <p:spPr>
           <a:xfrm>
-            <a:off x="839788" y="457200"/>
-            <a:ext cx="3932237" cy="1600200"/>
+            <a:off x="818794" y="792480"/>
+            <a:ext cx="3833931" cy="2773680"/>
           </a:xfrm>
         </p:spPr>
         <p:txBody>
           <a:bodyPr anchor="b"/>
           <a:lstStyle>
             <a:lvl1pPr>
-              <a:defRPr sz="3200"/>
+              <a:defRPr sz="4160"/>
             </a:lvl1pPr>
           </a:lstStyle>
           <a:p>
@@ -2500,20 +2203,15 @@
               <a:rPr lang="en-US"/>
               <a:t>Click to edit Master title style</a:t>
             </a:r>
+            <a:endParaRPr lang="en-US" dirty="0"/>
           </a:p>
         </p:txBody>
       </p:sp>
       <p:sp>
         <p:nvSpPr>
-          <p:cNvPr id="3" name="Picture Placeholder 2">
-            <a:extLst>
-              <a:ext uri="{FF2B5EF4-FFF2-40B4-BE49-F238E27FC236}">
-                <a16:creationId xmlns:a16="http://schemas.microsoft.com/office/drawing/2014/main" id="{A99F32DA-3D3D-5DE0-584A-AD0B6FE1036C}"/>
-              </a:ext>
-            </a:extLst>
-          </p:cNvPr>
+          <p:cNvPr id="3" name="Picture Placeholder 2"/>
           <p:cNvSpPr>
-            <a:spLocks noGrp="1"/>
+            <a:spLocks noGrp="1" noChangeAspect="1"/>
           </p:cNvSpPr>
           <p:nvPr>
             <p:ph type="pic" idx="1"/>
@@ -2521,64 +2219,62 @@
         </p:nvSpPr>
         <p:spPr>
           <a:xfrm>
-            <a:off x="5183188" y="987425"/>
-            <a:ext cx="6172200" cy="4873625"/>
+            <a:off x="5053608" y="1711539"/>
+            <a:ext cx="6017895" cy="8447617"/>
           </a:xfrm>
         </p:spPr>
         <p:txBody>
-          <a:bodyPr/>
+          <a:bodyPr anchor="t"/>
           <a:lstStyle>
             <a:lvl1pPr marL="0" indent="0">
               <a:buNone/>
-              <a:defRPr sz="3200"/>
+              <a:defRPr sz="4160"/>
             </a:lvl1pPr>
-            <a:lvl2pPr marL="457200" indent="0">
+            <a:lvl2pPr marL="594360" indent="0">
               <a:buNone/>
-              <a:defRPr sz="2800"/>
+              <a:defRPr sz="3640"/>
             </a:lvl2pPr>
-            <a:lvl3pPr marL="914400" indent="0">
+            <a:lvl3pPr marL="1188720" indent="0">
               <a:buNone/>
-              <a:defRPr sz="2400"/>
+              <a:defRPr sz="3120"/>
             </a:lvl3pPr>
-            <a:lvl4pPr marL="1371600" indent="0">
+            <a:lvl4pPr marL="1783080" indent="0">
               <a:buNone/>
-              <a:defRPr sz="2000"/>
+              <a:defRPr sz="2600"/>
             </a:lvl4pPr>
-            <a:lvl5pPr marL="1828800" indent="0">
+            <a:lvl5pPr marL="2377440" indent="0">
               <a:buNone/>
-              <a:defRPr sz="2000"/>
+              <a:defRPr sz="2600"/>
             </a:lvl5pPr>
-            <a:lvl6pPr marL="2286000" indent="0">
+            <a:lvl6pPr marL="2971800" indent="0">
               <a:buNone/>
-              <a:defRPr sz="2000"/>
+              <a:defRPr sz="2600"/>
             </a:lvl6pPr>
-            <a:lvl7pPr marL="2743200" indent="0">
+            <a:lvl7pPr marL="3566160" indent="0">
               <a:buNone/>
-              <a:defRPr sz="2000"/>
+              <a:defRPr sz="2600"/>
             </a:lvl7pPr>
-            <a:lvl8pPr marL="3200400" indent="0">
+            <a:lvl8pPr marL="4160520" indent="0">
               <a:buNone/>
-              <a:defRPr sz="2000"/>
+              <a:defRPr sz="2600"/>
             </a:lvl8pPr>
-            <a:lvl9pPr marL="3657600" indent="0">
+            <a:lvl9pPr marL="4754880" indent="0">
               <a:buNone/>
-              <a:defRPr sz="2000"/>
+              <a:defRPr sz="2600"/>
             </a:lvl9pPr>
           </a:lstStyle>
           <a:p>
-            <a:endParaRPr lang="en-US"/>
+            <a:r>
+              <a:rPr lang="en-US"/>
+              <a:t>Click icon to add picture</a:t>
+            </a:r>
+            <a:endParaRPr lang="en-US" dirty="0"/>
           </a:p>
         </p:txBody>
       </p:sp>
       <p:sp>
         <p:nvSpPr>
-          <p:cNvPr id="4" name="Text Placeholder 3">
-            <a:extLst>
-              <a:ext uri="{FF2B5EF4-FFF2-40B4-BE49-F238E27FC236}">
-                <a16:creationId xmlns:a16="http://schemas.microsoft.com/office/drawing/2014/main" id="{207582DD-F17C-05BC-2B25-3EDFC13F2746}"/>
-              </a:ext>
-            </a:extLst>
-          </p:cNvPr>
+          <p:cNvPr id="4" name="Text Placeholder 3"/>
           <p:cNvSpPr>
             <a:spLocks noGrp="1"/>
           </p:cNvSpPr>
@@ -2588,8 +2284,8 @@
         </p:nvSpPr>
         <p:spPr>
           <a:xfrm>
-            <a:off x="839788" y="2057400"/>
-            <a:ext cx="3932237" cy="3811588"/>
+            <a:off x="818794" y="3566160"/>
+            <a:ext cx="3833931" cy="6606753"/>
           </a:xfrm>
         </p:spPr>
         <p:txBody>
@@ -2597,39 +2293,39 @@
           <a:lstStyle>
             <a:lvl1pPr marL="0" indent="0">
               <a:buNone/>
-              <a:defRPr sz="1600"/>
+              <a:defRPr sz="2080"/>
             </a:lvl1pPr>
-            <a:lvl2pPr marL="457200" indent="0">
+            <a:lvl2pPr marL="594360" indent="0">
               <a:buNone/>
-              <a:defRPr sz="1400"/>
+              <a:defRPr sz="1820"/>
             </a:lvl2pPr>
-            <a:lvl3pPr marL="914400" indent="0">
+            <a:lvl3pPr marL="1188720" indent="0">
               <a:buNone/>
-              <a:defRPr sz="1200"/>
+              <a:defRPr sz="1560"/>
             </a:lvl3pPr>
-            <a:lvl4pPr marL="1371600" indent="0">
+            <a:lvl4pPr marL="1783080" indent="0">
               <a:buNone/>
-              <a:defRPr sz="1000"/>
+              <a:defRPr sz="1300"/>
             </a:lvl4pPr>
-            <a:lvl5pPr marL="1828800" indent="0">
+            <a:lvl5pPr marL="2377440" indent="0">
               <a:buNone/>
-              <a:defRPr sz="1000"/>
+              <a:defRPr sz="1300"/>
             </a:lvl5pPr>
-            <a:lvl6pPr marL="2286000" indent="0">
+            <a:lvl6pPr marL="2971800" indent="0">
               <a:buNone/>
-              <a:defRPr sz="1000"/>
+              <a:defRPr sz="1300"/>
             </a:lvl6pPr>
-            <a:lvl7pPr marL="2743200" indent="0">
+            <a:lvl7pPr marL="3566160" indent="0">
               <a:buNone/>
-              <a:defRPr sz="1000"/>
+              <a:defRPr sz="1300"/>
             </a:lvl7pPr>
-            <a:lvl8pPr marL="3200400" indent="0">
+            <a:lvl8pPr marL="4160520" indent="0">
               <a:buNone/>
-              <a:defRPr sz="1000"/>
+              <a:defRPr sz="1300"/>
             </a:lvl8pPr>
-            <a:lvl9pPr marL="3657600" indent="0">
+            <a:lvl9pPr marL="4754880" indent="0">
               <a:buNone/>
-              <a:defRPr sz="1000"/>
+              <a:defRPr sz="1300"/>
             </a:lvl9pPr>
           </a:lstStyle>
           <a:p>
@@ -2643,13 +2339,7 @@
       </p:sp>
       <p:sp>
         <p:nvSpPr>
-          <p:cNvPr id="5" name="Date Placeholder 4">
-            <a:extLst>
-              <a:ext uri="{FF2B5EF4-FFF2-40B4-BE49-F238E27FC236}">
-                <a16:creationId xmlns:a16="http://schemas.microsoft.com/office/drawing/2014/main" id="{2061F279-5FB0-B8CC-2E18-B89F196C90F6}"/>
-              </a:ext>
-            </a:extLst>
-          </p:cNvPr>
+          <p:cNvPr id="5" name="Date Placeholder 4"/>
           <p:cNvSpPr>
             <a:spLocks noGrp="1"/>
           </p:cNvSpPr>
@@ -2664,7 +2354,7 @@
           <a:p>
             <a:fld id="{D865FBE8-0AE7-4F39-8C28-C05E193A1F1F}" type="datetimeFigureOut">
               <a:rPr lang="en-US" smtClean="0"/>
-              <a:t>9/9/2025</a:t>
+              <a:t>9/11/2025</a:t>
             </a:fld>
             <a:endParaRPr lang="en-US"/>
           </a:p>
@@ -2672,13 +2362,7 @@
       </p:sp>
       <p:sp>
         <p:nvSpPr>
-          <p:cNvPr id="6" name="Footer Placeholder 5">
-            <a:extLst>
-              <a:ext uri="{FF2B5EF4-FFF2-40B4-BE49-F238E27FC236}">
-                <a16:creationId xmlns:a16="http://schemas.microsoft.com/office/drawing/2014/main" id="{9F1E0D96-82E8-A3F0-54EB-938F35D4FB26}"/>
-              </a:ext>
-            </a:extLst>
-          </p:cNvPr>
+          <p:cNvPr id="6" name="Footer Placeholder 5"/>
           <p:cNvSpPr>
             <a:spLocks noGrp="1"/>
           </p:cNvSpPr>
@@ -2697,13 +2381,7 @@
       </p:sp>
       <p:sp>
         <p:nvSpPr>
-          <p:cNvPr id="7" name="Slide Number Placeholder 6">
-            <a:extLst>
-              <a:ext uri="{FF2B5EF4-FFF2-40B4-BE49-F238E27FC236}">
-                <a16:creationId xmlns:a16="http://schemas.microsoft.com/office/drawing/2014/main" id="{827B16AA-B871-0B27-98AE-A14859A4C5DA}"/>
-              </a:ext>
-            </a:extLst>
-          </p:cNvPr>
+          <p:cNvPr id="7" name="Slide Number Placeholder 6"/>
           <p:cNvSpPr>
             <a:spLocks noGrp="1"/>
           </p:cNvSpPr>
@@ -2727,7 +2405,7 @@
     </p:spTree>
     <p:extLst>
       <p:ext uri="{BB962C8B-B14F-4D97-AF65-F5344CB8AC3E}">
-        <p14:creationId xmlns:p14="http://schemas.microsoft.com/office/powerpoint/2010/main" val="2515380407"/>
+        <p14:creationId xmlns:p14="http://schemas.microsoft.com/office/powerpoint/2010/main" val="3795579324"/>
       </p:ext>
     </p:extLst>
   </p:cSld>
@@ -2761,13 +2439,7 @@
       </p:grpSpPr>
       <p:sp>
         <p:nvSpPr>
-          <p:cNvPr id="2" name="Title Placeholder 1">
-            <a:extLst>
-              <a:ext uri="{FF2B5EF4-FFF2-40B4-BE49-F238E27FC236}">
-                <a16:creationId xmlns:a16="http://schemas.microsoft.com/office/drawing/2014/main" id="{D1783AE9-17A2-7209-7EB7-958F264FE602}"/>
-              </a:ext>
-            </a:extLst>
-          </p:cNvPr>
+          <p:cNvPr id="2" name="Title Placeholder 1"/>
           <p:cNvSpPr>
             <a:spLocks noGrp="1"/>
           </p:cNvSpPr>
@@ -2777,8 +2449,8 @@
         </p:nvSpPr>
         <p:spPr>
           <a:xfrm>
-            <a:off x="838200" y="365125"/>
-            <a:ext cx="10515600" cy="1325563"/>
+            <a:off x="817245" y="632886"/>
+            <a:ext cx="10252710" cy="2297643"/>
           </a:xfrm>
           <a:prstGeom prst="rect">
             <a:avLst/>
@@ -2794,18 +2466,13 @@
               <a:rPr lang="en-US"/>
               <a:t>Click to edit Master title style</a:t>
             </a:r>
+            <a:endParaRPr lang="en-US" dirty="0"/>
           </a:p>
         </p:txBody>
       </p:sp>
       <p:sp>
         <p:nvSpPr>
-          <p:cNvPr id="3" name="Text Placeholder 2">
-            <a:extLst>
-              <a:ext uri="{FF2B5EF4-FFF2-40B4-BE49-F238E27FC236}">
-                <a16:creationId xmlns:a16="http://schemas.microsoft.com/office/drawing/2014/main" id="{36770A0F-3847-32A4-5F2D-6D16D53A499A}"/>
-              </a:ext>
-            </a:extLst>
-          </p:cNvPr>
+          <p:cNvPr id="3" name="Text Placeholder 2"/>
           <p:cNvSpPr>
             <a:spLocks noGrp="1"/>
           </p:cNvSpPr>
@@ -2815,8 +2482,8 @@
         </p:nvSpPr>
         <p:spPr>
           <a:xfrm>
-            <a:off x="838200" y="1825625"/>
-            <a:ext cx="10515600" cy="4351338"/>
+            <a:off x="817245" y="3164417"/>
+            <a:ext cx="10252710" cy="7542319"/>
           </a:xfrm>
           <a:prstGeom prst="rect">
             <a:avLst/>
@@ -2861,18 +2528,13 @@
               <a:rPr lang="en-US"/>
               <a:t>Fifth level</a:t>
             </a:r>
+            <a:endParaRPr lang="en-US" dirty="0"/>
           </a:p>
         </p:txBody>
       </p:sp>
       <p:sp>
         <p:nvSpPr>
-          <p:cNvPr id="4" name="Date Placeholder 3">
-            <a:extLst>
-              <a:ext uri="{FF2B5EF4-FFF2-40B4-BE49-F238E27FC236}">
-                <a16:creationId xmlns:a16="http://schemas.microsoft.com/office/drawing/2014/main" id="{9DE60A9A-4373-EDAB-C27E-2588D5AF9399}"/>
-              </a:ext>
-            </a:extLst>
-          </p:cNvPr>
+          <p:cNvPr id="4" name="Date Placeholder 3"/>
           <p:cNvSpPr>
             <a:spLocks noGrp="1"/>
           </p:cNvSpPr>
@@ -2882,8 +2544,8 @@
         </p:nvSpPr>
         <p:spPr>
           <a:xfrm>
-            <a:off x="838200" y="6356350"/>
-            <a:ext cx="2743200" cy="365125"/>
+            <a:off x="817245" y="11017676"/>
+            <a:ext cx="2674620" cy="632883"/>
           </a:xfrm>
           <a:prstGeom prst="rect">
             <a:avLst/>
@@ -2893,7 +2555,7 @@
           <a:bodyPr vert="horz" lIns="91440" tIns="45720" rIns="91440" bIns="45720" rtlCol="0" anchor="ctr"/>
           <a:lstStyle>
             <a:lvl1pPr algn="l">
-              <a:defRPr sz="1200">
+              <a:defRPr sz="1560">
                 <a:solidFill>
                   <a:schemeClr val="tx1">
                     <a:tint val="75000"/>
@@ -2905,7 +2567,7 @@
           <a:p>
             <a:fld id="{D865FBE8-0AE7-4F39-8C28-C05E193A1F1F}" type="datetimeFigureOut">
               <a:rPr lang="en-US" smtClean="0"/>
-              <a:t>9/9/2025</a:t>
+              <a:t>9/11/2025</a:t>
             </a:fld>
             <a:endParaRPr lang="en-US"/>
           </a:p>
@@ -2913,13 +2575,7 @@
       </p:sp>
       <p:sp>
         <p:nvSpPr>
-          <p:cNvPr id="5" name="Footer Placeholder 4">
-            <a:extLst>
-              <a:ext uri="{FF2B5EF4-FFF2-40B4-BE49-F238E27FC236}">
-                <a16:creationId xmlns:a16="http://schemas.microsoft.com/office/drawing/2014/main" id="{CC6DA284-58FB-EC09-412F-4BAB6FAF2074}"/>
-              </a:ext>
-            </a:extLst>
-          </p:cNvPr>
+          <p:cNvPr id="5" name="Footer Placeholder 4"/>
           <p:cNvSpPr>
             <a:spLocks noGrp="1"/>
           </p:cNvSpPr>
@@ -2929,8 +2585,8 @@
         </p:nvSpPr>
         <p:spPr>
           <a:xfrm>
-            <a:off x="4038600" y="6356350"/>
-            <a:ext cx="4114800" cy="365125"/>
+            <a:off x="3937635" y="11017676"/>
+            <a:ext cx="4011930" cy="632883"/>
           </a:xfrm>
           <a:prstGeom prst="rect">
             <a:avLst/>
@@ -2940,7 +2596,7 @@
           <a:bodyPr vert="horz" lIns="91440" tIns="45720" rIns="91440" bIns="45720" rtlCol="0" anchor="ctr"/>
           <a:lstStyle>
             <a:lvl1pPr algn="ctr">
-              <a:defRPr sz="1200">
+              <a:defRPr sz="1560">
                 <a:solidFill>
                   <a:schemeClr val="tx1">
                     <a:tint val="75000"/>
@@ -2956,13 +2612,7 @@
       </p:sp>
       <p:sp>
         <p:nvSpPr>
-          <p:cNvPr id="6" name="Slide Number Placeholder 5">
-            <a:extLst>
-              <a:ext uri="{FF2B5EF4-FFF2-40B4-BE49-F238E27FC236}">
-                <a16:creationId xmlns:a16="http://schemas.microsoft.com/office/drawing/2014/main" id="{A0190AFC-60F9-B4E2-6F74-2D2E78A04E5B}"/>
-              </a:ext>
-            </a:extLst>
-          </p:cNvPr>
+          <p:cNvPr id="6" name="Slide Number Placeholder 5"/>
           <p:cNvSpPr>
             <a:spLocks noGrp="1"/>
           </p:cNvSpPr>
@@ -2972,8 +2622,8 @@
         </p:nvSpPr>
         <p:spPr>
           <a:xfrm>
-            <a:off x="8610600" y="6356350"/>
-            <a:ext cx="2743200" cy="365125"/>
+            <a:off x="8395335" y="11017676"/>
+            <a:ext cx="2674620" cy="632883"/>
           </a:xfrm>
           <a:prstGeom prst="rect">
             <a:avLst/>
@@ -2983,7 +2633,7 @@
           <a:bodyPr vert="horz" lIns="91440" tIns="45720" rIns="91440" bIns="45720" rtlCol="0" anchor="ctr"/>
           <a:lstStyle>
             <a:lvl1pPr algn="r">
-              <a:defRPr sz="1200">
+              <a:defRPr sz="1560">
                 <a:solidFill>
                   <a:schemeClr val="tx1">
                     <a:tint val="75000"/>
@@ -3004,27 +2654,27 @@
     </p:spTree>
     <p:extLst>
       <p:ext uri="{BB962C8B-B14F-4D97-AF65-F5344CB8AC3E}">
-        <p14:creationId xmlns:p14="http://schemas.microsoft.com/office/powerpoint/2010/main" val="986968247"/>
+        <p14:creationId xmlns:p14="http://schemas.microsoft.com/office/powerpoint/2010/main" val="191432188"/>
       </p:ext>
     </p:extLst>
   </p:cSld>
   <p:clrMap bg1="lt1" tx1="dk1" bg2="lt2" tx2="dk2" accent1="accent1" accent2="accent2" accent3="accent3" accent4="accent4" accent5="accent5" accent6="accent6" hlink="hlink" folHlink="folHlink"/>
   <p:sldLayoutIdLst>
-    <p:sldLayoutId id="2147483649" r:id="rId1"/>
-    <p:sldLayoutId id="2147483650" r:id="rId2"/>
-    <p:sldLayoutId id="2147483651" r:id="rId3"/>
-    <p:sldLayoutId id="2147483652" r:id="rId4"/>
-    <p:sldLayoutId id="2147483653" r:id="rId5"/>
-    <p:sldLayoutId id="2147483654" r:id="rId6"/>
-    <p:sldLayoutId id="2147483655" r:id="rId7"/>
-    <p:sldLayoutId id="2147483656" r:id="rId8"/>
-    <p:sldLayoutId id="2147483657" r:id="rId9"/>
-    <p:sldLayoutId id="2147483658" r:id="rId10"/>
-    <p:sldLayoutId id="2147483659" r:id="rId11"/>
+    <p:sldLayoutId id="2147483661" r:id="rId1"/>
+    <p:sldLayoutId id="2147483662" r:id="rId2"/>
+    <p:sldLayoutId id="2147483663" r:id="rId3"/>
+    <p:sldLayoutId id="2147483664" r:id="rId4"/>
+    <p:sldLayoutId id="2147483665" r:id="rId5"/>
+    <p:sldLayoutId id="2147483666" r:id="rId6"/>
+    <p:sldLayoutId id="2147483667" r:id="rId7"/>
+    <p:sldLayoutId id="2147483668" r:id="rId8"/>
+    <p:sldLayoutId id="2147483669" r:id="rId9"/>
+    <p:sldLayoutId id="2147483670" r:id="rId10"/>
+    <p:sldLayoutId id="2147483671" r:id="rId11"/>
   </p:sldLayoutIdLst>
   <p:txStyles>
     <p:titleStyle>
-      <a:lvl1pPr algn="l" defTabSz="914400" rtl="0" eaLnBrk="1" latinLnBrk="0" hangingPunct="1">
+      <a:lvl1pPr algn="l" defTabSz="1188720" rtl="0" eaLnBrk="1" latinLnBrk="0" hangingPunct="1">
         <a:lnSpc>
           <a:spcPct val="90000"/>
         </a:lnSpc>
@@ -3032,7 +2682,7 @@
           <a:spcPct val="0"/>
         </a:spcBef>
         <a:buNone/>
-        <a:defRPr sz="4400" kern="1200">
+        <a:defRPr sz="5720" kern="1200">
           <a:solidFill>
             <a:schemeClr val="tx1"/>
           </a:solidFill>
@@ -3043,16 +2693,16 @@
       </a:lvl1pPr>
     </p:titleStyle>
     <p:bodyStyle>
-      <a:lvl1pPr marL="228600" indent="-228600" algn="l" defTabSz="914400" rtl="0" eaLnBrk="1" latinLnBrk="0" hangingPunct="1">
+      <a:lvl1pPr marL="297180" indent="-297180" algn="l" defTabSz="1188720" rtl="0" eaLnBrk="1" latinLnBrk="0" hangingPunct="1">
         <a:lnSpc>
           <a:spcPct val="90000"/>
         </a:lnSpc>
         <a:spcBef>
-          <a:spcPts val="1000"/>
+          <a:spcPts val="1300"/>
         </a:spcBef>
         <a:buFont typeface="Arial" panose="020B0604020202020204" pitchFamily="34" charset="0"/>
         <a:buChar char="•"/>
-        <a:defRPr sz="2800" kern="1200">
+        <a:defRPr sz="3640" kern="1200">
           <a:solidFill>
             <a:schemeClr val="tx1"/>
           </a:solidFill>
@@ -3061,16 +2711,16 @@
           <a:cs typeface="+mn-cs"/>
         </a:defRPr>
       </a:lvl1pPr>
-      <a:lvl2pPr marL="685800" indent="-228600" algn="l" defTabSz="914400" rtl="0" eaLnBrk="1" latinLnBrk="0" hangingPunct="1">
+      <a:lvl2pPr marL="891540" indent="-297180" algn="l" defTabSz="1188720" rtl="0" eaLnBrk="1" latinLnBrk="0" hangingPunct="1">
         <a:lnSpc>
           <a:spcPct val="90000"/>
         </a:lnSpc>
         <a:spcBef>
-          <a:spcPts val="500"/>
+          <a:spcPts val="650"/>
         </a:spcBef>
         <a:buFont typeface="Arial" panose="020B0604020202020204" pitchFamily="34" charset="0"/>
         <a:buChar char="•"/>
-        <a:defRPr sz="2400" kern="1200">
+        <a:defRPr sz="3120" kern="1200">
           <a:solidFill>
             <a:schemeClr val="tx1"/>
           </a:solidFill>
@@ -3079,16 +2729,16 @@
           <a:cs typeface="+mn-cs"/>
         </a:defRPr>
       </a:lvl2pPr>
-      <a:lvl3pPr marL="1143000" indent="-228600" algn="l" defTabSz="914400" rtl="0" eaLnBrk="1" latinLnBrk="0" hangingPunct="1">
+      <a:lvl3pPr marL="1485900" indent="-297180" algn="l" defTabSz="1188720" rtl="0" eaLnBrk="1" latinLnBrk="0" hangingPunct="1">
         <a:lnSpc>
           <a:spcPct val="90000"/>
         </a:lnSpc>
         <a:spcBef>
-          <a:spcPts val="500"/>
+          <a:spcPts val="650"/>
         </a:spcBef>
         <a:buFont typeface="Arial" panose="020B0604020202020204" pitchFamily="34" charset="0"/>
         <a:buChar char="•"/>
-        <a:defRPr sz="2000" kern="1200">
+        <a:defRPr sz="2600" kern="1200">
           <a:solidFill>
             <a:schemeClr val="tx1"/>
           </a:solidFill>
@@ -3097,16 +2747,16 @@
           <a:cs typeface="+mn-cs"/>
         </a:defRPr>
       </a:lvl3pPr>
-      <a:lvl4pPr marL="1600200" indent="-228600" algn="l" defTabSz="914400" rtl="0" eaLnBrk="1" latinLnBrk="0" hangingPunct="1">
+      <a:lvl4pPr marL="2080260" indent="-297180" algn="l" defTabSz="1188720" rtl="0" eaLnBrk="1" latinLnBrk="0" hangingPunct="1">
         <a:lnSpc>
           <a:spcPct val="90000"/>
         </a:lnSpc>
         <a:spcBef>
-          <a:spcPts val="500"/>
+          <a:spcPts val="650"/>
         </a:spcBef>
         <a:buFont typeface="Arial" panose="020B0604020202020204" pitchFamily="34" charset="0"/>
         <a:buChar char="•"/>
-        <a:defRPr sz="1800" kern="1200">
+        <a:defRPr sz="2340" kern="1200">
           <a:solidFill>
             <a:schemeClr val="tx1"/>
           </a:solidFill>
@@ -3115,16 +2765,16 @@
           <a:cs typeface="+mn-cs"/>
         </a:defRPr>
       </a:lvl4pPr>
-      <a:lvl5pPr marL="2057400" indent="-228600" algn="l" defTabSz="914400" rtl="0" eaLnBrk="1" latinLnBrk="0" hangingPunct="1">
+      <a:lvl5pPr marL="2674620" indent="-297180" algn="l" defTabSz="1188720" rtl="0" eaLnBrk="1" latinLnBrk="0" hangingPunct="1">
         <a:lnSpc>
           <a:spcPct val="90000"/>
         </a:lnSpc>
         <a:spcBef>
-          <a:spcPts val="500"/>
+          <a:spcPts val="650"/>
         </a:spcBef>
         <a:buFont typeface="Arial" panose="020B0604020202020204" pitchFamily="34" charset="0"/>
         <a:buChar char="•"/>
-        <a:defRPr sz="1800" kern="1200">
+        <a:defRPr sz="2340" kern="1200">
           <a:solidFill>
             <a:schemeClr val="tx1"/>
           </a:solidFill>
@@ -3133,16 +2783,16 @@
           <a:cs typeface="+mn-cs"/>
         </a:defRPr>
       </a:lvl5pPr>
-      <a:lvl6pPr marL="2514600" indent="-228600" algn="l" defTabSz="914400" rtl="0" eaLnBrk="1" latinLnBrk="0" hangingPunct="1">
+      <a:lvl6pPr marL="3268980" indent="-297180" algn="l" defTabSz="1188720" rtl="0" eaLnBrk="1" latinLnBrk="0" hangingPunct="1">
         <a:lnSpc>
           <a:spcPct val="90000"/>
         </a:lnSpc>
         <a:spcBef>
-          <a:spcPts val="500"/>
+          <a:spcPts val="650"/>
         </a:spcBef>
         <a:buFont typeface="Arial" panose="020B0604020202020204" pitchFamily="34" charset="0"/>
         <a:buChar char="•"/>
-        <a:defRPr sz="1800" kern="1200">
+        <a:defRPr sz="2340" kern="1200">
           <a:solidFill>
             <a:schemeClr val="tx1"/>
           </a:solidFill>
@@ -3151,16 +2801,16 @@
           <a:cs typeface="+mn-cs"/>
         </a:defRPr>
       </a:lvl6pPr>
-      <a:lvl7pPr marL="2971800" indent="-228600" algn="l" defTabSz="914400" rtl="0" eaLnBrk="1" latinLnBrk="0" hangingPunct="1">
+      <a:lvl7pPr marL="3863340" indent="-297180" algn="l" defTabSz="1188720" rtl="0" eaLnBrk="1" latinLnBrk="0" hangingPunct="1">
         <a:lnSpc>
           <a:spcPct val="90000"/>
         </a:lnSpc>
         <a:spcBef>
-          <a:spcPts val="500"/>
+          <a:spcPts val="650"/>
         </a:spcBef>
         <a:buFont typeface="Arial" panose="020B0604020202020204" pitchFamily="34" charset="0"/>
         <a:buChar char="•"/>
-        <a:defRPr sz="1800" kern="1200">
+        <a:defRPr sz="2340" kern="1200">
           <a:solidFill>
             <a:schemeClr val="tx1"/>
           </a:solidFill>
@@ -3169,16 +2819,16 @@
           <a:cs typeface="+mn-cs"/>
         </a:defRPr>
       </a:lvl7pPr>
-      <a:lvl8pPr marL="3429000" indent="-228600" algn="l" defTabSz="914400" rtl="0" eaLnBrk="1" latinLnBrk="0" hangingPunct="1">
+      <a:lvl8pPr marL="4457700" indent="-297180" algn="l" defTabSz="1188720" rtl="0" eaLnBrk="1" latinLnBrk="0" hangingPunct="1">
         <a:lnSpc>
           <a:spcPct val="90000"/>
         </a:lnSpc>
         <a:spcBef>
-          <a:spcPts val="500"/>
+          <a:spcPts val="650"/>
         </a:spcBef>
         <a:buFont typeface="Arial" panose="020B0604020202020204" pitchFamily="34" charset="0"/>
         <a:buChar char="•"/>
-        <a:defRPr sz="1800" kern="1200">
+        <a:defRPr sz="2340" kern="1200">
           <a:solidFill>
             <a:schemeClr val="tx1"/>
           </a:solidFill>
@@ -3187,16 +2837,16 @@
           <a:cs typeface="+mn-cs"/>
         </a:defRPr>
       </a:lvl8pPr>
-      <a:lvl9pPr marL="3886200" indent="-228600" algn="l" defTabSz="914400" rtl="0" eaLnBrk="1" latinLnBrk="0" hangingPunct="1">
+      <a:lvl9pPr marL="5052060" indent="-297180" algn="l" defTabSz="1188720" rtl="0" eaLnBrk="1" latinLnBrk="0" hangingPunct="1">
         <a:lnSpc>
           <a:spcPct val="90000"/>
         </a:lnSpc>
         <a:spcBef>
-          <a:spcPts val="500"/>
+          <a:spcPts val="650"/>
         </a:spcBef>
         <a:buFont typeface="Arial" panose="020B0604020202020204" pitchFamily="34" charset="0"/>
         <a:buChar char="•"/>
-        <a:defRPr sz="1800" kern="1200">
+        <a:defRPr sz="2340" kern="1200">
           <a:solidFill>
             <a:schemeClr val="tx1"/>
           </a:solidFill>
@@ -3210,8 +2860,8 @@
       <a:defPPr>
         <a:defRPr lang="en-US"/>
       </a:defPPr>
-      <a:lvl1pPr marL="0" algn="l" defTabSz="914400" rtl="0" eaLnBrk="1" latinLnBrk="0" hangingPunct="1">
-        <a:defRPr sz="1800" kern="1200">
+      <a:lvl1pPr marL="0" algn="l" defTabSz="1188720" rtl="0" eaLnBrk="1" latinLnBrk="0" hangingPunct="1">
+        <a:defRPr sz="2340" kern="1200">
           <a:solidFill>
             <a:schemeClr val="tx1"/>
           </a:solidFill>
@@ -3220,8 +2870,8 @@
           <a:cs typeface="+mn-cs"/>
         </a:defRPr>
       </a:lvl1pPr>
-      <a:lvl2pPr marL="457200" algn="l" defTabSz="914400" rtl="0" eaLnBrk="1" latinLnBrk="0" hangingPunct="1">
-        <a:defRPr sz="1800" kern="1200">
+      <a:lvl2pPr marL="594360" algn="l" defTabSz="1188720" rtl="0" eaLnBrk="1" latinLnBrk="0" hangingPunct="1">
+        <a:defRPr sz="2340" kern="1200">
           <a:solidFill>
             <a:schemeClr val="tx1"/>
           </a:solidFill>
@@ -3230,8 +2880,8 @@
           <a:cs typeface="+mn-cs"/>
         </a:defRPr>
       </a:lvl2pPr>
-      <a:lvl3pPr marL="914400" algn="l" defTabSz="914400" rtl="0" eaLnBrk="1" latinLnBrk="0" hangingPunct="1">
-        <a:defRPr sz="1800" kern="1200">
+      <a:lvl3pPr marL="1188720" algn="l" defTabSz="1188720" rtl="0" eaLnBrk="1" latinLnBrk="0" hangingPunct="1">
+        <a:defRPr sz="2340" kern="1200">
           <a:solidFill>
             <a:schemeClr val="tx1"/>
           </a:solidFill>
@@ -3240,8 +2890,8 @@
           <a:cs typeface="+mn-cs"/>
         </a:defRPr>
       </a:lvl3pPr>
-      <a:lvl4pPr marL="1371600" algn="l" defTabSz="914400" rtl="0" eaLnBrk="1" latinLnBrk="0" hangingPunct="1">
-        <a:defRPr sz="1800" kern="1200">
+      <a:lvl4pPr marL="1783080" algn="l" defTabSz="1188720" rtl="0" eaLnBrk="1" latinLnBrk="0" hangingPunct="1">
+        <a:defRPr sz="2340" kern="1200">
           <a:solidFill>
             <a:schemeClr val="tx1"/>
           </a:solidFill>
@@ -3250,8 +2900,8 @@
           <a:cs typeface="+mn-cs"/>
         </a:defRPr>
       </a:lvl4pPr>
-      <a:lvl5pPr marL="1828800" algn="l" defTabSz="914400" rtl="0" eaLnBrk="1" latinLnBrk="0" hangingPunct="1">
-        <a:defRPr sz="1800" kern="1200">
+      <a:lvl5pPr marL="2377440" algn="l" defTabSz="1188720" rtl="0" eaLnBrk="1" latinLnBrk="0" hangingPunct="1">
+        <a:defRPr sz="2340" kern="1200">
           <a:solidFill>
             <a:schemeClr val="tx1"/>
           </a:solidFill>
@@ -3260,8 +2910,8 @@
           <a:cs typeface="+mn-cs"/>
         </a:defRPr>
       </a:lvl5pPr>
-      <a:lvl6pPr marL="2286000" algn="l" defTabSz="914400" rtl="0" eaLnBrk="1" latinLnBrk="0" hangingPunct="1">
-        <a:defRPr sz="1800" kern="1200">
+      <a:lvl6pPr marL="2971800" algn="l" defTabSz="1188720" rtl="0" eaLnBrk="1" latinLnBrk="0" hangingPunct="1">
+        <a:defRPr sz="2340" kern="1200">
           <a:solidFill>
             <a:schemeClr val="tx1"/>
           </a:solidFill>
@@ -3270,8 +2920,8 @@
           <a:cs typeface="+mn-cs"/>
         </a:defRPr>
       </a:lvl6pPr>
-      <a:lvl7pPr marL="2743200" algn="l" defTabSz="914400" rtl="0" eaLnBrk="1" latinLnBrk="0" hangingPunct="1">
-        <a:defRPr sz="1800" kern="1200">
+      <a:lvl7pPr marL="3566160" algn="l" defTabSz="1188720" rtl="0" eaLnBrk="1" latinLnBrk="0" hangingPunct="1">
+        <a:defRPr sz="2340" kern="1200">
           <a:solidFill>
             <a:schemeClr val="tx1"/>
           </a:solidFill>
@@ -3280,8 +2930,8 @@
           <a:cs typeface="+mn-cs"/>
         </a:defRPr>
       </a:lvl7pPr>
-      <a:lvl8pPr marL="3200400" algn="l" defTabSz="914400" rtl="0" eaLnBrk="1" latinLnBrk="0" hangingPunct="1">
-        <a:defRPr sz="1800" kern="1200">
+      <a:lvl8pPr marL="4160520" algn="l" defTabSz="1188720" rtl="0" eaLnBrk="1" latinLnBrk="0" hangingPunct="1">
+        <a:defRPr sz="2340" kern="1200">
           <a:solidFill>
             <a:schemeClr val="tx1"/>
           </a:solidFill>
@@ -3290,8 +2940,8 @@
           <a:cs typeface="+mn-cs"/>
         </a:defRPr>
       </a:lvl8pPr>
-      <a:lvl9pPr marL="3657600" algn="l" defTabSz="914400" rtl="0" eaLnBrk="1" latinLnBrk="0" hangingPunct="1">
-        <a:defRPr sz="1800" kern="1200">
+      <a:lvl9pPr marL="4754880" algn="l" defTabSz="1188720" rtl="0" eaLnBrk="1" latinLnBrk="0" hangingPunct="1">
+        <a:defRPr sz="2340" kern="1200">
           <a:solidFill>
             <a:schemeClr val="tx1"/>
           </a:solidFill>
@@ -3322,53 +2972,36 @@
           <a:chExt cx="0" cy="0"/>
         </a:xfrm>
       </p:grpSpPr>
-      <p:sp>
-        <p:nvSpPr>
-          <p:cNvPr id="4" name="TextBox 3">
+      <p:pic>
+        <p:nvPicPr>
+          <p:cNvPr id="2" name="Picture 1">
             <a:extLst>
               <a:ext uri="{FF2B5EF4-FFF2-40B4-BE49-F238E27FC236}">
-                <a16:creationId xmlns:a16="http://schemas.microsoft.com/office/drawing/2014/main" id="{92BD44CC-87B4-50E9-E01A-C140F1D42063}"/>
+                <a16:creationId xmlns:a16="http://schemas.microsoft.com/office/drawing/2014/main" id="{C619BDB3-0830-7A76-7C48-8529EA34CF8F}"/>
               </a:ext>
             </a:extLst>
           </p:cNvPr>
-          <p:cNvSpPr txBox="1"/>
+          <p:cNvPicPr>
+            <a:picLocks noChangeAspect="1"/>
+          </p:cNvPicPr>
           <p:nvPr/>
-        </p:nvSpPr>
+        </p:nvPicPr>
+        <p:blipFill>
+          <a:blip r:embed="rId2"/>
+          <a:stretch>
+            <a:fillRect/>
+          </a:stretch>
+        </p:blipFill>
         <p:spPr>
           <a:xfrm>
-            <a:off x="336884" y="304800"/>
-            <a:ext cx="4065215" cy="923330"/>
+            <a:off x="3825612" y="4195642"/>
+            <a:ext cx="4017612" cy="1012024"/>
           </a:xfrm>
           <a:prstGeom prst="rect">
             <a:avLst/>
           </a:prstGeom>
-          <a:noFill/>
         </p:spPr>
-        <p:txBody>
-          <a:bodyPr wrap="none" rtlCol="0">
-            <a:spAutoFit/>
-          </a:bodyPr>
-          <a:lstStyle/>
-          <a:p>
-            <a:r>
-              <a:rPr lang="en-US" dirty="0"/>
-              <a:t>DeJanae Faison</a:t>
-            </a:r>
-          </a:p>
-          <a:p>
-            <a:r>
-              <a:rPr lang="en-US" dirty="0"/>
-              <a:t>M5.2 Assignment: Value Stream Mapping</a:t>
-            </a:r>
-          </a:p>
-          <a:p>
-            <a:r>
-              <a:rPr lang="en-US" dirty="0"/>
-              <a:t>Due: 9/14/2025</a:t>
-            </a:r>
-          </a:p>
-        </p:txBody>
-      </p:sp>
+      </p:pic>
     </p:spTree>
     <p:extLst>
       <p:ext uri="{BB962C8B-B14F-4D97-AF65-F5344CB8AC3E}">
@@ -3399,6 +3032,3570 @@
           <a:chExt cx="0" cy="0"/>
         </a:xfrm>
       </p:grpSpPr>
+      <p:graphicFrame>
+        <p:nvGraphicFramePr>
+          <p:cNvPr id="3" name="Table 2">
+            <a:extLst>
+              <a:ext uri="{FF2B5EF4-FFF2-40B4-BE49-F238E27FC236}">
+                <a16:creationId xmlns:a16="http://schemas.microsoft.com/office/drawing/2014/main" id="{300D145E-D0F3-FD6E-0F93-077B31917586}"/>
+              </a:ext>
+            </a:extLst>
+          </p:cNvPr>
+          <p:cNvGraphicFramePr>
+            <a:graphicFrameLocks noGrp="1"/>
+          </p:cNvGraphicFramePr>
+          <p:nvPr>
+            <p:extLst>
+              <p:ext uri="{D42A27DB-BD31-4B8C-83A1-F6EECF244321}">
+                <p14:modId xmlns:p14="http://schemas.microsoft.com/office/powerpoint/2010/main" val="119209678"/>
+              </p:ext>
+            </p:extLst>
+          </p:nvPr>
+        </p:nvGraphicFramePr>
+        <p:xfrm>
+          <a:off x="2393111" y="6048226"/>
+          <a:ext cx="7924800" cy="1817370"/>
+        </p:xfrm>
+        <a:graphic>
+          <a:graphicData uri="http://schemas.openxmlformats.org/drawingml/2006/table">
+            <a:tbl>
+              <a:tblPr firstRow="1" bandRow="1">
+                <a:tableStyleId>{ED083AE6-46FA-4A59-8FB0-9F97EB10719F}</a:tableStyleId>
+              </a:tblPr>
+              <a:tblGrid>
+                <a:gridCol w="3962400">
+                  <a:extLst>
+                    <a:ext uri="{9D8B030D-6E8A-4147-A177-3AD203B41FA5}">
+                      <a16:colId xmlns:a16="http://schemas.microsoft.com/office/drawing/2014/main" val="1085840512"/>
+                    </a:ext>
+                  </a:extLst>
+                </a:gridCol>
+                <a:gridCol w="3962400">
+                  <a:extLst>
+                    <a:ext uri="{9D8B030D-6E8A-4147-A177-3AD203B41FA5}">
+                      <a16:colId xmlns:a16="http://schemas.microsoft.com/office/drawing/2014/main" val="2936613637"/>
+                    </a:ext>
+                  </a:extLst>
+                </a:gridCol>
+              </a:tblGrid>
+              <a:tr h="361569">
+                <a:tc>
+                  <a:txBody>
+                    <a:bodyPr/>
+                    <a:lstStyle/>
+                    <a:p>
+                      <a:r>
+                        <a:rPr lang="en-US" sz="1800" dirty="0"/>
+                        <a:t>Planning</a:t>
+                      </a:r>
+                    </a:p>
+                  </a:txBody>
+                  <a:tcPr marL="89154" marR="89154" marT="44577" marB="44577"/>
+                </a:tc>
+                <a:tc>
+                  <a:txBody>
+                    <a:bodyPr/>
+                    <a:lstStyle/>
+                    <a:p>
+                      <a:r>
+                        <a:rPr lang="en-US" sz="1800" b="0" dirty="0"/>
+                        <a:t>1 day</a:t>
+                      </a:r>
+                    </a:p>
+                  </a:txBody>
+                  <a:tcPr marL="89154" marR="89154" marT="44577" marB="44577"/>
+                </a:tc>
+                <a:extLst>
+                  <a:ext uri="{0D108BD9-81ED-4DB2-BD59-A6C34878D82A}">
+                    <a16:rowId xmlns:a16="http://schemas.microsoft.com/office/drawing/2014/main" val="1393726237"/>
+                  </a:ext>
+                </a:extLst>
+              </a:tr>
+              <a:tr h="361569">
+                <a:tc>
+                  <a:txBody>
+                    <a:bodyPr/>
+                    <a:lstStyle/>
+                    <a:p>
+                      <a:r>
+                        <a:rPr lang="en-US" sz="1800" b="1" dirty="0"/>
+                        <a:t>Set up</a:t>
+                      </a:r>
+                    </a:p>
+                  </a:txBody>
+                  <a:tcPr marL="89154" marR="89154" marT="44577" marB="44577"/>
+                </a:tc>
+                <a:tc>
+                  <a:txBody>
+                    <a:bodyPr/>
+                    <a:lstStyle/>
+                    <a:p>
+                      <a:r>
+                        <a:rPr lang="en-US" sz="1800" b="0" dirty="0"/>
+                        <a:t>30 min</a:t>
+                      </a:r>
+                    </a:p>
+                  </a:txBody>
+                  <a:tcPr marL="89154" marR="89154" marT="44577" marB="44577"/>
+                </a:tc>
+                <a:extLst>
+                  <a:ext uri="{0D108BD9-81ED-4DB2-BD59-A6C34878D82A}">
+                    <a16:rowId xmlns:a16="http://schemas.microsoft.com/office/drawing/2014/main" val="1234792166"/>
+                  </a:ext>
+                </a:extLst>
+              </a:tr>
+              <a:tr h="361569">
+                <a:tc>
+                  <a:txBody>
+                    <a:bodyPr/>
+                    <a:lstStyle/>
+                    <a:p>
+                      <a:r>
+                        <a:rPr lang="en-US" sz="1800" b="1" dirty="0"/>
+                        <a:t>Design</a:t>
+                      </a:r>
+                    </a:p>
+                  </a:txBody>
+                  <a:tcPr marL="89154" marR="89154" marT="44577" marB="44577"/>
+                </a:tc>
+                <a:tc>
+                  <a:txBody>
+                    <a:bodyPr/>
+                    <a:lstStyle/>
+                    <a:p>
+                      <a:r>
+                        <a:rPr lang="en-US" sz="1800" b="0" dirty="0"/>
+                        <a:t>9 days</a:t>
+                      </a:r>
+                    </a:p>
+                  </a:txBody>
+                  <a:tcPr marL="89154" marR="89154" marT="44577" marB="44577"/>
+                </a:tc>
+                <a:extLst>
+                  <a:ext uri="{0D108BD9-81ED-4DB2-BD59-A6C34878D82A}">
+                    <a16:rowId xmlns:a16="http://schemas.microsoft.com/office/drawing/2014/main" val="1920015134"/>
+                  </a:ext>
+                </a:extLst>
+              </a:tr>
+              <a:tr h="361569">
+                <a:tc>
+                  <a:txBody>
+                    <a:bodyPr/>
+                    <a:lstStyle/>
+                    <a:p>
+                      <a:r>
+                        <a:rPr lang="en-US" sz="1800" b="1" dirty="0"/>
+                        <a:t>Environment</a:t>
+                      </a:r>
+                    </a:p>
+                  </a:txBody>
+                  <a:tcPr marL="89154" marR="89154" marT="44577" marB="44577"/>
+                </a:tc>
+                <a:tc>
+                  <a:txBody>
+                    <a:bodyPr/>
+                    <a:lstStyle/>
+                    <a:p>
+                      <a:r>
+                        <a:rPr lang="en-US" sz="1800" b="0" dirty="0"/>
+                        <a:t>2 days</a:t>
+                      </a:r>
+                    </a:p>
+                  </a:txBody>
+                  <a:tcPr marL="89154" marR="89154" marT="44577" marB="44577"/>
+                </a:tc>
+                <a:extLst>
+                  <a:ext uri="{0D108BD9-81ED-4DB2-BD59-A6C34878D82A}">
+                    <a16:rowId xmlns:a16="http://schemas.microsoft.com/office/drawing/2014/main" val="433325941"/>
+                  </a:ext>
+                </a:extLst>
+              </a:tr>
+              <a:tr h="361569">
+                <a:tc>
+                  <a:txBody>
+                    <a:bodyPr/>
+                    <a:lstStyle/>
+                    <a:p>
+                      <a:r>
+                        <a:rPr lang="en-US" sz="1800" b="1" dirty="0"/>
+                        <a:t>Render</a:t>
+                      </a:r>
+                    </a:p>
+                  </a:txBody>
+                  <a:tcPr marL="89154" marR="89154" marT="44577" marB="44577"/>
+                </a:tc>
+                <a:tc>
+                  <a:txBody>
+                    <a:bodyPr/>
+                    <a:lstStyle/>
+                    <a:p>
+                      <a:r>
+                        <a:rPr lang="en-US" sz="1800" b="0" dirty="0"/>
+                        <a:t>2 days</a:t>
+                      </a:r>
+                    </a:p>
+                  </a:txBody>
+                  <a:tcPr marL="89154" marR="89154" marT="44577" marB="44577"/>
+                </a:tc>
+                <a:extLst>
+                  <a:ext uri="{0D108BD9-81ED-4DB2-BD59-A6C34878D82A}">
+                    <a16:rowId xmlns:a16="http://schemas.microsoft.com/office/drawing/2014/main" val="1798990098"/>
+                  </a:ext>
+                </a:extLst>
+              </a:tr>
+            </a:tbl>
+          </a:graphicData>
+        </a:graphic>
+      </p:graphicFrame>
+      <p:grpSp>
+        <p:nvGrpSpPr>
+          <p:cNvPr id="47" name="Group 46">
+            <a:extLst>
+              <a:ext uri="{FF2B5EF4-FFF2-40B4-BE49-F238E27FC236}">
+                <a16:creationId xmlns:a16="http://schemas.microsoft.com/office/drawing/2014/main" id="{FDE509DB-4708-3DBE-A551-CD51B762B32A}"/>
+              </a:ext>
+            </a:extLst>
+          </p:cNvPr>
+          <p:cNvGrpSpPr/>
+          <p:nvPr/>
+        </p:nvGrpSpPr>
+        <p:grpSpPr>
+          <a:xfrm>
+            <a:off x="972969" y="647901"/>
+            <a:ext cx="1781372" cy="4645392"/>
+            <a:chOff x="972969" y="647901"/>
+            <a:chExt cx="1781372" cy="4645392"/>
+          </a:xfrm>
+        </p:grpSpPr>
+        <p:grpSp>
+          <p:nvGrpSpPr>
+            <p:cNvPr id="6" name="Group 5">
+              <a:extLst>
+                <a:ext uri="{FF2B5EF4-FFF2-40B4-BE49-F238E27FC236}">
+                  <a16:creationId xmlns:a16="http://schemas.microsoft.com/office/drawing/2014/main" id="{8B9EB801-1733-7680-6057-D71C3F19A903}"/>
+                </a:ext>
+              </a:extLst>
+            </p:cNvPr>
+            <p:cNvGrpSpPr/>
+            <p:nvPr/>
+          </p:nvGrpSpPr>
+          <p:grpSpPr>
+            <a:xfrm>
+              <a:off x="972969" y="647901"/>
+              <a:ext cx="1781372" cy="4645392"/>
+              <a:chOff x="504497" y="84221"/>
+              <a:chExt cx="1827048" cy="4764505"/>
+            </a:xfrm>
+          </p:grpSpPr>
+          <p:sp>
+            <p:nvSpPr>
+              <p:cNvPr id="4" name="Rectangle: Rounded Corners 3">
+                <a:extLst>
+                  <a:ext uri="{FF2B5EF4-FFF2-40B4-BE49-F238E27FC236}">
+                    <a16:creationId xmlns:a16="http://schemas.microsoft.com/office/drawing/2014/main" id="{57D14328-F561-30CA-017A-61E6DF7FFA95}"/>
+                  </a:ext>
+                </a:extLst>
+              </p:cNvPr>
+              <p:cNvSpPr/>
+              <p:nvPr/>
+            </p:nvSpPr>
+            <p:spPr>
+              <a:xfrm>
+                <a:off x="504497" y="84221"/>
+                <a:ext cx="1827048" cy="4764505"/>
+              </a:xfrm>
+              <a:prstGeom prst="roundRect">
+                <a:avLst>
+                  <a:gd name="adj" fmla="val 4155"/>
+                </a:avLst>
+              </a:prstGeom>
+            </p:spPr>
+            <p:style>
+              <a:lnRef idx="2">
+                <a:schemeClr val="accent1">
+                  <a:shade val="15000"/>
+                </a:schemeClr>
+              </a:lnRef>
+              <a:fillRef idx="1">
+                <a:schemeClr val="accent1"/>
+              </a:fillRef>
+              <a:effectRef idx="0">
+                <a:schemeClr val="accent1"/>
+              </a:effectRef>
+              <a:fontRef idx="minor">
+                <a:schemeClr val="lt1"/>
+              </a:fontRef>
+            </p:style>
+            <p:txBody>
+              <a:bodyPr rtlCol="0" anchor="ctr"/>
+              <a:lstStyle/>
+              <a:p>
+                <a:pPr algn="ctr"/>
+                <a:endParaRPr lang="en-US" sz="1755" dirty="0"/>
+              </a:p>
+            </p:txBody>
+          </p:sp>
+          <p:sp>
+            <p:nvSpPr>
+              <p:cNvPr id="5" name="TextBox 4">
+                <a:extLst>
+                  <a:ext uri="{FF2B5EF4-FFF2-40B4-BE49-F238E27FC236}">
+                    <a16:creationId xmlns:a16="http://schemas.microsoft.com/office/drawing/2014/main" id="{1C8FF2D9-87E8-0879-3705-2E9D30AA1EDD}"/>
+                  </a:ext>
+                </a:extLst>
+              </p:cNvPr>
+              <p:cNvSpPr txBox="1"/>
+              <p:nvPr/>
+            </p:nvSpPr>
+            <p:spPr>
+              <a:xfrm>
+                <a:off x="774331" y="4479394"/>
+                <a:ext cx="1287379" cy="369332"/>
+              </a:xfrm>
+              <a:prstGeom prst="rect">
+                <a:avLst/>
+              </a:prstGeom>
+              <a:noFill/>
+            </p:spPr>
+            <p:txBody>
+              <a:bodyPr wrap="square" rtlCol="0">
+                <a:spAutoFit/>
+              </a:bodyPr>
+              <a:lstStyle/>
+              <a:p>
+                <a:pPr algn="ctr"/>
+                <a:r>
+                  <a:rPr lang="en-US" sz="1755" b="1" dirty="0">
+                    <a:solidFill>
+                      <a:schemeClr val="bg1"/>
+                    </a:solidFill>
+                  </a:rPr>
+                  <a:t>Planning</a:t>
+                </a:r>
+              </a:p>
+            </p:txBody>
+          </p:sp>
+        </p:grpSp>
+        <p:sp>
+          <p:nvSpPr>
+            <p:cNvPr id="19" name="TextBox 18">
+              <a:extLst>
+                <a:ext uri="{FF2B5EF4-FFF2-40B4-BE49-F238E27FC236}">
+                  <a16:creationId xmlns:a16="http://schemas.microsoft.com/office/drawing/2014/main" id="{066C252A-3EB8-09E4-CFFD-E63C0151D332}"/>
+                </a:ext>
+              </a:extLst>
+            </p:cNvPr>
+            <p:cNvSpPr txBox="1"/>
+            <p:nvPr/>
+          </p:nvSpPr>
+          <p:spPr>
+            <a:xfrm>
+              <a:off x="1057901" y="800678"/>
+              <a:ext cx="1611506" cy="564410"/>
+            </a:xfrm>
+            <a:prstGeom prst="roundRect">
+              <a:avLst/>
+            </a:prstGeom>
+            <a:ln/>
+            <a:effectLst>
+              <a:outerShdw blurRad="50800" dist="38100" dir="5400000" algn="t" rotWithShape="0">
+                <a:prstClr val="black">
+                  <a:alpha val="40000"/>
+                </a:prstClr>
+              </a:outerShdw>
+            </a:effectLst>
+          </p:spPr>
+          <p:style>
+            <a:lnRef idx="1">
+              <a:schemeClr val="accent6"/>
+            </a:lnRef>
+            <a:fillRef idx="2">
+              <a:schemeClr val="accent6"/>
+            </a:fillRef>
+            <a:effectRef idx="1">
+              <a:schemeClr val="accent6"/>
+            </a:effectRef>
+            <a:fontRef idx="minor">
+              <a:schemeClr val="dk1"/>
+            </a:fontRef>
+          </p:style>
+          <p:txBody>
+            <a:bodyPr wrap="square" rtlCol="0">
+              <a:spAutoFit/>
+            </a:bodyPr>
+            <a:lstStyle/>
+            <a:p>
+              <a:r>
+                <a:rPr lang="en-US" sz="1365" dirty="0"/>
+                <a:t>Write down what needs to be made</a:t>
+              </a:r>
+            </a:p>
+          </p:txBody>
+        </p:sp>
+        <p:sp>
+          <p:nvSpPr>
+            <p:cNvPr id="20" name="TextBox 19">
+              <a:extLst>
+                <a:ext uri="{FF2B5EF4-FFF2-40B4-BE49-F238E27FC236}">
+                  <a16:creationId xmlns:a16="http://schemas.microsoft.com/office/drawing/2014/main" id="{DA5D8B08-4C0C-F89B-41BA-D4101960DA1B}"/>
+                </a:ext>
+              </a:extLst>
+            </p:cNvPr>
+            <p:cNvSpPr txBox="1"/>
+            <p:nvPr/>
+          </p:nvSpPr>
+          <p:spPr>
+            <a:xfrm>
+              <a:off x="1057900" y="1651118"/>
+              <a:ext cx="1611506" cy="564410"/>
+            </a:xfrm>
+            <a:prstGeom prst="roundRect">
+              <a:avLst/>
+            </a:prstGeom>
+            <a:ln/>
+            <a:effectLst>
+              <a:outerShdw blurRad="50800" dist="38100" dir="5400000" algn="t" rotWithShape="0">
+                <a:prstClr val="black">
+                  <a:alpha val="40000"/>
+                </a:prstClr>
+              </a:outerShdw>
+            </a:effectLst>
+          </p:spPr>
+          <p:style>
+            <a:lnRef idx="1">
+              <a:schemeClr val="accent6"/>
+            </a:lnRef>
+            <a:fillRef idx="2">
+              <a:schemeClr val="accent6"/>
+            </a:fillRef>
+            <a:effectRef idx="1">
+              <a:schemeClr val="accent6"/>
+            </a:effectRef>
+            <a:fontRef idx="minor">
+              <a:schemeClr val="dk1"/>
+            </a:fontRef>
+          </p:style>
+          <p:txBody>
+            <a:bodyPr wrap="square" rtlCol="0">
+              <a:spAutoFit/>
+            </a:bodyPr>
+            <a:lstStyle/>
+            <a:p>
+              <a:r>
+                <a:rPr lang="en-US" sz="1365" dirty="0"/>
+                <a:t>Find a theme or common mood</a:t>
+              </a:r>
+            </a:p>
+          </p:txBody>
+        </p:sp>
+        <p:sp>
+          <p:nvSpPr>
+            <p:cNvPr id="21" name="TextBox 20">
+              <a:extLst>
+                <a:ext uri="{FF2B5EF4-FFF2-40B4-BE49-F238E27FC236}">
+                  <a16:creationId xmlns:a16="http://schemas.microsoft.com/office/drawing/2014/main" id="{638C1657-CAA8-F709-86B5-7415E92FBBD5}"/>
+                </a:ext>
+              </a:extLst>
+            </p:cNvPr>
+            <p:cNvSpPr txBox="1"/>
+            <p:nvPr/>
+          </p:nvSpPr>
+          <p:spPr>
+            <a:xfrm>
+              <a:off x="1057899" y="2406185"/>
+              <a:ext cx="1611506" cy="332006"/>
+            </a:xfrm>
+            <a:prstGeom prst="roundRect">
+              <a:avLst/>
+            </a:prstGeom>
+            <a:ln/>
+            <a:effectLst>
+              <a:outerShdw blurRad="50800" dist="38100" dir="5400000" algn="t" rotWithShape="0">
+                <a:prstClr val="black">
+                  <a:alpha val="40000"/>
+                </a:prstClr>
+              </a:outerShdw>
+            </a:effectLst>
+          </p:spPr>
+          <p:style>
+            <a:lnRef idx="1">
+              <a:schemeClr val="accent6"/>
+            </a:lnRef>
+            <a:fillRef idx="2">
+              <a:schemeClr val="accent6"/>
+            </a:fillRef>
+            <a:effectRef idx="1">
+              <a:schemeClr val="accent6"/>
+            </a:effectRef>
+            <a:fontRef idx="minor">
+              <a:schemeClr val="dk1"/>
+            </a:fontRef>
+          </p:style>
+          <p:txBody>
+            <a:bodyPr wrap="square" rtlCol="0">
+              <a:spAutoFit/>
+            </a:bodyPr>
+            <a:lstStyle/>
+            <a:p>
+              <a:r>
+                <a:rPr lang="en-US" sz="1365" dirty="0"/>
+                <a:t>Find a color palette</a:t>
+              </a:r>
+            </a:p>
+          </p:txBody>
+        </p:sp>
+        <p:sp>
+          <p:nvSpPr>
+            <p:cNvPr id="22" name="TextBox 21">
+              <a:extLst>
+                <a:ext uri="{FF2B5EF4-FFF2-40B4-BE49-F238E27FC236}">
+                  <a16:creationId xmlns:a16="http://schemas.microsoft.com/office/drawing/2014/main" id="{498C15E0-877F-B64F-994A-AD83F2CEEF9D}"/>
+                </a:ext>
+              </a:extLst>
+            </p:cNvPr>
+            <p:cNvSpPr txBox="1"/>
+            <p:nvPr/>
+          </p:nvSpPr>
+          <p:spPr>
+            <a:xfrm>
+              <a:off x="1057898" y="2981023"/>
+              <a:ext cx="1611506" cy="564410"/>
+            </a:xfrm>
+            <a:prstGeom prst="roundRect">
+              <a:avLst/>
+            </a:prstGeom>
+            <a:ln/>
+            <a:effectLst>
+              <a:outerShdw blurRad="50800" dist="38100" dir="5400000" algn="t" rotWithShape="0">
+                <a:prstClr val="black">
+                  <a:alpha val="40000"/>
+                </a:prstClr>
+              </a:outerShdw>
+            </a:effectLst>
+          </p:spPr>
+          <p:style>
+            <a:lnRef idx="1">
+              <a:schemeClr val="accent6"/>
+            </a:lnRef>
+            <a:fillRef idx="2">
+              <a:schemeClr val="accent6"/>
+            </a:fillRef>
+            <a:effectRef idx="1">
+              <a:schemeClr val="accent6"/>
+            </a:effectRef>
+            <a:fontRef idx="minor">
+              <a:schemeClr val="dk1"/>
+            </a:fontRef>
+          </p:style>
+          <p:txBody>
+            <a:bodyPr wrap="square" rtlCol="0">
+              <a:spAutoFit/>
+            </a:bodyPr>
+            <a:lstStyle/>
+            <a:p>
+              <a:r>
+                <a:rPr lang="en-US" sz="1365" dirty="0"/>
+                <a:t>Find reference photos</a:t>
+              </a:r>
+            </a:p>
+          </p:txBody>
+        </p:sp>
+        <p:sp>
+          <p:nvSpPr>
+            <p:cNvPr id="24" name="TextBox 23">
+              <a:extLst>
+                <a:ext uri="{FF2B5EF4-FFF2-40B4-BE49-F238E27FC236}">
+                  <a16:creationId xmlns:a16="http://schemas.microsoft.com/office/drawing/2014/main" id="{C5320DBF-574B-2526-4090-E9E3E720F0A5}"/>
+                </a:ext>
+              </a:extLst>
+            </p:cNvPr>
+            <p:cNvSpPr txBox="1"/>
+            <p:nvPr/>
+          </p:nvSpPr>
+          <p:spPr>
+            <a:xfrm>
+              <a:off x="1057898" y="3746518"/>
+              <a:ext cx="1611506" cy="564410"/>
+            </a:xfrm>
+            <a:prstGeom prst="roundRect">
+              <a:avLst/>
+            </a:prstGeom>
+            <a:ln/>
+            <a:effectLst>
+              <a:outerShdw blurRad="50800" dist="38100" dir="5400000" algn="t" rotWithShape="0">
+                <a:prstClr val="black">
+                  <a:alpha val="40000"/>
+                </a:prstClr>
+              </a:outerShdw>
+            </a:effectLst>
+          </p:spPr>
+          <p:style>
+            <a:lnRef idx="1">
+              <a:schemeClr val="accent6"/>
+            </a:lnRef>
+            <a:fillRef idx="2">
+              <a:schemeClr val="accent6"/>
+            </a:fillRef>
+            <a:effectRef idx="1">
+              <a:schemeClr val="accent6"/>
+            </a:effectRef>
+            <a:fontRef idx="minor">
+              <a:schemeClr val="dk1"/>
+            </a:fontRef>
+          </p:style>
+          <p:txBody>
+            <a:bodyPr wrap="square" rtlCol="0">
+              <a:spAutoFit/>
+            </a:bodyPr>
+            <a:lstStyle/>
+            <a:p>
+              <a:r>
+                <a:rPr lang="en-US" sz="1365" dirty="0"/>
+                <a:t>Sketch any hashed out ideas</a:t>
+              </a:r>
+            </a:p>
+          </p:txBody>
+        </p:sp>
+      </p:grpSp>
+      <p:grpSp>
+        <p:nvGrpSpPr>
+          <p:cNvPr id="48" name="Group 47">
+            <a:extLst>
+              <a:ext uri="{FF2B5EF4-FFF2-40B4-BE49-F238E27FC236}">
+                <a16:creationId xmlns:a16="http://schemas.microsoft.com/office/drawing/2014/main" id="{E9A2F6AE-7551-0679-4855-6733DACB09B7}"/>
+              </a:ext>
+            </a:extLst>
+          </p:cNvPr>
+          <p:cNvGrpSpPr/>
+          <p:nvPr/>
+        </p:nvGrpSpPr>
+        <p:grpSpPr>
+          <a:xfrm>
+            <a:off x="3139255" y="647900"/>
+            <a:ext cx="1781372" cy="4645392"/>
+            <a:chOff x="3139255" y="647900"/>
+            <a:chExt cx="1781372" cy="4645392"/>
+          </a:xfrm>
+        </p:grpSpPr>
+        <p:grpSp>
+          <p:nvGrpSpPr>
+            <p:cNvPr id="7" name="Group 6">
+              <a:extLst>
+                <a:ext uri="{FF2B5EF4-FFF2-40B4-BE49-F238E27FC236}">
+                  <a16:creationId xmlns:a16="http://schemas.microsoft.com/office/drawing/2014/main" id="{30821AF7-0B21-6939-87F8-6548C9199904}"/>
+                </a:ext>
+              </a:extLst>
+            </p:cNvPr>
+            <p:cNvGrpSpPr/>
+            <p:nvPr/>
+          </p:nvGrpSpPr>
+          <p:grpSpPr>
+            <a:xfrm>
+              <a:off x="3139255" y="647900"/>
+              <a:ext cx="1781372" cy="4645392"/>
+              <a:chOff x="504497" y="84221"/>
+              <a:chExt cx="1827048" cy="4764505"/>
+            </a:xfrm>
+          </p:grpSpPr>
+          <p:sp>
+            <p:nvSpPr>
+              <p:cNvPr id="8" name="Rectangle: Rounded Corners 7">
+                <a:extLst>
+                  <a:ext uri="{FF2B5EF4-FFF2-40B4-BE49-F238E27FC236}">
+                    <a16:creationId xmlns:a16="http://schemas.microsoft.com/office/drawing/2014/main" id="{9DD3226A-C89A-DE31-45D2-82984E033413}"/>
+                  </a:ext>
+                </a:extLst>
+              </p:cNvPr>
+              <p:cNvSpPr/>
+              <p:nvPr/>
+            </p:nvSpPr>
+            <p:spPr>
+              <a:xfrm>
+                <a:off x="504497" y="84221"/>
+                <a:ext cx="1827048" cy="4764505"/>
+              </a:xfrm>
+              <a:prstGeom prst="roundRect">
+                <a:avLst>
+                  <a:gd name="adj" fmla="val 4155"/>
+                </a:avLst>
+              </a:prstGeom>
+            </p:spPr>
+            <p:style>
+              <a:lnRef idx="2">
+                <a:schemeClr val="accent2">
+                  <a:shade val="15000"/>
+                </a:schemeClr>
+              </a:lnRef>
+              <a:fillRef idx="1">
+                <a:schemeClr val="accent2"/>
+              </a:fillRef>
+              <a:effectRef idx="0">
+                <a:schemeClr val="accent2"/>
+              </a:effectRef>
+              <a:fontRef idx="minor">
+                <a:schemeClr val="lt1"/>
+              </a:fontRef>
+            </p:style>
+            <p:txBody>
+              <a:bodyPr rtlCol="0" anchor="ctr"/>
+              <a:lstStyle/>
+              <a:p>
+                <a:pPr algn="ctr"/>
+                <a:endParaRPr lang="en-US" sz="1755" dirty="0"/>
+              </a:p>
+            </p:txBody>
+          </p:sp>
+          <p:sp>
+            <p:nvSpPr>
+              <p:cNvPr id="9" name="TextBox 8">
+                <a:extLst>
+                  <a:ext uri="{FF2B5EF4-FFF2-40B4-BE49-F238E27FC236}">
+                    <a16:creationId xmlns:a16="http://schemas.microsoft.com/office/drawing/2014/main" id="{00D21818-17CF-F194-4288-EC2C4FDCAA8C}"/>
+                  </a:ext>
+                </a:extLst>
+              </p:cNvPr>
+              <p:cNvSpPr txBox="1"/>
+              <p:nvPr/>
+            </p:nvSpPr>
+            <p:spPr>
+              <a:xfrm>
+                <a:off x="774331" y="4479394"/>
+                <a:ext cx="1287379" cy="369332"/>
+              </a:xfrm>
+              <a:prstGeom prst="rect">
+                <a:avLst/>
+              </a:prstGeom>
+              <a:noFill/>
+            </p:spPr>
+            <p:txBody>
+              <a:bodyPr wrap="square" rtlCol="0">
+                <a:spAutoFit/>
+              </a:bodyPr>
+              <a:lstStyle/>
+              <a:p>
+                <a:pPr algn="ctr"/>
+                <a:r>
+                  <a:rPr lang="en-US" sz="1755" b="1" dirty="0">
+                    <a:solidFill>
+                      <a:schemeClr val="bg1"/>
+                    </a:solidFill>
+                  </a:rPr>
+                  <a:t>Set Up</a:t>
+                </a:r>
+              </a:p>
+            </p:txBody>
+          </p:sp>
+        </p:grpSp>
+        <p:sp>
+          <p:nvSpPr>
+            <p:cNvPr id="23" name="TextBox 22">
+              <a:extLst>
+                <a:ext uri="{FF2B5EF4-FFF2-40B4-BE49-F238E27FC236}">
+                  <a16:creationId xmlns:a16="http://schemas.microsoft.com/office/drawing/2014/main" id="{8466F640-8798-C1AC-278D-5AB9265F7B0D}"/>
+                </a:ext>
+              </a:extLst>
+            </p:cNvPr>
+            <p:cNvSpPr txBox="1"/>
+            <p:nvPr/>
+          </p:nvSpPr>
+          <p:spPr>
+            <a:xfrm>
+              <a:off x="3224188" y="800678"/>
+              <a:ext cx="1611506" cy="564410"/>
+            </a:xfrm>
+            <a:prstGeom prst="roundRect">
+              <a:avLst/>
+            </a:prstGeom>
+            <a:ln/>
+            <a:effectLst>
+              <a:outerShdw blurRad="50800" dist="38100" dir="5400000" algn="t" rotWithShape="0">
+                <a:prstClr val="black">
+                  <a:alpha val="40000"/>
+                </a:prstClr>
+              </a:outerShdw>
+            </a:effectLst>
+          </p:spPr>
+          <p:style>
+            <a:lnRef idx="1">
+              <a:schemeClr val="accent6"/>
+            </a:lnRef>
+            <a:fillRef idx="2">
+              <a:schemeClr val="accent6"/>
+            </a:fillRef>
+            <a:effectRef idx="1">
+              <a:schemeClr val="accent6"/>
+            </a:effectRef>
+            <a:fontRef idx="minor">
+              <a:schemeClr val="dk1"/>
+            </a:fontRef>
+          </p:style>
+          <p:txBody>
+            <a:bodyPr wrap="square" rtlCol="0">
+              <a:spAutoFit/>
+            </a:bodyPr>
+            <a:lstStyle/>
+            <a:p>
+              <a:r>
+                <a:rPr lang="en-US" sz="1365" dirty="0"/>
+                <a:t>Set up project folder</a:t>
+              </a:r>
+            </a:p>
+          </p:txBody>
+        </p:sp>
+        <p:sp>
+          <p:nvSpPr>
+            <p:cNvPr id="25" name="TextBox 24">
+              <a:extLst>
+                <a:ext uri="{FF2B5EF4-FFF2-40B4-BE49-F238E27FC236}">
+                  <a16:creationId xmlns:a16="http://schemas.microsoft.com/office/drawing/2014/main" id="{CF681B62-2AE8-816F-84D2-38C456C54567}"/>
+                </a:ext>
+              </a:extLst>
+            </p:cNvPr>
+            <p:cNvSpPr txBox="1"/>
+            <p:nvPr/>
+          </p:nvSpPr>
+          <p:spPr>
+            <a:xfrm>
+              <a:off x="3224187" y="2604341"/>
+              <a:ext cx="1611506" cy="796814"/>
+            </a:xfrm>
+            <a:prstGeom prst="roundRect">
+              <a:avLst/>
+            </a:prstGeom>
+            <a:ln/>
+            <a:effectLst>
+              <a:outerShdw blurRad="50800" dist="38100" dir="5400000" algn="t" rotWithShape="0">
+                <a:prstClr val="black">
+                  <a:alpha val="40000"/>
+                </a:prstClr>
+              </a:outerShdw>
+            </a:effectLst>
+          </p:spPr>
+          <p:style>
+            <a:lnRef idx="1">
+              <a:schemeClr val="accent6"/>
+            </a:lnRef>
+            <a:fillRef idx="2">
+              <a:schemeClr val="accent6"/>
+            </a:fillRef>
+            <a:effectRef idx="1">
+              <a:schemeClr val="accent6"/>
+            </a:effectRef>
+            <a:fontRef idx="minor">
+              <a:schemeClr val="dk1"/>
+            </a:fontRef>
+          </p:style>
+          <p:txBody>
+            <a:bodyPr wrap="square" rtlCol="0">
+              <a:spAutoFit/>
+            </a:bodyPr>
+            <a:lstStyle/>
+            <a:p>
+              <a:r>
+                <a:rPr lang="en-US" sz="1365" dirty="0"/>
+                <a:t>Pull together all reference photos into file</a:t>
+              </a:r>
+            </a:p>
+          </p:txBody>
+        </p:sp>
+        <p:sp>
+          <p:nvSpPr>
+            <p:cNvPr id="26" name="TextBox 25">
+              <a:extLst>
+                <a:ext uri="{FF2B5EF4-FFF2-40B4-BE49-F238E27FC236}">
+                  <a16:creationId xmlns:a16="http://schemas.microsoft.com/office/drawing/2014/main" id="{26868AAF-3B8E-5F8B-05DC-93D8E10C12C4}"/>
+                </a:ext>
+              </a:extLst>
+            </p:cNvPr>
+            <p:cNvSpPr txBox="1"/>
+            <p:nvPr/>
+          </p:nvSpPr>
+          <p:spPr>
+            <a:xfrm>
+              <a:off x="3224187" y="1742322"/>
+              <a:ext cx="1611506" cy="564410"/>
+            </a:xfrm>
+            <a:prstGeom prst="roundRect">
+              <a:avLst/>
+            </a:prstGeom>
+            <a:ln/>
+            <a:effectLst>
+              <a:outerShdw blurRad="50800" dist="38100" dir="5400000" algn="t" rotWithShape="0">
+                <a:prstClr val="black">
+                  <a:alpha val="40000"/>
+                </a:prstClr>
+              </a:outerShdw>
+            </a:effectLst>
+          </p:spPr>
+          <p:style>
+            <a:lnRef idx="1">
+              <a:schemeClr val="accent6"/>
+            </a:lnRef>
+            <a:fillRef idx="2">
+              <a:schemeClr val="accent6"/>
+            </a:fillRef>
+            <a:effectRef idx="1">
+              <a:schemeClr val="accent6"/>
+            </a:effectRef>
+            <a:fontRef idx="minor">
+              <a:schemeClr val="dk1"/>
+            </a:fontRef>
+          </p:style>
+          <p:txBody>
+            <a:bodyPr wrap="square" rtlCol="0">
+              <a:spAutoFit/>
+            </a:bodyPr>
+            <a:lstStyle/>
+            <a:p>
+              <a:r>
+                <a:rPr lang="en-US" sz="1365" dirty="0"/>
+                <a:t>Open program and set up file</a:t>
+              </a:r>
+            </a:p>
+          </p:txBody>
+        </p:sp>
+        <p:sp>
+          <p:nvSpPr>
+            <p:cNvPr id="27" name="TextBox 26">
+              <a:extLst>
+                <a:ext uri="{FF2B5EF4-FFF2-40B4-BE49-F238E27FC236}">
+                  <a16:creationId xmlns:a16="http://schemas.microsoft.com/office/drawing/2014/main" id="{485663F7-8325-9859-3543-B3C4EC83CA4D}"/>
+                </a:ext>
+              </a:extLst>
+            </p:cNvPr>
+            <p:cNvSpPr txBox="1"/>
+            <p:nvPr/>
+          </p:nvSpPr>
+          <p:spPr>
+            <a:xfrm>
+              <a:off x="3224187" y="3630316"/>
+              <a:ext cx="1611506" cy="332006"/>
+            </a:xfrm>
+            <a:prstGeom prst="roundRect">
+              <a:avLst/>
+            </a:prstGeom>
+            <a:ln/>
+            <a:effectLst>
+              <a:outerShdw blurRad="50800" dist="38100" dir="5400000" algn="t" rotWithShape="0">
+                <a:prstClr val="black">
+                  <a:alpha val="40000"/>
+                </a:prstClr>
+              </a:outerShdw>
+            </a:effectLst>
+          </p:spPr>
+          <p:style>
+            <a:lnRef idx="1">
+              <a:schemeClr val="accent6"/>
+            </a:lnRef>
+            <a:fillRef idx="2">
+              <a:schemeClr val="accent6"/>
+            </a:fillRef>
+            <a:effectRef idx="1">
+              <a:schemeClr val="accent6"/>
+            </a:effectRef>
+            <a:fontRef idx="minor">
+              <a:schemeClr val="dk1"/>
+            </a:fontRef>
+          </p:style>
+          <p:txBody>
+            <a:bodyPr wrap="square" rtlCol="0">
+              <a:spAutoFit/>
+            </a:bodyPr>
+            <a:lstStyle/>
+            <a:p>
+              <a:r>
+                <a:rPr lang="en-US" sz="1365" dirty="0"/>
+                <a:t>Check plug-ins</a:t>
+              </a:r>
+            </a:p>
+          </p:txBody>
+        </p:sp>
+      </p:grpSp>
+      <p:grpSp>
+        <p:nvGrpSpPr>
+          <p:cNvPr id="49" name="Group 48">
+            <a:extLst>
+              <a:ext uri="{FF2B5EF4-FFF2-40B4-BE49-F238E27FC236}">
+                <a16:creationId xmlns:a16="http://schemas.microsoft.com/office/drawing/2014/main" id="{3046BEA4-B9C0-2C8A-19C9-105580A3BAC9}"/>
+              </a:ext>
+            </a:extLst>
+          </p:cNvPr>
+          <p:cNvGrpSpPr/>
+          <p:nvPr/>
+        </p:nvGrpSpPr>
+        <p:grpSpPr>
+          <a:xfrm>
+            <a:off x="5305541" y="647900"/>
+            <a:ext cx="1781372" cy="4645392"/>
+            <a:chOff x="5305541" y="647900"/>
+            <a:chExt cx="1781372" cy="4645392"/>
+          </a:xfrm>
+        </p:grpSpPr>
+        <p:grpSp>
+          <p:nvGrpSpPr>
+            <p:cNvPr id="10" name="Group 9">
+              <a:extLst>
+                <a:ext uri="{FF2B5EF4-FFF2-40B4-BE49-F238E27FC236}">
+                  <a16:creationId xmlns:a16="http://schemas.microsoft.com/office/drawing/2014/main" id="{64A177F5-18D2-7231-6BB8-3FFB2FA6AF11}"/>
+                </a:ext>
+              </a:extLst>
+            </p:cNvPr>
+            <p:cNvGrpSpPr/>
+            <p:nvPr/>
+          </p:nvGrpSpPr>
+          <p:grpSpPr>
+            <a:xfrm>
+              <a:off x="5305541" y="647900"/>
+              <a:ext cx="1781372" cy="4645392"/>
+              <a:chOff x="504497" y="84221"/>
+              <a:chExt cx="1827048" cy="4764505"/>
+            </a:xfrm>
+          </p:grpSpPr>
+          <p:sp>
+            <p:nvSpPr>
+              <p:cNvPr id="11" name="Rectangle: Rounded Corners 10">
+                <a:extLst>
+                  <a:ext uri="{FF2B5EF4-FFF2-40B4-BE49-F238E27FC236}">
+                    <a16:creationId xmlns:a16="http://schemas.microsoft.com/office/drawing/2014/main" id="{7898B1DF-EB45-2EC6-B957-1432D64B210F}"/>
+                  </a:ext>
+                </a:extLst>
+              </p:cNvPr>
+              <p:cNvSpPr/>
+              <p:nvPr/>
+            </p:nvSpPr>
+            <p:spPr>
+              <a:xfrm>
+                <a:off x="504497" y="84221"/>
+                <a:ext cx="1827048" cy="4764505"/>
+              </a:xfrm>
+              <a:prstGeom prst="roundRect">
+                <a:avLst>
+                  <a:gd name="adj" fmla="val 4155"/>
+                </a:avLst>
+              </a:prstGeom>
+            </p:spPr>
+            <p:style>
+              <a:lnRef idx="2">
+                <a:schemeClr val="accent3">
+                  <a:shade val="15000"/>
+                </a:schemeClr>
+              </a:lnRef>
+              <a:fillRef idx="1">
+                <a:schemeClr val="accent3"/>
+              </a:fillRef>
+              <a:effectRef idx="0">
+                <a:schemeClr val="accent3"/>
+              </a:effectRef>
+              <a:fontRef idx="minor">
+                <a:schemeClr val="lt1"/>
+              </a:fontRef>
+            </p:style>
+            <p:txBody>
+              <a:bodyPr rtlCol="0" anchor="ctr"/>
+              <a:lstStyle/>
+              <a:p>
+                <a:pPr algn="ctr"/>
+                <a:endParaRPr lang="en-US" sz="1755" dirty="0"/>
+              </a:p>
+            </p:txBody>
+          </p:sp>
+          <p:sp>
+            <p:nvSpPr>
+              <p:cNvPr id="12" name="TextBox 11">
+                <a:extLst>
+                  <a:ext uri="{FF2B5EF4-FFF2-40B4-BE49-F238E27FC236}">
+                    <a16:creationId xmlns:a16="http://schemas.microsoft.com/office/drawing/2014/main" id="{27327243-3541-1BB0-023D-819787601F5C}"/>
+                  </a:ext>
+                </a:extLst>
+              </p:cNvPr>
+              <p:cNvSpPr txBox="1"/>
+              <p:nvPr/>
+            </p:nvSpPr>
+            <p:spPr>
+              <a:xfrm>
+                <a:off x="774331" y="4479394"/>
+                <a:ext cx="1287379" cy="369332"/>
+              </a:xfrm>
+              <a:prstGeom prst="rect">
+                <a:avLst/>
+              </a:prstGeom>
+              <a:noFill/>
+            </p:spPr>
+            <p:txBody>
+              <a:bodyPr wrap="square" rtlCol="0">
+                <a:spAutoFit/>
+              </a:bodyPr>
+              <a:lstStyle/>
+              <a:p>
+                <a:pPr algn="ctr"/>
+                <a:r>
+                  <a:rPr lang="en-US" sz="1755" b="1" dirty="0">
+                    <a:solidFill>
+                      <a:schemeClr val="bg1"/>
+                    </a:solidFill>
+                  </a:rPr>
+                  <a:t>Design</a:t>
+                </a:r>
+              </a:p>
+            </p:txBody>
+          </p:sp>
+        </p:grpSp>
+        <p:sp>
+          <p:nvSpPr>
+            <p:cNvPr id="28" name="TextBox 27">
+              <a:extLst>
+                <a:ext uri="{FF2B5EF4-FFF2-40B4-BE49-F238E27FC236}">
+                  <a16:creationId xmlns:a16="http://schemas.microsoft.com/office/drawing/2014/main" id="{83D0E9CE-9166-A2F2-04D0-BB4F28B9FFF7}"/>
+                </a:ext>
+              </a:extLst>
+            </p:cNvPr>
+            <p:cNvSpPr txBox="1"/>
+            <p:nvPr/>
+          </p:nvSpPr>
+          <p:spPr>
+            <a:xfrm>
+              <a:off x="5390474" y="800678"/>
+              <a:ext cx="1611506" cy="564410"/>
+            </a:xfrm>
+            <a:prstGeom prst="roundRect">
+              <a:avLst/>
+            </a:prstGeom>
+            <a:ln/>
+            <a:effectLst>
+              <a:outerShdw blurRad="50800" dist="38100" dir="5400000" algn="t" rotWithShape="0">
+                <a:prstClr val="black">
+                  <a:alpha val="40000"/>
+                </a:prstClr>
+              </a:outerShdw>
+            </a:effectLst>
+          </p:spPr>
+          <p:style>
+            <a:lnRef idx="1">
+              <a:schemeClr val="accent6"/>
+            </a:lnRef>
+            <a:fillRef idx="2">
+              <a:schemeClr val="accent6"/>
+            </a:fillRef>
+            <a:effectRef idx="1">
+              <a:schemeClr val="accent6"/>
+            </a:effectRef>
+            <a:fontRef idx="minor">
+              <a:schemeClr val="dk1"/>
+            </a:fontRef>
+          </p:style>
+          <p:txBody>
+            <a:bodyPr wrap="square" rtlCol="0">
+              <a:spAutoFit/>
+            </a:bodyPr>
+            <a:lstStyle/>
+            <a:p>
+              <a:r>
+                <a:rPr lang="en-US" sz="1365" dirty="0"/>
+                <a:t>Block out overall asset</a:t>
+              </a:r>
+            </a:p>
+          </p:txBody>
+        </p:sp>
+        <p:sp>
+          <p:nvSpPr>
+            <p:cNvPr id="29" name="TextBox 28">
+              <a:extLst>
+                <a:ext uri="{FF2B5EF4-FFF2-40B4-BE49-F238E27FC236}">
+                  <a16:creationId xmlns:a16="http://schemas.microsoft.com/office/drawing/2014/main" id="{DE12F1C4-C1E4-C4CE-1FC0-1F816E583ACA}"/>
+                </a:ext>
+              </a:extLst>
+            </p:cNvPr>
+            <p:cNvSpPr txBox="1"/>
+            <p:nvPr/>
+          </p:nvSpPr>
+          <p:spPr>
+            <a:xfrm>
+              <a:off x="5390474" y="1651119"/>
+              <a:ext cx="1611506" cy="332006"/>
+            </a:xfrm>
+            <a:prstGeom prst="roundRect">
+              <a:avLst/>
+            </a:prstGeom>
+            <a:ln/>
+            <a:effectLst>
+              <a:outerShdw blurRad="50800" dist="38100" dir="5400000" algn="t" rotWithShape="0">
+                <a:prstClr val="black">
+                  <a:alpha val="40000"/>
+                </a:prstClr>
+              </a:outerShdw>
+            </a:effectLst>
+          </p:spPr>
+          <p:style>
+            <a:lnRef idx="1">
+              <a:schemeClr val="accent6"/>
+            </a:lnRef>
+            <a:fillRef idx="2">
+              <a:schemeClr val="accent6"/>
+            </a:fillRef>
+            <a:effectRef idx="1">
+              <a:schemeClr val="accent6"/>
+            </a:effectRef>
+            <a:fontRef idx="minor">
+              <a:schemeClr val="dk1"/>
+            </a:fontRef>
+          </p:style>
+          <p:txBody>
+            <a:bodyPr wrap="square" rtlCol="0">
+              <a:spAutoFit/>
+            </a:bodyPr>
+            <a:lstStyle/>
+            <a:p>
+              <a:r>
+                <a:rPr lang="en-US" sz="1365" dirty="0"/>
+                <a:t>Build off block out</a:t>
+              </a:r>
+            </a:p>
+          </p:txBody>
+        </p:sp>
+        <p:sp>
+          <p:nvSpPr>
+            <p:cNvPr id="30" name="TextBox 29">
+              <a:extLst>
+                <a:ext uri="{FF2B5EF4-FFF2-40B4-BE49-F238E27FC236}">
+                  <a16:creationId xmlns:a16="http://schemas.microsoft.com/office/drawing/2014/main" id="{F4F609D7-A4E6-941C-88B3-80E8D65E611C}"/>
+                </a:ext>
+              </a:extLst>
+            </p:cNvPr>
+            <p:cNvSpPr txBox="1"/>
+            <p:nvPr/>
+          </p:nvSpPr>
+          <p:spPr>
+            <a:xfrm>
+              <a:off x="5390473" y="2388584"/>
+              <a:ext cx="1611506" cy="564410"/>
+            </a:xfrm>
+            <a:prstGeom prst="roundRect">
+              <a:avLst/>
+            </a:prstGeom>
+            <a:ln/>
+            <a:effectLst>
+              <a:outerShdw blurRad="50800" dist="38100" dir="5400000" algn="t" rotWithShape="0">
+                <a:prstClr val="black">
+                  <a:alpha val="40000"/>
+                </a:prstClr>
+              </a:outerShdw>
+            </a:effectLst>
+          </p:spPr>
+          <p:style>
+            <a:lnRef idx="1">
+              <a:schemeClr val="accent6"/>
+            </a:lnRef>
+            <a:fillRef idx="2">
+              <a:schemeClr val="accent6"/>
+            </a:fillRef>
+            <a:effectRef idx="1">
+              <a:schemeClr val="accent6"/>
+            </a:effectRef>
+            <a:fontRef idx="minor">
+              <a:schemeClr val="dk1"/>
+            </a:fontRef>
+          </p:style>
+          <p:txBody>
+            <a:bodyPr wrap="square" rtlCol="0">
+              <a:spAutoFit/>
+            </a:bodyPr>
+            <a:lstStyle/>
+            <a:p>
+              <a:r>
+                <a:rPr lang="en-US" sz="1365" dirty="0"/>
+                <a:t>Create and apply texture</a:t>
+              </a:r>
+            </a:p>
+          </p:txBody>
+        </p:sp>
+        <p:sp>
+          <p:nvSpPr>
+            <p:cNvPr id="31" name="TextBox 30">
+              <a:extLst>
+                <a:ext uri="{FF2B5EF4-FFF2-40B4-BE49-F238E27FC236}">
+                  <a16:creationId xmlns:a16="http://schemas.microsoft.com/office/drawing/2014/main" id="{D5BEF121-6301-82B8-A21A-D3FB9A5D9DDB}"/>
+                </a:ext>
+              </a:extLst>
+            </p:cNvPr>
+            <p:cNvSpPr txBox="1"/>
+            <p:nvPr/>
+          </p:nvSpPr>
+          <p:spPr>
+            <a:xfrm>
+              <a:off x="5390472" y="3231909"/>
+              <a:ext cx="1611506" cy="332006"/>
+            </a:xfrm>
+            <a:prstGeom prst="roundRect">
+              <a:avLst/>
+            </a:prstGeom>
+            <a:ln/>
+            <a:effectLst>
+              <a:outerShdw blurRad="50800" dist="38100" dir="5400000" algn="t" rotWithShape="0">
+                <a:prstClr val="black">
+                  <a:alpha val="40000"/>
+                </a:prstClr>
+              </a:outerShdw>
+            </a:effectLst>
+          </p:spPr>
+          <p:style>
+            <a:lnRef idx="1">
+              <a:schemeClr val="accent6"/>
+            </a:lnRef>
+            <a:fillRef idx="2">
+              <a:schemeClr val="accent6"/>
+            </a:fillRef>
+            <a:effectRef idx="1">
+              <a:schemeClr val="accent6"/>
+            </a:effectRef>
+            <a:fontRef idx="minor">
+              <a:schemeClr val="dk1"/>
+            </a:fontRef>
+          </p:style>
+          <p:txBody>
+            <a:bodyPr wrap="square" rtlCol="0">
+              <a:spAutoFit/>
+            </a:bodyPr>
+            <a:lstStyle/>
+            <a:p>
+              <a:r>
+                <a:rPr lang="en-US" sz="1365" dirty="0"/>
+                <a:t>Check normal</a:t>
+              </a:r>
+            </a:p>
+          </p:txBody>
+        </p:sp>
+        <p:sp>
+          <p:nvSpPr>
+            <p:cNvPr id="32" name="TextBox 31">
+              <a:extLst>
+                <a:ext uri="{FF2B5EF4-FFF2-40B4-BE49-F238E27FC236}">
+                  <a16:creationId xmlns:a16="http://schemas.microsoft.com/office/drawing/2014/main" id="{BA847E44-5D88-0025-F1B3-1F73A4B33833}"/>
+                </a:ext>
+              </a:extLst>
+            </p:cNvPr>
+            <p:cNvSpPr txBox="1"/>
+            <p:nvPr/>
+          </p:nvSpPr>
+          <p:spPr>
+            <a:xfrm>
+              <a:off x="5390471" y="3907970"/>
+              <a:ext cx="1611506" cy="796814"/>
+            </a:xfrm>
+            <a:prstGeom prst="roundRect">
+              <a:avLst/>
+            </a:prstGeom>
+            <a:ln/>
+            <a:effectLst>
+              <a:outerShdw blurRad="50800" dist="38100" dir="5400000" algn="t" rotWithShape="0">
+                <a:prstClr val="black">
+                  <a:alpha val="40000"/>
+                </a:prstClr>
+              </a:outerShdw>
+            </a:effectLst>
+          </p:spPr>
+          <p:style>
+            <a:lnRef idx="1">
+              <a:schemeClr val="accent6"/>
+            </a:lnRef>
+            <a:fillRef idx="2">
+              <a:schemeClr val="accent6"/>
+            </a:fillRef>
+            <a:effectRef idx="1">
+              <a:schemeClr val="accent6"/>
+            </a:effectRef>
+            <a:fontRef idx="minor">
+              <a:schemeClr val="dk1"/>
+            </a:fontRef>
+          </p:style>
+          <p:txBody>
+            <a:bodyPr wrap="square" rtlCol="0">
+              <a:spAutoFit/>
+            </a:bodyPr>
+            <a:lstStyle/>
+            <a:p>
+              <a:r>
+                <a:rPr lang="en-US" sz="1365" dirty="0"/>
+                <a:t>Apply rotations, scales and transformations</a:t>
+              </a:r>
+            </a:p>
+          </p:txBody>
+        </p:sp>
+      </p:grpSp>
+      <p:grpSp>
+        <p:nvGrpSpPr>
+          <p:cNvPr id="50" name="Group 49">
+            <a:extLst>
+              <a:ext uri="{FF2B5EF4-FFF2-40B4-BE49-F238E27FC236}">
+                <a16:creationId xmlns:a16="http://schemas.microsoft.com/office/drawing/2014/main" id="{03C3C952-D2AB-376B-08DE-F87BBB62E92B}"/>
+              </a:ext>
+            </a:extLst>
+          </p:cNvPr>
+          <p:cNvGrpSpPr/>
+          <p:nvPr/>
+        </p:nvGrpSpPr>
+        <p:grpSpPr>
+          <a:xfrm>
+            <a:off x="7471827" y="647900"/>
+            <a:ext cx="1781372" cy="4645392"/>
+            <a:chOff x="7471827" y="647900"/>
+            <a:chExt cx="1781372" cy="4645392"/>
+          </a:xfrm>
+        </p:grpSpPr>
+        <p:grpSp>
+          <p:nvGrpSpPr>
+            <p:cNvPr id="13" name="Group 12">
+              <a:extLst>
+                <a:ext uri="{FF2B5EF4-FFF2-40B4-BE49-F238E27FC236}">
+                  <a16:creationId xmlns:a16="http://schemas.microsoft.com/office/drawing/2014/main" id="{A915E5F5-BD68-9D12-E5B9-67766B1633CB}"/>
+                </a:ext>
+              </a:extLst>
+            </p:cNvPr>
+            <p:cNvGrpSpPr/>
+            <p:nvPr/>
+          </p:nvGrpSpPr>
+          <p:grpSpPr>
+            <a:xfrm>
+              <a:off x="7471827" y="647900"/>
+              <a:ext cx="1781372" cy="4645392"/>
+              <a:chOff x="504497" y="84221"/>
+              <a:chExt cx="1827048" cy="4764505"/>
+            </a:xfrm>
+          </p:grpSpPr>
+          <p:sp>
+            <p:nvSpPr>
+              <p:cNvPr id="14" name="Rectangle: Rounded Corners 13">
+                <a:extLst>
+                  <a:ext uri="{FF2B5EF4-FFF2-40B4-BE49-F238E27FC236}">
+                    <a16:creationId xmlns:a16="http://schemas.microsoft.com/office/drawing/2014/main" id="{171AFBF8-F229-AFBA-26CA-6C5E4C0EBAFC}"/>
+                  </a:ext>
+                </a:extLst>
+              </p:cNvPr>
+              <p:cNvSpPr/>
+              <p:nvPr/>
+            </p:nvSpPr>
+            <p:spPr>
+              <a:xfrm>
+                <a:off x="504497" y="84221"/>
+                <a:ext cx="1827048" cy="4764505"/>
+              </a:xfrm>
+              <a:prstGeom prst="roundRect">
+                <a:avLst>
+                  <a:gd name="adj" fmla="val 4155"/>
+                </a:avLst>
+              </a:prstGeom>
+            </p:spPr>
+            <p:style>
+              <a:lnRef idx="2">
+                <a:schemeClr val="accent4">
+                  <a:shade val="15000"/>
+                </a:schemeClr>
+              </a:lnRef>
+              <a:fillRef idx="1">
+                <a:schemeClr val="accent4"/>
+              </a:fillRef>
+              <a:effectRef idx="0">
+                <a:schemeClr val="accent4"/>
+              </a:effectRef>
+              <a:fontRef idx="minor">
+                <a:schemeClr val="lt1"/>
+              </a:fontRef>
+            </p:style>
+            <p:txBody>
+              <a:bodyPr rtlCol="0" anchor="ctr"/>
+              <a:lstStyle/>
+              <a:p>
+                <a:pPr algn="ctr"/>
+                <a:endParaRPr lang="en-US" sz="1755" dirty="0"/>
+              </a:p>
+            </p:txBody>
+          </p:sp>
+          <p:sp>
+            <p:nvSpPr>
+              <p:cNvPr id="15" name="TextBox 14">
+                <a:extLst>
+                  <a:ext uri="{FF2B5EF4-FFF2-40B4-BE49-F238E27FC236}">
+                    <a16:creationId xmlns:a16="http://schemas.microsoft.com/office/drawing/2014/main" id="{FD3C3BFA-0381-70F3-A9F5-79C2FA28C8EA}"/>
+                  </a:ext>
+                </a:extLst>
+              </p:cNvPr>
+              <p:cNvSpPr txBox="1"/>
+              <p:nvPr/>
+            </p:nvSpPr>
+            <p:spPr>
+              <a:xfrm>
+                <a:off x="639414" y="4468674"/>
+                <a:ext cx="1557214" cy="369332"/>
+              </a:xfrm>
+              <a:prstGeom prst="rect">
+                <a:avLst/>
+              </a:prstGeom>
+              <a:noFill/>
+            </p:spPr>
+            <p:txBody>
+              <a:bodyPr wrap="square" rtlCol="0">
+                <a:spAutoFit/>
+              </a:bodyPr>
+              <a:lstStyle/>
+              <a:p>
+                <a:pPr algn="ctr"/>
+                <a:r>
+                  <a:rPr lang="en-US" sz="1755" b="1" dirty="0">
+                    <a:solidFill>
+                      <a:schemeClr val="bg1"/>
+                    </a:solidFill>
+                  </a:rPr>
+                  <a:t>Environment</a:t>
+                </a:r>
+              </a:p>
+            </p:txBody>
+          </p:sp>
+        </p:grpSp>
+        <p:sp>
+          <p:nvSpPr>
+            <p:cNvPr id="33" name="TextBox 32">
+              <a:extLst>
+                <a:ext uri="{FF2B5EF4-FFF2-40B4-BE49-F238E27FC236}">
+                  <a16:creationId xmlns:a16="http://schemas.microsoft.com/office/drawing/2014/main" id="{1E28C87A-A107-61BD-CF18-E1CA14ED8239}"/>
+                </a:ext>
+              </a:extLst>
+            </p:cNvPr>
+            <p:cNvSpPr txBox="1"/>
+            <p:nvPr/>
+          </p:nvSpPr>
+          <p:spPr>
+            <a:xfrm>
+              <a:off x="7556760" y="800678"/>
+              <a:ext cx="1611506" cy="332006"/>
+            </a:xfrm>
+            <a:prstGeom prst="roundRect">
+              <a:avLst/>
+            </a:prstGeom>
+            <a:ln/>
+            <a:effectLst>
+              <a:outerShdw blurRad="50800" dist="38100" dir="5400000" algn="t" rotWithShape="0">
+                <a:prstClr val="black">
+                  <a:alpha val="40000"/>
+                </a:prstClr>
+              </a:outerShdw>
+            </a:effectLst>
+          </p:spPr>
+          <p:style>
+            <a:lnRef idx="1">
+              <a:schemeClr val="accent6"/>
+            </a:lnRef>
+            <a:fillRef idx="2">
+              <a:schemeClr val="accent6"/>
+            </a:fillRef>
+            <a:effectRef idx="1">
+              <a:schemeClr val="accent6"/>
+            </a:effectRef>
+            <a:fontRef idx="minor">
+              <a:schemeClr val="dk1"/>
+            </a:fontRef>
+          </p:style>
+          <p:txBody>
+            <a:bodyPr wrap="square" rtlCol="0">
+              <a:spAutoFit/>
+            </a:bodyPr>
+            <a:lstStyle/>
+            <a:p>
+              <a:r>
+                <a:rPr lang="en-US" sz="1365" dirty="0"/>
+                <a:t>Change world color</a:t>
+              </a:r>
+            </a:p>
+          </p:txBody>
+        </p:sp>
+        <p:sp>
+          <p:nvSpPr>
+            <p:cNvPr id="34" name="TextBox 33">
+              <a:extLst>
+                <a:ext uri="{FF2B5EF4-FFF2-40B4-BE49-F238E27FC236}">
+                  <a16:creationId xmlns:a16="http://schemas.microsoft.com/office/drawing/2014/main" id="{3831494D-0912-429D-12BD-98B2C4DDFBD3}"/>
+                </a:ext>
+              </a:extLst>
+            </p:cNvPr>
+            <p:cNvSpPr txBox="1"/>
+            <p:nvPr/>
+          </p:nvSpPr>
+          <p:spPr>
+            <a:xfrm>
+              <a:off x="7556759" y="1369617"/>
+              <a:ext cx="1611506" cy="564410"/>
+            </a:xfrm>
+            <a:prstGeom prst="roundRect">
+              <a:avLst/>
+            </a:prstGeom>
+            <a:ln/>
+            <a:effectLst>
+              <a:outerShdw blurRad="50800" dist="38100" dir="5400000" algn="t" rotWithShape="0">
+                <a:prstClr val="black">
+                  <a:alpha val="40000"/>
+                </a:prstClr>
+              </a:outerShdw>
+            </a:effectLst>
+          </p:spPr>
+          <p:style>
+            <a:lnRef idx="1">
+              <a:schemeClr val="accent6"/>
+            </a:lnRef>
+            <a:fillRef idx="2">
+              <a:schemeClr val="accent6"/>
+            </a:fillRef>
+            <a:effectRef idx="1">
+              <a:schemeClr val="accent6"/>
+            </a:effectRef>
+            <a:fontRef idx="minor">
+              <a:schemeClr val="dk1"/>
+            </a:fontRef>
+          </p:style>
+          <p:txBody>
+            <a:bodyPr wrap="square" rtlCol="0">
+              <a:spAutoFit/>
+            </a:bodyPr>
+            <a:lstStyle/>
+            <a:p>
+              <a:r>
+                <a:rPr lang="en-US" sz="1365" dirty="0"/>
+                <a:t>Set world volume lighting</a:t>
+              </a:r>
+            </a:p>
+          </p:txBody>
+        </p:sp>
+        <p:sp>
+          <p:nvSpPr>
+            <p:cNvPr id="35" name="TextBox 34">
+              <a:extLst>
+                <a:ext uri="{FF2B5EF4-FFF2-40B4-BE49-F238E27FC236}">
+                  <a16:creationId xmlns:a16="http://schemas.microsoft.com/office/drawing/2014/main" id="{A95D3389-D1AD-FAEE-24E6-82F20D3BF7C7}"/>
+                </a:ext>
+              </a:extLst>
+            </p:cNvPr>
+            <p:cNvSpPr txBox="1"/>
+            <p:nvPr/>
+          </p:nvSpPr>
+          <p:spPr>
+            <a:xfrm>
+              <a:off x="7556759" y="2170961"/>
+              <a:ext cx="1611506" cy="564410"/>
+            </a:xfrm>
+            <a:prstGeom prst="roundRect">
+              <a:avLst/>
+            </a:prstGeom>
+            <a:ln/>
+            <a:effectLst>
+              <a:outerShdw blurRad="50800" dist="38100" dir="5400000" algn="t" rotWithShape="0">
+                <a:prstClr val="black">
+                  <a:alpha val="40000"/>
+                </a:prstClr>
+              </a:outerShdw>
+            </a:effectLst>
+          </p:spPr>
+          <p:style>
+            <a:lnRef idx="1">
+              <a:schemeClr val="accent6"/>
+            </a:lnRef>
+            <a:fillRef idx="2">
+              <a:schemeClr val="accent6"/>
+            </a:fillRef>
+            <a:effectRef idx="1">
+              <a:schemeClr val="accent6"/>
+            </a:effectRef>
+            <a:fontRef idx="minor">
+              <a:schemeClr val="dk1"/>
+            </a:fontRef>
+          </p:style>
+          <p:txBody>
+            <a:bodyPr wrap="square" rtlCol="0">
+              <a:spAutoFit/>
+            </a:bodyPr>
+            <a:lstStyle/>
+            <a:p>
+              <a:r>
+                <a:rPr lang="en-US" sz="1365" dirty="0"/>
+                <a:t>Set world volume lighting</a:t>
+              </a:r>
+            </a:p>
+          </p:txBody>
+        </p:sp>
+        <p:sp>
+          <p:nvSpPr>
+            <p:cNvPr id="36" name="TextBox 35">
+              <a:extLst>
+                <a:ext uri="{FF2B5EF4-FFF2-40B4-BE49-F238E27FC236}">
+                  <a16:creationId xmlns:a16="http://schemas.microsoft.com/office/drawing/2014/main" id="{CE317E41-EF32-D41A-6215-C0EDA3FBD536}"/>
+                </a:ext>
+              </a:extLst>
+            </p:cNvPr>
+            <p:cNvSpPr txBox="1"/>
+            <p:nvPr/>
+          </p:nvSpPr>
+          <p:spPr>
+            <a:xfrm>
+              <a:off x="7556759" y="2972305"/>
+              <a:ext cx="1611506" cy="564410"/>
+            </a:xfrm>
+            <a:prstGeom prst="roundRect">
+              <a:avLst/>
+            </a:prstGeom>
+            <a:ln/>
+            <a:effectLst>
+              <a:outerShdw blurRad="50800" dist="38100" dir="5400000" algn="t" rotWithShape="0">
+                <a:prstClr val="black">
+                  <a:alpha val="40000"/>
+                </a:prstClr>
+              </a:outerShdw>
+            </a:effectLst>
+          </p:spPr>
+          <p:style>
+            <a:lnRef idx="1">
+              <a:schemeClr val="accent6"/>
+            </a:lnRef>
+            <a:fillRef idx="2">
+              <a:schemeClr val="accent6"/>
+            </a:fillRef>
+            <a:effectRef idx="1">
+              <a:schemeClr val="accent6"/>
+            </a:effectRef>
+            <a:fontRef idx="minor">
+              <a:schemeClr val="dk1"/>
+            </a:fontRef>
+          </p:style>
+          <p:txBody>
+            <a:bodyPr wrap="square" rtlCol="0">
+              <a:spAutoFit/>
+            </a:bodyPr>
+            <a:lstStyle/>
+            <a:p>
+              <a:r>
+                <a:rPr lang="en-US" sz="1365" dirty="0"/>
+                <a:t>Determine and set camera angle</a:t>
+              </a:r>
+            </a:p>
+          </p:txBody>
+        </p:sp>
+      </p:grpSp>
+      <p:sp>
+        <p:nvSpPr>
+          <p:cNvPr id="42" name="TextBox 41">
+            <a:extLst>
+              <a:ext uri="{FF2B5EF4-FFF2-40B4-BE49-F238E27FC236}">
+                <a16:creationId xmlns:a16="http://schemas.microsoft.com/office/drawing/2014/main" id="{B674EDE8-FC7A-6018-72EE-F49418413EE5}"/>
+              </a:ext>
+            </a:extLst>
+          </p:cNvPr>
+          <p:cNvSpPr txBox="1"/>
+          <p:nvPr/>
+        </p:nvSpPr>
+        <p:spPr>
+          <a:xfrm>
+            <a:off x="4684798" y="5649783"/>
+            <a:ext cx="3022851" cy="408623"/>
+          </a:xfrm>
+          <a:prstGeom prst="roundRect">
+            <a:avLst/>
+          </a:prstGeom>
+        </p:spPr>
+        <p:style>
+          <a:lnRef idx="0">
+            <a:schemeClr val="accent2"/>
+          </a:lnRef>
+          <a:fillRef idx="3">
+            <a:schemeClr val="accent2"/>
+          </a:fillRef>
+          <a:effectRef idx="3">
+            <a:schemeClr val="accent2"/>
+          </a:effectRef>
+          <a:fontRef idx="minor">
+            <a:schemeClr val="lt1"/>
+          </a:fontRef>
+        </p:style>
+        <p:txBody>
+          <a:bodyPr wrap="none" rtlCol="0">
+            <a:spAutoFit/>
+          </a:bodyPr>
+          <a:lstStyle/>
+          <a:p>
+            <a:r>
+              <a:rPr lang="en-US" b="1" dirty="0"/>
+              <a:t>Estimated Average Flow Time</a:t>
+            </a:r>
+          </a:p>
+        </p:txBody>
+      </p:sp>
+      <p:sp>
+        <p:nvSpPr>
+          <p:cNvPr id="43" name="TextBox 42">
+            <a:extLst>
+              <a:ext uri="{FF2B5EF4-FFF2-40B4-BE49-F238E27FC236}">
+                <a16:creationId xmlns:a16="http://schemas.microsoft.com/office/drawing/2014/main" id="{17ABEBFF-6F31-84E8-60C4-C5E26A57494C}"/>
+              </a:ext>
+            </a:extLst>
+          </p:cNvPr>
+          <p:cNvSpPr txBox="1"/>
+          <p:nvPr/>
+        </p:nvSpPr>
+        <p:spPr>
+          <a:xfrm>
+            <a:off x="348658" y="5430352"/>
+            <a:ext cx="2405683" cy="408623"/>
+          </a:xfrm>
+          <a:prstGeom prst="roundRect">
+            <a:avLst/>
+          </a:prstGeom>
+        </p:spPr>
+        <p:style>
+          <a:lnRef idx="0">
+            <a:schemeClr val="accent2"/>
+          </a:lnRef>
+          <a:fillRef idx="3">
+            <a:schemeClr val="accent2"/>
+          </a:fillRef>
+          <a:effectRef idx="3">
+            <a:schemeClr val="accent2"/>
+          </a:effectRef>
+          <a:fontRef idx="minor">
+            <a:schemeClr val="lt1"/>
+          </a:fontRef>
+        </p:style>
+        <p:txBody>
+          <a:bodyPr wrap="none" rtlCol="0">
+            <a:spAutoFit/>
+          </a:bodyPr>
+          <a:lstStyle/>
+          <a:p>
+            <a:r>
+              <a:rPr lang="en-US" b="1" dirty="0"/>
+              <a:t>Analyzing Lean Metrics</a:t>
+            </a:r>
+          </a:p>
+        </p:txBody>
+      </p:sp>
+      <p:grpSp>
+        <p:nvGrpSpPr>
+          <p:cNvPr id="51" name="Group 50">
+            <a:extLst>
+              <a:ext uri="{FF2B5EF4-FFF2-40B4-BE49-F238E27FC236}">
+                <a16:creationId xmlns:a16="http://schemas.microsoft.com/office/drawing/2014/main" id="{4A59E012-7ADC-1F97-76FE-6F94C89E378B}"/>
+              </a:ext>
+            </a:extLst>
+          </p:cNvPr>
+          <p:cNvGrpSpPr/>
+          <p:nvPr/>
+        </p:nvGrpSpPr>
+        <p:grpSpPr>
+          <a:xfrm>
+            <a:off x="9638113" y="647900"/>
+            <a:ext cx="1781372" cy="4645392"/>
+            <a:chOff x="9638113" y="647900"/>
+            <a:chExt cx="1781372" cy="4645392"/>
+          </a:xfrm>
+        </p:grpSpPr>
+        <p:grpSp>
+          <p:nvGrpSpPr>
+            <p:cNvPr id="16" name="Group 15">
+              <a:extLst>
+                <a:ext uri="{FF2B5EF4-FFF2-40B4-BE49-F238E27FC236}">
+                  <a16:creationId xmlns:a16="http://schemas.microsoft.com/office/drawing/2014/main" id="{0D7DC6C4-98CF-51F0-58AD-5A0D661B74B7}"/>
+                </a:ext>
+              </a:extLst>
+            </p:cNvPr>
+            <p:cNvGrpSpPr/>
+            <p:nvPr/>
+          </p:nvGrpSpPr>
+          <p:grpSpPr>
+            <a:xfrm>
+              <a:off x="9638113" y="647900"/>
+              <a:ext cx="1781372" cy="4645392"/>
+              <a:chOff x="504497" y="84221"/>
+              <a:chExt cx="1827048" cy="4764505"/>
+            </a:xfrm>
+          </p:grpSpPr>
+          <p:sp>
+            <p:nvSpPr>
+              <p:cNvPr id="17" name="Rectangle: Rounded Corners 16">
+                <a:extLst>
+                  <a:ext uri="{FF2B5EF4-FFF2-40B4-BE49-F238E27FC236}">
+                    <a16:creationId xmlns:a16="http://schemas.microsoft.com/office/drawing/2014/main" id="{96A7A3C2-51CE-6576-D49E-9ADCFB51BEA3}"/>
+                  </a:ext>
+                </a:extLst>
+              </p:cNvPr>
+              <p:cNvSpPr/>
+              <p:nvPr/>
+            </p:nvSpPr>
+            <p:spPr>
+              <a:xfrm>
+                <a:off x="504497" y="84221"/>
+                <a:ext cx="1827048" cy="4764505"/>
+              </a:xfrm>
+              <a:prstGeom prst="roundRect">
+                <a:avLst>
+                  <a:gd name="adj" fmla="val 4155"/>
+                </a:avLst>
+              </a:prstGeom>
+            </p:spPr>
+            <p:style>
+              <a:lnRef idx="2">
+                <a:schemeClr val="accent5">
+                  <a:shade val="15000"/>
+                </a:schemeClr>
+              </a:lnRef>
+              <a:fillRef idx="1">
+                <a:schemeClr val="accent5"/>
+              </a:fillRef>
+              <a:effectRef idx="0">
+                <a:schemeClr val="accent5"/>
+              </a:effectRef>
+              <a:fontRef idx="minor">
+                <a:schemeClr val="lt1"/>
+              </a:fontRef>
+            </p:style>
+            <p:txBody>
+              <a:bodyPr rtlCol="0" anchor="ctr"/>
+              <a:lstStyle/>
+              <a:p>
+                <a:pPr algn="ctr"/>
+                <a:endParaRPr lang="en-US" sz="1755" dirty="0"/>
+              </a:p>
+            </p:txBody>
+          </p:sp>
+          <p:sp>
+            <p:nvSpPr>
+              <p:cNvPr id="18" name="TextBox 17">
+                <a:extLst>
+                  <a:ext uri="{FF2B5EF4-FFF2-40B4-BE49-F238E27FC236}">
+                    <a16:creationId xmlns:a16="http://schemas.microsoft.com/office/drawing/2014/main" id="{A92C422F-D410-71C2-EA59-E0EA9A48E35A}"/>
+                  </a:ext>
+                </a:extLst>
+              </p:cNvPr>
+              <p:cNvSpPr txBox="1"/>
+              <p:nvPr/>
+            </p:nvSpPr>
+            <p:spPr>
+              <a:xfrm>
+                <a:off x="639414" y="4468674"/>
+                <a:ext cx="1557214" cy="369332"/>
+              </a:xfrm>
+              <a:prstGeom prst="rect">
+                <a:avLst/>
+              </a:prstGeom>
+              <a:noFill/>
+            </p:spPr>
+            <p:txBody>
+              <a:bodyPr wrap="square" rtlCol="0">
+                <a:spAutoFit/>
+              </a:bodyPr>
+              <a:lstStyle/>
+              <a:p>
+                <a:pPr algn="ctr"/>
+                <a:r>
+                  <a:rPr lang="en-US" sz="1755" b="1" dirty="0">
+                    <a:solidFill>
+                      <a:schemeClr val="bg1"/>
+                    </a:solidFill>
+                  </a:rPr>
+                  <a:t>Render</a:t>
+                </a:r>
+              </a:p>
+            </p:txBody>
+          </p:sp>
+        </p:grpSp>
+        <p:sp>
+          <p:nvSpPr>
+            <p:cNvPr id="37" name="TextBox 36">
+              <a:extLst>
+                <a:ext uri="{FF2B5EF4-FFF2-40B4-BE49-F238E27FC236}">
+                  <a16:creationId xmlns:a16="http://schemas.microsoft.com/office/drawing/2014/main" id="{DF9080BB-6FAE-9E48-5DF9-A8984238C425}"/>
+                </a:ext>
+              </a:extLst>
+            </p:cNvPr>
+            <p:cNvSpPr txBox="1"/>
+            <p:nvPr/>
+          </p:nvSpPr>
+          <p:spPr>
+            <a:xfrm>
+              <a:off x="9723046" y="800678"/>
+              <a:ext cx="1611506" cy="332006"/>
+            </a:xfrm>
+            <a:prstGeom prst="roundRect">
+              <a:avLst/>
+            </a:prstGeom>
+            <a:ln/>
+            <a:effectLst>
+              <a:outerShdw blurRad="50800" dist="38100" dir="5400000" algn="t" rotWithShape="0">
+                <a:prstClr val="black">
+                  <a:alpha val="40000"/>
+                </a:prstClr>
+              </a:outerShdw>
+            </a:effectLst>
+          </p:spPr>
+          <p:style>
+            <a:lnRef idx="1">
+              <a:schemeClr val="accent6"/>
+            </a:lnRef>
+            <a:fillRef idx="2">
+              <a:schemeClr val="accent6"/>
+            </a:fillRef>
+            <a:effectRef idx="1">
+              <a:schemeClr val="accent6"/>
+            </a:effectRef>
+            <a:fontRef idx="minor">
+              <a:schemeClr val="dk1"/>
+            </a:fontRef>
+          </p:style>
+          <p:txBody>
+            <a:bodyPr wrap="square" rtlCol="0">
+              <a:spAutoFit/>
+            </a:bodyPr>
+            <a:lstStyle/>
+            <a:p>
+              <a:r>
+                <a:rPr lang="en-US" sz="1365" dirty="0"/>
+                <a:t>Set camera aspects</a:t>
+              </a:r>
+            </a:p>
+          </p:txBody>
+        </p:sp>
+        <p:sp>
+          <p:nvSpPr>
+            <p:cNvPr id="38" name="TextBox 37">
+              <a:extLst>
+                <a:ext uri="{FF2B5EF4-FFF2-40B4-BE49-F238E27FC236}">
+                  <a16:creationId xmlns:a16="http://schemas.microsoft.com/office/drawing/2014/main" id="{1F60827A-51B4-271F-E038-4DD251461CA7}"/>
+                </a:ext>
+              </a:extLst>
+            </p:cNvPr>
+            <p:cNvSpPr txBox="1"/>
+            <p:nvPr/>
+          </p:nvSpPr>
+          <p:spPr>
+            <a:xfrm>
+              <a:off x="9723045" y="1386393"/>
+              <a:ext cx="1611506" cy="796814"/>
+            </a:xfrm>
+            <a:prstGeom prst="roundRect">
+              <a:avLst/>
+            </a:prstGeom>
+            <a:ln/>
+            <a:effectLst>
+              <a:outerShdw blurRad="50800" dist="38100" dir="5400000" algn="t" rotWithShape="0">
+                <a:prstClr val="black">
+                  <a:alpha val="40000"/>
+                </a:prstClr>
+              </a:outerShdw>
+            </a:effectLst>
+          </p:spPr>
+          <p:style>
+            <a:lnRef idx="1">
+              <a:schemeClr val="accent6"/>
+            </a:lnRef>
+            <a:fillRef idx="2">
+              <a:schemeClr val="accent6"/>
+            </a:fillRef>
+            <a:effectRef idx="1">
+              <a:schemeClr val="accent6"/>
+            </a:effectRef>
+            <a:fontRef idx="minor">
+              <a:schemeClr val="dk1"/>
+            </a:fontRef>
+          </p:style>
+          <p:txBody>
+            <a:bodyPr wrap="square" rtlCol="0">
+              <a:spAutoFit/>
+            </a:bodyPr>
+            <a:lstStyle/>
+            <a:p>
+              <a:r>
+                <a:rPr lang="en-US" sz="1365" dirty="0"/>
+                <a:t>Set file path to previously made file</a:t>
+              </a:r>
+            </a:p>
+          </p:txBody>
+        </p:sp>
+        <p:sp>
+          <p:nvSpPr>
+            <p:cNvPr id="39" name="TextBox 38">
+              <a:extLst>
+                <a:ext uri="{FF2B5EF4-FFF2-40B4-BE49-F238E27FC236}">
+                  <a16:creationId xmlns:a16="http://schemas.microsoft.com/office/drawing/2014/main" id="{B8146170-0DDF-4269-8731-594D3E55DA63}"/>
+                </a:ext>
+              </a:extLst>
+            </p:cNvPr>
+            <p:cNvSpPr txBox="1"/>
+            <p:nvPr/>
+          </p:nvSpPr>
+          <p:spPr>
+            <a:xfrm>
+              <a:off x="9723045" y="2315948"/>
+              <a:ext cx="1611506" cy="564410"/>
+            </a:xfrm>
+            <a:prstGeom prst="roundRect">
+              <a:avLst/>
+            </a:prstGeom>
+            <a:ln/>
+            <a:effectLst>
+              <a:outerShdw blurRad="50800" dist="38100" dir="5400000" algn="t" rotWithShape="0">
+                <a:prstClr val="black">
+                  <a:alpha val="40000"/>
+                </a:prstClr>
+              </a:outerShdw>
+            </a:effectLst>
+          </p:spPr>
+          <p:style>
+            <a:lnRef idx="1">
+              <a:schemeClr val="accent6"/>
+            </a:lnRef>
+            <a:fillRef idx="2">
+              <a:schemeClr val="accent6"/>
+            </a:fillRef>
+            <a:effectRef idx="1">
+              <a:schemeClr val="accent6"/>
+            </a:effectRef>
+            <a:fontRef idx="minor">
+              <a:schemeClr val="dk1"/>
+            </a:fontRef>
+          </p:style>
+          <p:txBody>
+            <a:bodyPr wrap="square" rtlCol="0">
+              <a:spAutoFit/>
+            </a:bodyPr>
+            <a:lstStyle/>
+            <a:p>
+              <a:r>
+                <a:rPr lang="en-US" sz="1365" dirty="0"/>
+                <a:t>Ensure its set to correct file format</a:t>
+              </a:r>
+            </a:p>
+          </p:txBody>
+        </p:sp>
+        <p:sp>
+          <p:nvSpPr>
+            <p:cNvPr id="40" name="TextBox 39">
+              <a:extLst>
+                <a:ext uri="{FF2B5EF4-FFF2-40B4-BE49-F238E27FC236}">
+                  <a16:creationId xmlns:a16="http://schemas.microsoft.com/office/drawing/2014/main" id="{33673D77-DC25-7F6C-3112-306A7F97E916}"/>
+                </a:ext>
+              </a:extLst>
+            </p:cNvPr>
+            <p:cNvSpPr txBox="1"/>
+            <p:nvPr/>
+          </p:nvSpPr>
+          <p:spPr>
+            <a:xfrm>
+              <a:off x="9723044" y="3065906"/>
+              <a:ext cx="1611506" cy="332006"/>
+            </a:xfrm>
+            <a:prstGeom prst="roundRect">
+              <a:avLst/>
+            </a:prstGeom>
+            <a:ln/>
+            <a:effectLst>
+              <a:outerShdw blurRad="50800" dist="38100" dir="5400000" algn="t" rotWithShape="0">
+                <a:prstClr val="black">
+                  <a:alpha val="40000"/>
+                </a:prstClr>
+              </a:outerShdw>
+            </a:effectLst>
+          </p:spPr>
+          <p:style>
+            <a:lnRef idx="1">
+              <a:schemeClr val="accent6"/>
+            </a:lnRef>
+            <a:fillRef idx="2">
+              <a:schemeClr val="accent6"/>
+            </a:fillRef>
+            <a:effectRef idx="1">
+              <a:schemeClr val="accent6"/>
+            </a:effectRef>
+            <a:fontRef idx="minor">
+              <a:schemeClr val="dk1"/>
+            </a:fontRef>
+          </p:style>
+          <p:txBody>
+            <a:bodyPr wrap="square" rtlCol="0">
+              <a:spAutoFit/>
+            </a:bodyPr>
+            <a:lstStyle/>
+            <a:p>
+              <a:r>
+                <a:rPr lang="en-US" sz="1365" dirty="0"/>
+                <a:t>Set render rate</a:t>
+              </a:r>
+            </a:p>
+          </p:txBody>
+        </p:sp>
+        <p:sp>
+          <p:nvSpPr>
+            <p:cNvPr id="41" name="TextBox 40">
+              <a:extLst>
+                <a:ext uri="{FF2B5EF4-FFF2-40B4-BE49-F238E27FC236}">
+                  <a16:creationId xmlns:a16="http://schemas.microsoft.com/office/drawing/2014/main" id="{8F8F4BB0-A002-B0E7-FB8B-C05A75EF65C4}"/>
+                </a:ext>
+              </a:extLst>
+            </p:cNvPr>
+            <p:cNvSpPr txBox="1"/>
+            <p:nvPr/>
+          </p:nvSpPr>
+          <p:spPr>
+            <a:xfrm>
+              <a:off x="9723043" y="3621637"/>
+              <a:ext cx="1611506" cy="564410"/>
+            </a:xfrm>
+            <a:prstGeom prst="roundRect">
+              <a:avLst/>
+            </a:prstGeom>
+            <a:ln/>
+            <a:effectLst>
+              <a:outerShdw blurRad="50800" dist="38100" dir="5400000" algn="t" rotWithShape="0">
+                <a:prstClr val="black">
+                  <a:alpha val="40000"/>
+                </a:prstClr>
+              </a:outerShdw>
+            </a:effectLst>
+          </p:spPr>
+          <p:style>
+            <a:lnRef idx="1">
+              <a:schemeClr val="accent6"/>
+            </a:lnRef>
+            <a:fillRef idx="2">
+              <a:schemeClr val="accent6"/>
+            </a:fillRef>
+            <a:effectRef idx="1">
+              <a:schemeClr val="accent6"/>
+            </a:effectRef>
+            <a:fontRef idx="minor">
+              <a:schemeClr val="dk1"/>
+            </a:fontRef>
+          </p:style>
+          <p:txBody>
+            <a:bodyPr wrap="square" rtlCol="0">
+              <a:spAutoFit/>
+            </a:bodyPr>
+            <a:lstStyle/>
+            <a:p>
+              <a:r>
+                <a:rPr lang="en-US" sz="1365" dirty="0"/>
+                <a:t>Render image or movie</a:t>
+              </a:r>
+            </a:p>
+          </p:txBody>
+        </p:sp>
+        <p:sp>
+          <p:nvSpPr>
+            <p:cNvPr id="44" name="TextBox 43">
+              <a:extLst>
+                <a:ext uri="{FF2B5EF4-FFF2-40B4-BE49-F238E27FC236}">
+                  <a16:creationId xmlns:a16="http://schemas.microsoft.com/office/drawing/2014/main" id="{CCCBB5CF-D675-BC87-6529-D075CE146290}"/>
+                </a:ext>
+              </a:extLst>
+            </p:cNvPr>
+            <p:cNvSpPr txBox="1"/>
+            <p:nvPr/>
+          </p:nvSpPr>
+          <p:spPr>
+            <a:xfrm>
+              <a:off x="9723043" y="4437905"/>
+              <a:ext cx="1611506" cy="334560"/>
+            </a:xfrm>
+            <a:prstGeom prst="roundRect">
+              <a:avLst/>
+            </a:prstGeom>
+            <a:ln/>
+            <a:effectLst>
+              <a:outerShdw blurRad="50800" dist="38100" dir="5400000" algn="t" rotWithShape="0">
+                <a:prstClr val="black">
+                  <a:alpha val="40000"/>
+                </a:prstClr>
+              </a:outerShdw>
+            </a:effectLst>
+          </p:spPr>
+          <p:style>
+            <a:lnRef idx="1">
+              <a:schemeClr val="accent6"/>
+            </a:lnRef>
+            <a:fillRef idx="2">
+              <a:schemeClr val="accent6"/>
+            </a:fillRef>
+            <a:effectRef idx="1">
+              <a:schemeClr val="accent6"/>
+            </a:effectRef>
+            <a:fontRef idx="minor">
+              <a:schemeClr val="dk1"/>
+            </a:fontRef>
+          </p:style>
+          <p:txBody>
+            <a:bodyPr wrap="square" rtlCol="0">
+              <a:spAutoFit/>
+            </a:bodyPr>
+            <a:lstStyle/>
+            <a:p>
+              <a:r>
+                <a:rPr lang="en-US" sz="1365" dirty="0"/>
+                <a:t>Edit output</a:t>
+              </a:r>
+            </a:p>
+          </p:txBody>
+        </p:sp>
+      </p:grpSp>
+      <p:sp>
+        <p:nvSpPr>
+          <p:cNvPr id="45" name="TextBox 44">
+            <a:extLst>
+              <a:ext uri="{FF2B5EF4-FFF2-40B4-BE49-F238E27FC236}">
+                <a16:creationId xmlns:a16="http://schemas.microsoft.com/office/drawing/2014/main" id="{F6F99072-73FA-60E0-7F8B-E02E49916330}"/>
+              </a:ext>
+            </a:extLst>
+          </p:cNvPr>
+          <p:cNvSpPr txBox="1"/>
+          <p:nvPr/>
+        </p:nvSpPr>
+        <p:spPr>
+          <a:xfrm>
+            <a:off x="201336" y="7881287"/>
+            <a:ext cx="2297760" cy="408623"/>
+          </a:xfrm>
+          <a:prstGeom prst="roundRect">
+            <a:avLst/>
+          </a:prstGeom>
+        </p:spPr>
+        <p:style>
+          <a:lnRef idx="0">
+            <a:schemeClr val="accent2"/>
+          </a:lnRef>
+          <a:fillRef idx="3">
+            <a:schemeClr val="accent2"/>
+          </a:fillRef>
+          <a:effectRef idx="3">
+            <a:schemeClr val="accent2"/>
+          </a:effectRef>
+          <a:fontRef idx="minor">
+            <a:schemeClr val="lt1"/>
+          </a:fontRef>
+        </p:style>
+        <p:txBody>
+          <a:bodyPr wrap="none" rtlCol="0">
+            <a:spAutoFit/>
+          </a:bodyPr>
+          <a:lstStyle/>
+          <a:p>
+            <a:r>
+              <a:rPr lang="en-US" b="1" dirty="0"/>
+              <a:t>Estimated Cycle Time:</a:t>
+            </a:r>
+          </a:p>
+        </p:txBody>
+      </p:sp>
+      <p:sp>
+        <p:nvSpPr>
+          <p:cNvPr id="46" name="TextBox 45">
+            <a:extLst>
+              <a:ext uri="{FF2B5EF4-FFF2-40B4-BE49-F238E27FC236}">
+                <a16:creationId xmlns:a16="http://schemas.microsoft.com/office/drawing/2014/main" id="{5B4B6B4B-9C18-B15E-1D62-C8B57760E83C}"/>
+              </a:ext>
+            </a:extLst>
+          </p:cNvPr>
+          <p:cNvSpPr txBox="1"/>
+          <p:nvPr/>
+        </p:nvSpPr>
+        <p:spPr>
+          <a:xfrm>
+            <a:off x="1551499" y="8742947"/>
+            <a:ext cx="8891912" cy="1200329"/>
+          </a:xfrm>
+          <a:prstGeom prst="rect">
+            <a:avLst/>
+          </a:prstGeom>
+        </p:spPr>
+        <p:style>
+          <a:lnRef idx="2">
+            <a:schemeClr val="accent4"/>
+          </a:lnRef>
+          <a:fillRef idx="1">
+            <a:schemeClr val="lt1"/>
+          </a:fillRef>
+          <a:effectRef idx="0">
+            <a:schemeClr val="accent4"/>
+          </a:effectRef>
+          <a:fontRef idx="minor">
+            <a:schemeClr val="dk1"/>
+          </a:fontRef>
+        </p:style>
+        <p:txBody>
+          <a:bodyPr wrap="square" rtlCol="0">
+            <a:spAutoFit/>
+          </a:bodyPr>
+          <a:lstStyle/>
+          <a:p>
+            <a:pPr algn="ctr"/>
+            <a:r>
+              <a:rPr lang="en-US" b="1" u="sng" dirty="0"/>
+              <a:t>Optimizing My Process</a:t>
+            </a:r>
+          </a:p>
+          <a:p>
+            <a:pPr marL="285750" indent="-285750">
+              <a:buClr>
+                <a:schemeClr val="accent4">
+                  <a:lumMod val="60000"/>
+                  <a:lumOff val="40000"/>
+                </a:schemeClr>
+              </a:buClr>
+              <a:buFont typeface="Wingdings" panose="05000000000000000000" pitchFamily="2" charset="2"/>
+              <a:buChar char="v"/>
+            </a:pPr>
+            <a:r>
+              <a:rPr lang="en-US" b="1" dirty="0"/>
+              <a:t>Eliminating Waste</a:t>
+            </a:r>
+          </a:p>
+          <a:p>
+            <a:pPr marL="285750" indent="-285750">
+              <a:buClr>
+                <a:schemeClr val="accent4">
+                  <a:lumMod val="60000"/>
+                  <a:lumOff val="40000"/>
+                </a:schemeClr>
+              </a:buClr>
+              <a:buFont typeface="Wingdings" panose="05000000000000000000" pitchFamily="2" charset="2"/>
+              <a:buChar char="v"/>
+            </a:pPr>
+            <a:r>
+              <a:rPr lang="en-US" b="1" dirty="0"/>
+              <a:t>Workflow Orchestration</a:t>
+            </a:r>
+          </a:p>
+          <a:p>
+            <a:pPr marL="285750" indent="-285750">
+              <a:buClr>
+                <a:schemeClr val="accent4">
+                  <a:lumMod val="60000"/>
+                  <a:lumOff val="40000"/>
+                </a:schemeClr>
+              </a:buClr>
+              <a:buFont typeface="Wingdings" panose="05000000000000000000" pitchFamily="2" charset="2"/>
+              <a:buChar char="v"/>
+            </a:pPr>
+            <a:r>
+              <a:rPr lang="en-US" b="1" dirty="0"/>
+              <a:t>Governance Models</a:t>
+            </a:r>
+          </a:p>
+        </p:txBody>
+      </p:sp>
+      <p:cxnSp>
+        <p:nvCxnSpPr>
+          <p:cNvPr id="53" name="Straight Arrow Connector 52">
+            <a:extLst>
+              <a:ext uri="{FF2B5EF4-FFF2-40B4-BE49-F238E27FC236}">
+                <a16:creationId xmlns:a16="http://schemas.microsoft.com/office/drawing/2014/main" id="{0FC801AC-B79E-F087-AB2B-B92C5D61E750}"/>
+              </a:ext>
+            </a:extLst>
+          </p:cNvPr>
+          <p:cNvCxnSpPr>
+            <a:stCxn id="19" idx="2"/>
+            <a:endCxn id="20" idx="0"/>
+          </p:cNvCxnSpPr>
+          <p:nvPr/>
+        </p:nvCxnSpPr>
+        <p:spPr>
+          <a:xfrm flipH="1">
+            <a:off x="1863653" y="1365088"/>
+            <a:ext cx="1" cy="286030"/>
+          </a:xfrm>
+          <a:prstGeom prst="straightConnector1">
+            <a:avLst/>
+          </a:prstGeom>
+          <a:ln w="28575">
+            <a:solidFill>
+              <a:schemeClr val="accent3">
+                <a:lumMod val="20000"/>
+                <a:lumOff val="80000"/>
+              </a:schemeClr>
+            </a:solidFill>
+            <a:headEnd type="none" w="med" len="med"/>
+            <a:tailEnd type="arrow" w="med" len="med"/>
+          </a:ln>
+        </p:spPr>
+        <p:style>
+          <a:lnRef idx="3">
+            <a:schemeClr val="accent6"/>
+          </a:lnRef>
+          <a:fillRef idx="0">
+            <a:schemeClr val="accent6"/>
+          </a:fillRef>
+          <a:effectRef idx="2">
+            <a:schemeClr val="accent6"/>
+          </a:effectRef>
+          <a:fontRef idx="minor">
+            <a:schemeClr val="tx1"/>
+          </a:fontRef>
+        </p:style>
+      </p:cxnSp>
+      <p:cxnSp>
+        <p:nvCxnSpPr>
+          <p:cNvPr id="55" name="Straight Arrow Connector 54">
+            <a:extLst>
+              <a:ext uri="{FF2B5EF4-FFF2-40B4-BE49-F238E27FC236}">
+                <a16:creationId xmlns:a16="http://schemas.microsoft.com/office/drawing/2014/main" id="{2B78E31A-613F-A180-5647-200F8B09E0EA}"/>
+              </a:ext>
+            </a:extLst>
+          </p:cNvPr>
+          <p:cNvCxnSpPr>
+            <a:cxnSpLocks/>
+          </p:cNvCxnSpPr>
+          <p:nvPr/>
+        </p:nvCxnSpPr>
+        <p:spPr>
+          <a:xfrm flipH="1">
+            <a:off x="1863651" y="2220619"/>
+            <a:ext cx="1" cy="190657"/>
+          </a:xfrm>
+          <a:prstGeom prst="straightConnector1">
+            <a:avLst/>
+          </a:prstGeom>
+          <a:ln w="28575">
+            <a:solidFill>
+              <a:schemeClr val="accent3">
+                <a:lumMod val="20000"/>
+                <a:lumOff val="80000"/>
+              </a:schemeClr>
+            </a:solidFill>
+            <a:headEnd type="none" w="med" len="med"/>
+            <a:tailEnd type="arrow" w="med" len="med"/>
+          </a:ln>
+        </p:spPr>
+        <p:style>
+          <a:lnRef idx="3">
+            <a:schemeClr val="accent6"/>
+          </a:lnRef>
+          <a:fillRef idx="0">
+            <a:schemeClr val="accent6"/>
+          </a:fillRef>
+          <a:effectRef idx="2">
+            <a:schemeClr val="accent6"/>
+          </a:effectRef>
+          <a:fontRef idx="minor">
+            <a:schemeClr val="tx1"/>
+          </a:fontRef>
+        </p:style>
+      </p:cxnSp>
+      <p:cxnSp>
+        <p:nvCxnSpPr>
+          <p:cNvPr id="57" name="Straight Arrow Connector 56">
+            <a:extLst>
+              <a:ext uri="{FF2B5EF4-FFF2-40B4-BE49-F238E27FC236}">
+                <a16:creationId xmlns:a16="http://schemas.microsoft.com/office/drawing/2014/main" id="{7CDBBB50-B514-7E92-D5B2-AD3CDED6065E}"/>
+              </a:ext>
+            </a:extLst>
+          </p:cNvPr>
+          <p:cNvCxnSpPr>
+            <a:stCxn id="21" idx="2"/>
+            <a:endCxn id="22" idx="0"/>
+          </p:cNvCxnSpPr>
+          <p:nvPr/>
+        </p:nvCxnSpPr>
+        <p:spPr>
+          <a:xfrm flipH="1">
+            <a:off x="1863651" y="2738191"/>
+            <a:ext cx="1" cy="242832"/>
+          </a:xfrm>
+          <a:prstGeom prst="straightConnector1">
+            <a:avLst/>
+          </a:prstGeom>
+          <a:ln w="28575">
+            <a:solidFill>
+              <a:schemeClr val="accent3">
+                <a:lumMod val="20000"/>
+                <a:lumOff val="80000"/>
+              </a:schemeClr>
+            </a:solidFill>
+            <a:headEnd type="none" w="med" len="med"/>
+            <a:tailEnd type="arrow" w="med" len="med"/>
+          </a:ln>
+        </p:spPr>
+        <p:style>
+          <a:lnRef idx="3">
+            <a:schemeClr val="accent6"/>
+          </a:lnRef>
+          <a:fillRef idx="0">
+            <a:schemeClr val="accent6"/>
+          </a:fillRef>
+          <a:effectRef idx="2">
+            <a:schemeClr val="accent6"/>
+          </a:effectRef>
+          <a:fontRef idx="minor">
+            <a:schemeClr val="tx1"/>
+          </a:fontRef>
+        </p:style>
+      </p:cxnSp>
+      <p:cxnSp>
+        <p:nvCxnSpPr>
+          <p:cNvPr id="59" name="Straight Arrow Connector 58">
+            <a:extLst>
+              <a:ext uri="{FF2B5EF4-FFF2-40B4-BE49-F238E27FC236}">
+                <a16:creationId xmlns:a16="http://schemas.microsoft.com/office/drawing/2014/main" id="{D943A38B-6A82-CDF6-352C-0D1F82581A34}"/>
+              </a:ext>
+            </a:extLst>
+          </p:cNvPr>
+          <p:cNvCxnSpPr>
+            <a:stCxn id="22" idx="2"/>
+            <a:endCxn id="24" idx="0"/>
+          </p:cNvCxnSpPr>
+          <p:nvPr/>
+        </p:nvCxnSpPr>
+        <p:spPr>
+          <a:xfrm>
+            <a:off x="1863651" y="3545433"/>
+            <a:ext cx="0" cy="201085"/>
+          </a:xfrm>
+          <a:prstGeom prst="straightConnector1">
+            <a:avLst/>
+          </a:prstGeom>
+          <a:ln w="28575">
+            <a:solidFill>
+              <a:schemeClr val="accent3">
+                <a:lumMod val="20000"/>
+                <a:lumOff val="80000"/>
+              </a:schemeClr>
+            </a:solidFill>
+            <a:headEnd type="none" w="med" len="med"/>
+            <a:tailEnd type="arrow" w="med" len="med"/>
+          </a:ln>
+        </p:spPr>
+        <p:style>
+          <a:lnRef idx="3">
+            <a:schemeClr val="accent6"/>
+          </a:lnRef>
+          <a:fillRef idx="0">
+            <a:schemeClr val="accent6"/>
+          </a:fillRef>
+          <a:effectRef idx="2">
+            <a:schemeClr val="accent6"/>
+          </a:effectRef>
+          <a:fontRef idx="minor">
+            <a:schemeClr val="tx1"/>
+          </a:fontRef>
+        </p:style>
+      </p:cxnSp>
+      <p:cxnSp>
+        <p:nvCxnSpPr>
+          <p:cNvPr id="61" name="Connector: Elbow 60">
+            <a:extLst>
+              <a:ext uri="{FF2B5EF4-FFF2-40B4-BE49-F238E27FC236}">
+                <a16:creationId xmlns:a16="http://schemas.microsoft.com/office/drawing/2014/main" id="{0E4932C9-940F-8632-57DD-67E03C8F13BC}"/>
+              </a:ext>
+            </a:extLst>
+          </p:cNvPr>
+          <p:cNvCxnSpPr>
+            <a:stCxn id="24" idx="3"/>
+            <a:endCxn id="23" idx="1"/>
+          </p:cNvCxnSpPr>
+          <p:nvPr/>
+        </p:nvCxnSpPr>
+        <p:spPr>
+          <a:xfrm flipV="1">
+            <a:off x="2669404" y="1082883"/>
+            <a:ext cx="554784" cy="2945840"/>
+          </a:xfrm>
+          <a:prstGeom prst="bentConnector3">
+            <a:avLst/>
+          </a:prstGeom>
+          <a:ln w="38100">
+            <a:solidFill>
+              <a:srgbClr val="7030A0"/>
+            </a:solidFill>
+            <a:headEnd type="none" w="med" len="med"/>
+            <a:tailEnd type="arrow" w="med" len="med"/>
+          </a:ln>
+        </p:spPr>
+        <p:style>
+          <a:lnRef idx="3">
+            <a:schemeClr val="accent3"/>
+          </a:lnRef>
+          <a:fillRef idx="0">
+            <a:schemeClr val="accent3"/>
+          </a:fillRef>
+          <a:effectRef idx="2">
+            <a:schemeClr val="accent3"/>
+          </a:effectRef>
+          <a:fontRef idx="minor">
+            <a:schemeClr val="tx1"/>
+          </a:fontRef>
+        </p:style>
+      </p:cxnSp>
+      <p:cxnSp>
+        <p:nvCxnSpPr>
+          <p:cNvPr id="63" name="Straight Arrow Connector 62">
+            <a:extLst>
+              <a:ext uri="{FF2B5EF4-FFF2-40B4-BE49-F238E27FC236}">
+                <a16:creationId xmlns:a16="http://schemas.microsoft.com/office/drawing/2014/main" id="{DA78CFDB-816B-DD72-0EAE-4A4A082899BC}"/>
+              </a:ext>
+            </a:extLst>
+          </p:cNvPr>
+          <p:cNvCxnSpPr>
+            <a:stCxn id="23" idx="2"/>
+            <a:endCxn id="26" idx="0"/>
+          </p:cNvCxnSpPr>
+          <p:nvPr/>
+        </p:nvCxnSpPr>
+        <p:spPr>
+          <a:xfrm flipH="1">
+            <a:off x="4029940" y="1365088"/>
+            <a:ext cx="1" cy="377234"/>
+          </a:xfrm>
+          <a:prstGeom prst="straightConnector1">
+            <a:avLst/>
+          </a:prstGeom>
+          <a:ln w="28575">
+            <a:solidFill>
+              <a:schemeClr val="accent3">
+                <a:lumMod val="20000"/>
+                <a:lumOff val="80000"/>
+              </a:schemeClr>
+            </a:solidFill>
+            <a:headEnd type="none" w="med" len="med"/>
+            <a:tailEnd type="arrow" w="med" len="med"/>
+          </a:ln>
+        </p:spPr>
+        <p:style>
+          <a:lnRef idx="3">
+            <a:schemeClr val="accent6"/>
+          </a:lnRef>
+          <a:fillRef idx="0">
+            <a:schemeClr val="accent6"/>
+          </a:fillRef>
+          <a:effectRef idx="2">
+            <a:schemeClr val="accent6"/>
+          </a:effectRef>
+          <a:fontRef idx="minor">
+            <a:schemeClr val="tx1"/>
+          </a:fontRef>
+        </p:style>
+      </p:cxnSp>
+      <p:cxnSp>
+        <p:nvCxnSpPr>
+          <p:cNvPr id="65" name="Straight Arrow Connector 64">
+            <a:extLst>
+              <a:ext uri="{FF2B5EF4-FFF2-40B4-BE49-F238E27FC236}">
+                <a16:creationId xmlns:a16="http://schemas.microsoft.com/office/drawing/2014/main" id="{24C4868E-AE16-EB4B-C7F8-12EA852C11A1}"/>
+              </a:ext>
+            </a:extLst>
+          </p:cNvPr>
+          <p:cNvCxnSpPr>
+            <a:stCxn id="26" idx="2"/>
+            <a:endCxn id="25" idx="0"/>
+          </p:cNvCxnSpPr>
+          <p:nvPr/>
+        </p:nvCxnSpPr>
+        <p:spPr>
+          <a:xfrm>
+            <a:off x="4029940" y="2306732"/>
+            <a:ext cx="0" cy="297609"/>
+          </a:xfrm>
+          <a:prstGeom prst="straightConnector1">
+            <a:avLst/>
+          </a:prstGeom>
+          <a:ln w="28575">
+            <a:solidFill>
+              <a:schemeClr val="accent3">
+                <a:lumMod val="20000"/>
+                <a:lumOff val="80000"/>
+              </a:schemeClr>
+            </a:solidFill>
+            <a:headEnd type="none" w="med" len="med"/>
+            <a:tailEnd type="arrow" w="med" len="med"/>
+          </a:ln>
+        </p:spPr>
+        <p:style>
+          <a:lnRef idx="3">
+            <a:schemeClr val="accent6"/>
+          </a:lnRef>
+          <a:fillRef idx="0">
+            <a:schemeClr val="accent6"/>
+          </a:fillRef>
+          <a:effectRef idx="2">
+            <a:schemeClr val="accent6"/>
+          </a:effectRef>
+          <a:fontRef idx="minor">
+            <a:schemeClr val="tx1"/>
+          </a:fontRef>
+        </p:style>
+      </p:cxnSp>
+      <p:cxnSp>
+        <p:nvCxnSpPr>
+          <p:cNvPr id="67" name="Straight Arrow Connector 66">
+            <a:extLst>
+              <a:ext uri="{FF2B5EF4-FFF2-40B4-BE49-F238E27FC236}">
+                <a16:creationId xmlns:a16="http://schemas.microsoft.com/office/drawing/2014/main" id="{13906F6F-6A70-AB99-3D4E-C2C593404CBF}"/>
+              </a:ext>
+            </a:extLst>
+          </p:cNvPr>
+          <p:cNvCxnSpPr>
+            <a:stCxn id="25" idx="2"/>
+            <a:endCxn id="27" idx="0"/>
+          </p:cNvCxnSpPr>
+          <p:nvPr/>
+        </p:nvCxnSpPr>
+        <p:spPr>
+          <a:xfrm>
+            <a:off x="4029940" y="3401155"/>
+            <a:ext cx="0" cy="229161"/>
+          </a:xfrm>
+          <a:prstGeom prst="straightConnector1">
+            <a:avLst/>
+          </a:prstGeom>
+          <a:ln w="28575">
+            <a:solidFill>
+              <a:schemeClr val="accent3">
+                <a:lumMod val="20000"/>
+                <a:lumOff val="80000"/>
+              </a:schemeClr>
+            </a:solidFill>
+            <a:headEnd type="none" w="med" len="med"/>
+            <a:tailEnd type="arrow" w="med" len="med"/>
+          </a:ln>
+        </p:spPr>
+        <p:style>
+          <a:lnRef idx="3">
+            <a:schemeClr val="accent6"/>
+          </a:lnRef>
+          <a:fillRef idx="0">
+            <a:schemeClr val="accent6"/>
+          </a:fillRef>
+          <a:effectRef idx="2">
+            <a:schemeClr val="accent6"/>
+          </a:effectRef>
+          <a:fontRef idx="minor">
+            <a:schemeClr val="tx1"/>
+          </a:fontRef>
+        </p:style>
+      </p:cxnSp>
+      <p:cxnSp>
+        <p:nvCxnSpPr>
+          <p:cNvPr id="69" name="Connector: Elbow 68">
+            <a:extLst>
+              <a:ext uri="{FF2B5EF4-FFF2-40B4-BE49-F238E27FC236}">
+                <a16:creationId xmlns:a16="http://schemas.microsoft.com/office/drawing/2014/main" id="{68BCCFF4-38EA-1C96-0B66-2449D0A2061E}"/>
+              </a:ext>
+            </a:extLst>
+          </p:cNvPr>
+          <p:cNvCxnSpPr>
+            <a:stCxn id="27" idx="3"/>
+            <a:endCxn id="28" idx="1"/>
+          </p:cNvCxnSpPr>
+          <p:nvPr/>
+        </p:nvCxnSpPr>
+        <p:spPr>
+          <a:xfrm flipV="1">
+            <a:off x="4835693" y="1082883"/>
+            <a:ext cx="554781" cy="2713436"/>
+          </a:xfrm>
+          <a:prstGeom prst="bentConnector3">
+            <a:avLst/>
+          </a:prstGeom>
+          <a:ln w="38100">
+            <a:solidFill>
+              <a:srgbClr val="7030A0"/>
+            </a:solidFill>
+            <a:headEnd type="none" w="med" len="med"/>
+            <a:tailEnd type="arrow" w="med" len="med"/>
+          </a:ln>
+        </p:spPr>
+        <p:style>
+          <a:lnRef idx="3">
+            <a:schemeClr val="accent2"/>
+          </a:lnRef>
+          <a:fillRef idx="0">
+            <a:schemeClr val="accent2"/>
+          </a:fillRef>
+          <a:effectRef idx="2">
+            <a:schemeClr val="accent2"/>
+          </a:effectRef>
+          <a:fontRef idx="minor">
+            <a:schemeClr val="tx1"/>
+          </a:fontRef>
+        </p:style>
+      </p:cxnSp>
+      <p:cxnSp>
+        <p:nvCxnSpPr>
+          <p:cNvPr id="71" name="Straight Arrow Connector 70">
+            <a:extLst>
+              <a:ext uri="{FF2B5EF4-FFF2-40B4-BE49-F238E27FC236}">
+                <a16:creationId xmlns:a16="http://schemas.microsoft.com/office/drawing/2014/main" id="{E64F3E84-A107-CBC8-B423-DE447B1034D6}"/>
+              </a:ext>
+            </a:extLst>
+          </p:cNvPr>
+          <p:cNvCxnSpPr>
+            <a:stCxn id="28" idx="2"/>
+            <a:endCxn id="29" idx="0"/>
+          </p:cNvCxnSpPr>
+          <p:nvPr/>
+        </p:nvCxnSpPr>
+        <p:spPr>
+          <a:xfrm>
+            <a:off x="6196227" y="1365088"/>
+            <a:ext cx="0" cy="286031"/>
+          </a:xfrm>
+          <a:prstGeom prst="straightConnector1">
+            <a:avLst/>
+          </a:prstGeom>
+          <a:ln w="28575">
+            <a:solidFill>
+              <a:schemeClr val="accent3">
+                <a:lumMod val="20000"/>
+                <a:lumOff val="80000"/>
+              </a:schemeClr>
+            </a:solidFill>
+            <a:headEnd type="none" w="med" len="med"/>
+            <a:tailEnd type="arrow" w="med" len="med"/>
+          </a:ln>
+        </p:spPr>
+        <p:style>
+          <a:lnRef idx="3">
+            <a:schemeClr val="accent6"/>
+          </a:lnRef>
+          <a:fillRef idx="0">
+            <a:schemeClr val="accent6"/>
+          </a:fillRef>
+          <a:effectRef idx="2">
+            <a:schemeClr val="accent6"/>
+          </a:effectRef>
+          <a:fontRef idx="minor">
+            <a:schemeClr val="tx1"/>
+          </a:fontRef>
+        </p:style>
+      </p:cxnSp>
+      <p:cxnSp>
+        <p:nvCxnSpPr>
+          <p:cNvPr id="73" name="Straight Arrow Connector 72">
+            <a:extLst>
+              <a:ext uri="{FF2B5EF4-FFF2-40B4-BE49-F238E27FC236}">
+                <a16:creationId xmlns:a16="http://schemas.microsoft.com/office/drawing/2014/main" id="{2F6063BE-512C-7E7F-D867-CF83EB18CE59}"/>
+              </a:ext>
+            </a:extLst>
+          </p:cNvPr>
+          <p:cNvCxnSpPr>
+            <a:stCxn id="29" idx="2"/>
+            <a:endCxn id="30" idx="0"/>
+          </p:cNvCxnSpPr>
+          <p:nvPr/>
+        </p:nvCxnSpPr>
+        <p:spPr>
+          <a:xfrm flipH="1">
+            <a:off x="6196226" y="1983125"/>
+            <a:ext cx="1" cy="405459"/>
+          </a:xfrm>
+          <a:prstGeom prst="straightConnector1">
+            <a:avLst/>
+          </a:prstGeom>
+          <a:ln w="28575">
+            <a:solidFill>
+              <a:schemeClr val="accent3">
+                <a:lumMod val="20000"/>
+                <a:lumOff val="80000"/>
+              </a:schemeClr>
+            </a:solidFill>
+            <a:headEnd type="none" w="med" len="med"/>
+            <a:tailEnd type="arrow" w="med" len="med"/>
+          </a:ln>
+        </p:spPr>
+        <p:style>
+          <a:lnRef idx="3">
+            <a:schemeClr val="accent6"/>
+          </a:lnRef>
+          <a:fillRef idx="0">
+            <a:schemeClr val="accent6"/>
+          </a:fillRef>
+          <a:effectRef idx="2">
+            <a:schemeClr val="accent6"/>
+          </a:effectRef>
+          <a:fontRef idx="minor">
+            <a:schemeClr val="tx1"/>
+          </a:fontRef>
+        </p:style>
+      </p:cxnSp>
+      <p:cxnSp>
+        <p:nvCxnSpPr>
+          <p:cNvPr id="75" name="Straight Arrow Connector 74">
+            <a:extLst>
+              <a:ext uri="{FF2B5EF4-FFF2-40B4-BE49-F238E27FC236}">
+                <a16:creationId xmlns:a16="http://schemas.microsoft.com/office/drawing/2014/main" id="{F563BF28-D131-11BF-97C4-90DA22BD49DC}"/>
+              </a:ext>
+            </a:extLst>
+          </p:cNvPr>
+          <p:cNvCxnSpPr>
+            <a:stCxn id="30" idx="2"/>
+            <a:endCxn id="31" idx="0"/>
+          </p:cNvCxnSpPr>
+          <p:nvPr/>
+        </p:nvCxnSpPr>
+        <p:spPr>
+          <a:xfrm flipH="1">
+            <a:off x="6196225" y="2952994"/>
+            <a:ext cx="1" cy="278915"/>
+          </a:xfrm>
+          <a:prstGeom prst="straightConnector1">
+            <a:avLst/>
+          </a:prstGeom>
+          <a:ln w="28575">
+            <a:solidFill>
+              <a:schemeClr val="accent3">
+                <a:lumMod val="20000"/>
+                <a:lumOff val="80000"/>
+              </a:schemeClr>
+            </a:solidFill>
+            <a:headEnd type="none" w="med" len="med"/>
+            <a:tailEnd type="arrow" w="med" len="med"/>
+          </a:ln>
+        </p:spPr>
+        <p:style>
+          <a:lnRef idx="3">
+            <a:schemeClr val="accent6"/>
+          </a:lnRef>
+          <a:fillRef idx="0">
+            <a:schemeClr val="accent6"/>
+          </a:fillRef>
+          <a:effectRef idx="2">
+            <a:schemeClr val="accent6"/>
+          </a:effectRef>
+          <a:fontRef idx="minor">
+            <a:schemeClr val="tx1"/>
+          </a:fontRef>
+        </p:style>
+      </p:cxnSp>
+      <p:cxnSp>
+        <p:nvCxnSpPr>
+          <p:cNvPr id="77" name="Straight Arrow Connector 76">
+            <a:extLst>
+              <a:ext uri="{FF2B5EF4-FFF2-40B4-BE49-F238E27FC236}">
+                <a16:creationId xmlns:a16="http://schemas.microsoft.com/office/drawing/2014/main" id="{098B3681-D580-76A8-A783-1B69E0E73EF6}"/>
+              </a:ext>
+            </a:extLst>
+          </p:cNvPr>
+          <p:cNvCxnSpPr>
+            <a:stCxn id="31" idx="2"/>
+            <a:endCxn id="32" idx="0"/>
+          </p:cNvCxnSpPr>
+          <p:nvPr/>
+        </p:nvCxnSpPr>
+        <p:spPr>
+          <a:xfrm flipH="1">
+            <a:off x="6196224" y="3563915"/>
+            <a:ext cx="1" cy="344055"/>
+          </a:xfrm>
+          <a:prstGeom prst="straightConnector1">
+            <a:avLst/>
+          </a:prstGeom>
+          <a:ln w="28575">
+            <a:solidFill>
+              <a:schemeClr val="accent3">
+                <a:lumMod val="20000"/>
+                <a:lumOff val="80000"/>
+              </a:schemeClr>
+            </a:solidFill>
+            <a:headEnd type="none" w="med" len="med"/>
+            <a:tailEnd type="arrow" w="med" len="med"/>
+          </a:ln>
+        </p:spPr>
+        <p:style>
+          <a:lnRef idx="3">
+            <a:schemeClr val="accent6"/>
+          </a:lnRef>
+          <a:fillRef idx="0">
+            <a:schemeClr val="accent6"/>
+          </a:fillRef>
+          <a:effectRef idx="2">
+            <a:schemeClr val="accent6"/>
+          </a:effectRef>
+          <a:fontRef idx="minor">
+            <a:schemeClr val="tx1"/>
+          </a:fontRef>
+        </p:style>
+      </p:cxnSp>
+      <p:cxnSp>
+        <p:nvCxnSpPr>
+          <p:cNvPr id="79" name="Connector: Elbow 78">
+            <a:extLst>
+              <a:ext uri="{FF2B5EF4-FFF2-40B4-BE49-F238E27FC236}">
+                <a16:creationId xmlns:a16="http://schemas.microsoft.com/office/drawing/2014/main" id="{62DED440-D007-FFF6-7FA7-A23355ABA494}"/>
+              </a:ext>
+            </a:extLst>
+          </p:cNvPr>
+          <p:cNvCxnSpPr>
+            <a:stCxn id="32" idx="3"/>
+            <a:endCxn id="33" idx="1"/>
+          </p:cNvCxnSpPr>
+          <p:nvPr/>
+        </p:nvCxnSpPr>
+        <p:spPr>
+          <a:xfrm flipV="1">
+            <a:off x="7001977" y="966681"/>
+            <a:ext cx="554783" cy="3339696"/>
+          </a:xfrm>
+          <a:prstGeom prst="bentConnector3">
+            <a:avLst/>
+          </a:prstGeom>
+          <a:ln w="38100">
+            <a:solidFill>
+              <a:srgbClr val="7030A0"/>
+            </a:solidFill>
+            <a:headEnd type="none" w="med" len="med"/>
+            <a:tailEnd type="arrow" w="med" len="med"/>
+          </a:ln>
+        </p:spPr>
+        <p:style>
+          <a:lnRef idx="3">
+            <a:schemeClr val="accent3"/>
+          </a:lnRef>
+          <a:fillRef idx="0">
+            <a:schemeClr val="accent3"/>
+          </a:fillRef>
+          <a:effectRef idx="2">
+            <a:schemeClr val="accent3"/>
+          </a:effectRef>
+          <a:fontRef idx="minor">
+            <a:schemeClr val="tx1"/>
+          </a:fontRef>
+        </p:style>
+      </p:cxnSp>
+      <p:cxnSp>
+        <p:nvCxnSpPr>
+          <p:cNvPr id="81" name="Straight Arrow Connector 80">
+            <a:extLst>
+              <a:ext uri="{FF2B5EF4-FFF2-40B4-BE49-F238E27FC236}">
+                <a16:creationId xmlns:a16="http://schemas.microsoft.com/office/drawing/2014/main" id="{27C07D74-A97D-5778-5900-5F6061D42F52}"/>
+              </a:ext>
+            </a:extLst>
+          </p:cNvPr>
+          <p:cNvCxnSpPr>
+            <a:stCxn id="33" idx="2"/>
+            <a:endCxn id="34" idx="0"/>
+          </p:cNvCxnSpPr>
+          <p:nvPr/>
+        </p:nvCxnSpPr>
+        <p:spPr>
+          <a:xfrm flipH="1">
+            <a:off x="8362512" y="1132684"/>
+            <a:ext cx="1" cy="236933"/>
+          </a:xfrm>
+          <a:prstGeom prst="straightConnector1">
+            <a:avLst/>
+          </a:prstGeom>
+          <a:ln w="28575">
+            <a:solidFill>
+              <a:schemeClr val="accent3">
+                <a:lumMod val="20000"/>
+                <a:lumOff val="80000"/>
+              </a:schemeClr>
+            </a:solidFill>
+            <a:headEnd type="none" w="med" len="med"/>
+            <a:tailEnd type="arrow" w="med" len="med"/>
+          </a:ln>
+        </p:spPr>
+        <p:style>
+          <a:lnRef idx="3">
+            <a:schemeClr val="accent6"/>
+          </a:lnRef>
+          <a:fillRef idx="0">
+            <a:schemeClr val="accent6"/>
+          </a:fillRef>
+          <a:effectRef idx="2">
+            <a:schemeClr val="accent6"/>
+          </a:effectRef>
+          <a:fontRef idx="minor">
+            <a:schemeClr val="tx1"/>
+          </a:fontRef>
+        </p:style>
+      </p:cxnSp>
+      <p:cxnSp>
+        <p:nvCxnSpPr>
+          <p:cNvPr id="83" name="Straight Arrow Connector 82">
+            <a:extLst>
+              <a:ext uri="{FF2B5EF4-FFF2-40B4-BE49-F238E27FC236}">
+                <a16:creationId xmlns:a16="http://schemas.microsoft.com/office/drawing/2014/main" id="{0706FFCD-87EF-AC0A-4737-B3018C509E77}"/>
+              </a:ext>
+            </a:extLst>
+          </p:cNvPr>
+          <p:cNvCxnSpPr>
+            <a:stCxn id="34" idx="2"/>
+            <a:endCxn id="35" idx="0"/>
+          </p:cNvCxnSpPr>
+          <p:nvPr/>
+        </p:nvCxnSpPr>
+        <p:spPr>
+          <a:xfrm>
+            <a:off x="8362512" y="1934027"/>
+            <a:ext cx="0" cy="236934"/>
+          </a:xfrm>
+          <a:prstGeom prst="straightConnector1">
+            <a:avLst/>
+          </a:prstGeom>
+          <a:ln w="28575">
+            <a:solidFill>
+              <a:schemeClr val="accent3">
+                <a:lumMod val="20000"/>
+                <a:lumOff val="80000"/>
+              </a:schemeClr>
+            </a:solidFill>
+            <a:headEnd type="none" w="med" len="med"/>
+            <a:tailEnd type="arrow" w="med" len="med"/>
+          </a:ln>
+        </p:spPr>
+        <p:style>
+          <a:lnRef idx="3">
+            <a:schemeClr val="accent6"/>
+          </a:lnRef>
+          <a:fillRef idx="0">
+            <a:schemeClr val="accent6"/>
+          </a:fillRef>
+          <a:effectRef idx="2">
+            <a:schemeClr val="accent6"/>
+          </a:effectRef>
+          <a:fontRef idx="minor">
+            <a:schemeClr val="tx1"/>
+          </a:fontRef>
+        </p:style>
+      </p:cxnSp>
+      <p:cxnSp>
+        <p:nvCxnSpPr>
+          <p:cNvPr id="85" name="Straight Arrow Connector 84">
+            <a:extLst>
+              <a:ext uri="{FF2B5EF4-FFF2-40B4-BE49-F238E27FC236}">
+                <a16:creationId xmlns:a16="http://schemas.microsoft.com/office/drawing/2014/main" id="{B78984AE-06BE-8B65-1E40-BB52ECF3C9D1}"/>
+              </a:ext>
+            </a:extLst>
+          </p:cNvPr>
+          <p:cNvCxnSpPr>
+            <a:stCxn id="35" idx="2"/>
+            <a:endCxn id="36" idx="0"/>
+          </p:cNvCxnSpPr>
+          <p:nvPr/>
+        </p:nvCxnSpPr>
+        <p:spPr>
+          <a:xfrm>
+            <a:off x="8362512" y="2735371"/>
+            <a:ext cx="0" cy="236934"/>
+          </a:xfrm>
+          <a:prstGeom prst="straightConnector1">
+            <a:avLst/>
+          </a:prstGeom>
+          <a:ln w="28575">
+            <a:solidFill>
+              <a:schemeClr val="accent3">
+                <a:lumMod val="20000"/>
+                <a:lumOff val="80000"/>
+              </a:schemeClr>
+            </a:solidFill>
+            <a:headEnd type="none" w="med" len="med"/>
+            <a:tailEnd type="arrow" w="med" len="med"/>
+          </a:ln>
+        </p:spPr>
+        <p:style>
+          <a:lnRef idx="3">
+            <a:schemeClr val="accent6"/>
+          </a:lnRef>
+          <a:fillRef idx="0">
+            <a:schemeClr val="accent6"/>
+          </a:fillRef>
+          <a:effectRef idx="2">
+            <a:schemeClr val="accent6"/>
+          </a:effectRef>
+          <a:fontRef idx="minor">
+            <a:schemeClr val="tx1"/>
+          </a:fontRef>
+        </p:style>
+      </p:cxnSp>
+      <p:cxnSp>
+        <p:nvCxnSpPr>
+          <p:cNvPr id="87" name="Straight Arrow Connector 86">
+            <a:extLst>
+              <a:ext uri="{FF2B5EF4-FFF2-40B4-BE49-F238E27FC236}">
+                <a16:creationId xmlns:a16="http://schemas.microsoft.com/office/drawing/2014/main" id="{F6E1A607-1F1C-7C0C-FD94-19C4BB0F731E}"/>
+              </a:ext>
+            </a:extLst>
+          </p:cNvPr>
+          <p:cNvCxnSpPr>
+            <a:stCxn id="37" idx="2"/>
+            <a:endCxn id="38" idx="0"/>
+          </p:cNvCxnSpPr>
+          <p:nvPr/>
+        </p:nvCxnSpPr>
+        <p:spPr>
+          <a:xfrm flipH="1">
+            <a:off x="10528798" y="1132684"/>
+            <a:ext cx="1" cy="253709"/>
+          </a:xfrm>
+          <a:prstGeom prst="straightConnector1">
+            <a:avLst/>
+          </a:prstGeom>
+          <a:ln w="28575">
+            <a:solidFill>
+              <a:schemeClr val="accent3">
+                <a:lumMod val="20000"/>
+                <a:lumOff val="80000"/>
+              </a:schemeClr>
+            </a:solidFill>
+            <a:headEnd type="none" w="med" len="med"/>
+            <a:tailEnd type="arrow" w="med" len="med"/>
+          </a:ln>
+        </p:spPr>
+        <p:style>
+          <a:lnRef idx="3">
+            <a:schemeClr val="accent6"/>
+          </a:lnRef>
+          <a:fillRef idx="0">
+            <a:schemeClr val="accent6"/>
+          </a:fillRef>
+          <a:effectRef idx="2">
+            <a:schemeClr val="accent6"/>
+          </a:effectRef>
+          <a:fontRef idx="minor">
+            <a:schemeClr val="tx1"/>
+          </a:fontRef>
+        </p:style>
+      </p:cxnSp>
+      <p:cxnSp>
+        <p:nvCxnSpPr>
+          <p:cNvPr id="89" name="Straight Arrow Connector 88">
+            <a:extLst>
+              <a:ext uri="{FF2B5EF4-FFF2-40B4-BE49-F238E27FC236}">
+                <a16:creationId xmlns:a16="http://schemas.microsoft.com/office/drawing/2014/main" id="{B8A5D1A7-8E39-11F9-2E20-755921EFF55F}"/>
+              </a:ext>
+            </a:extLst>
+          </p:cNvPr>
+          <p:cNvCxnSpPr>
+            <a:stCxn id="38" idx="2"/>
+            <a:endCxn id="39" idx="0"/>
+          </p:cNvCxnSpPr>
+          <p:nvPr/>
+        </p:nvCxnSpPr>
+        <p:spPr>
+          <a:xfrm>
+            <a:off x="10528798" y="2183207"/>
+            <a:ext cx="0" cy="132741"/>
+          </a:xfrm>
+          <a:prstGeom prst="straightConnector1">
+            <a:avLst/>
+          </a:prstGeom>
+          <a:ln w="28575">
+            <a:solidFill>
+              <a:schemeClr val="accent3">
+                <a:lumMod val="20000"/>
+                <a:lumOff val="80000"/>
+              </a:schemeClr>
+            </a:solidFill>
+            <a:headEnd type="none" w="med" len="med"/>
+            <a:tailEnd type="arrow" w="med" len="med"/>
+          </a:ln>
+        </p:spPr>
+        <p:style>
+          <a:lnRef idx="3">
+            <a:schemeClr val="accent6"/>
+          </a:lnRef>
+          <a:fillRef idx="0">
+            <a:schemeClr val="accent6"/>
+          </a:fillRef>
+          <a:effectRef idx="2">
+            <a:schemeClr val="accent6"/>
+          </a:effectRef>
+          <a:fontRef idx="minor">
+            <a:schemeClr val="tx1"/>
+          </a:fontRef>
+        </p:style>
+      </p:cxnSp>
+      <p:cxnSp>
+        <p:nvCxnSpPr>
+          <p:cNvPr id="91" name="Straight Arrow Connector 90">
+            <a:extLst>
+              <a:ext uri="{FF2B5EF4-FFF2-40B4-BE49-F238E27FC236}">
+                <a16:creationId xmlns:a16="http://schemas.microsoft.com/office/drawing/2014/main" id="{E9F209E6-DB2D-AEF8-E5A0-962B1D9D01E3}"/>
+              </a:ext>
+            </a:extLst>
+          </p:cNvPr>
+          <p:cNvCxnSpPr>
+            <a:stCxn id="39" idx="2"/>
+            <a:endCxn id="40" idx="0"/>
+          </p:cNvCxnSpPr>
+          <p:nvPr/>
+        </p:nvCxnSpPr>
+        <p:spPr>
+          <a:xfrm flipH="1">
+            <a:off x="10528797" y="2880358"/>
+            <a:ext cx="1" cy="185548"/>
+          </a:xfrm>
+          <a:prstGeom prst="straightConnector1">
+            <a:avLst/>
+          </a:prstGeom>
+          <a:ln w="28575">
+            <a:solidFill>
+              <a:schemeClr val="accent3">
+                <a:lumMod val="20000"/>
+                <a:lumOff val="80000"/>
+              </a:schemeClr>
+            </a:solidFill>
+            <a:headEnd type="none" w="med" len="med"/>
+            <a:tailEnd type="arrow" w="med" len="med"/>
+          </a:ln>
+        </p:spPr>
+        <p:style>
+          <a:lnRef idx="3">
+            <a:schemeClr val="accent6"/>
+          </a:lnRef>
+          <a:fillRef idx="0">
+            <a:schemeClr val="accent6"/>
+          </a:fillRef>
+          <a:effectRef idx="2">
+            <a:schemeClr val="accent6"/>
+          </a:effectRef>
+          <a:fontRef idx="minor">
+            <a:schemeClr val="tx1"/>
+          </a:fontRef>
+        </p:style>
+      </p:cxnSp>
+      <p:cxnSp>
+        <p:nvCxnSpPr>
+          <p:cNvPr id="95" name="Straight Arrow Connector 94">
+            <a:extLst>
+              <a:ext uri="{FF2B5EF4-FFF2-40B4-BE49-F238E27FC236}">
+                <a16:creationId xmlns:a16="http://schemas.microsoft.com/office/drawing/2014/main" id="{B5D9913C-17FC-B5B3-0068-41481CCF86F0}"/>
+              </a:ext>
+            </a:extLst>
+          </p:cNvPr>
+          <p:cNvCxnSpPr>
+            <a:stCxn id="40" idx="2"/>
+            <a:endCxn id="41" idx="0"/>
+          </p:cNvCxnSpPr>
+          <p:nvPr/>
+        </p:nvCxnSpPr>
+        <p:spPr>
+          <a:xfrm flipH="1">
+            <a:off x="10528796" y="3397912"/>
+            <a:ext cx="1" cy="223725"/>
+          </a:xfrm>
+          <a:prstGeom prst="straightConnector1">
+            <a:avLst/>
+          </a:prstGeom>
+          <a:ln w="28575">
+            <a:solidFill>
+              <a:schemeClr val="accent3">
+                <a:lumMod val="20000"/>
+                <a:lumOff val="80000"/>
+              </a:schemeClr>
+            </a:solidFill>
+            <a:headEnd type="none" w="med" len="med"/>
+            <a:tailEnd type="arrow" w="med" len="med"/>
+          </a:ln>
+        </p:spPr>
+        <p:style>
+          <a:lnRef idx="3">
+            <a:schemeClr val="accent6"/>
+          </a:lnRef>
+          <a:fillRef idx="0">
+            <a:schemeClr val="accent6"/>
+          </a:fillRef>
+          <a:effectRef idx="2">
+            <a:schemeClr val="accent6"/>
+          </a:effectRef>
+          <a:fontRef idx="minor">
+            <a:schemeClr val="tx1"/>
+          </a:fontRef>
+        </p:style>
+      </p:cxnSp>
+      <p:cxnSp>
+        <p:nvCxnSpPr>
+          <p:cNvPr id="97" name="Straight Arrow Connector 96">
+            <a:extLst>
+              <a:ext uri="{FF2B5EF4-FFF2-40B4-BE49-F238E27FC236}">
+                <a16:creationId xmlns:a16="http://schemas.microsoft.com/office/drawing/2014/main" id="{E4C7923D-066D-5FF6-256D-3C69CE84D412}"/>
+              </a:ext>
+            </a:extLst>
+          </p:cNvPr>
+          <p:cNvCxnSpPr>
+            <a:stCxn id="41" idx="2"/>
+            <a:endCxn id="44" idx="0"/>
+          </p:cNvCxnSpPr>
+          <p:nvPr/>
+        </p:nvCxnSpPr>
+        <p:spPr>
+          <a:xfrm>
+            <a:off x="10528796" y="4186047"/>
+            <a:ext cx="0" cy="251858"/>
+          </a:xfrm>
+          <a:prstGeom prst="straightConnector1">
+            <a:avLst/>
+          </a:prstGeom>
+          <a:ln w="28575">
+            <a:solidFill>
+              <a:schemeClr val="accent3">
+                <a:lumMod val="20000"/>
+                <a:lumOff val="80000"/>
+              </a:schemeClr>
+            </a:solidFill>
+            <a:headEnd type="none" w="med" len="med"/>
+            <a:tailEnd type="arrow" w="med" len="med"/>
+          </a:ln>
+        </p:spPr>
+        <p:style>
+          <a:lnRef idx="3">
+            <a:schemeClr val="accent6"/>
+          </a:lnRef>
+          <a:fillRef idx="0">
+            <a:schemeClr val="accent6"/>
+          </a:fillRef>
+          <a:effectRef idx="2">
+            <a:schemeClr val="accent6"/>
+          </a:effectRef>
+          <a:fontRef idx="minor">
+            <a:schemeClr val="tx1"/>
+          </a:fontRef>
+        </p:style>
+      </p:cxnSp>
+      <p:cxnSp>
+        <p:nvCxnSpPr>
+          <p:cNvPr id="100" name="Connector: Elbow 99">
+            <a:extLst>
+              <a:ext uri="{FF2B5EF4-FFF2-40B4-BE49-F238E27FC236}">
+                <a16:creationId xmlns:a16="http://schemas.microsoft.com/office/drawing/2014/main" id="{D2198938-1655-406B-A9A6-63802D6FFE5F}"/>
+              </a:ext>
+            </a:extLst>
+          </p:cNvPr>
+          <p:cNvCxnSpPr>
+            <a:stCxn id="36" idx="3"/>
+            <a:endCxn id="37" idx="1"/>
+          </p:cNvCxnSpPr>
+          <p:nvPr/>
+        </p:nvCxnSpPr>
+        <p:spPr>
+          <a:xfrm flipV="1">
+            <a:off x="9168265" y="966681"/>
+            <a:ext cx="554781" cy="2287829"/>
+          </a:xfrm>
+          <a:prstGeom prst="bentConnector3">
+            <a:avLst/>
+          </a:prstGeom>
+          <a:ln w="38100">
+            <a:solidFill>
+              <a:srgbClr val="7030A0"/>
+            </a:solidFill>
+            <a:headEnd type="none" w="med" len="med"/>
+            <a:tailEnd type="arrow" w="med" len="med"/>
+          </a:ln>
+        </p:spPr>
+        <p:style>
+          <a:lnRef idx="3">
+            <a:schemeClr val="accent3"/>
+          </a:lnRef>
+          <a:fillRef idx="0">
+            <a:schemeClr val="accent3"/>
+          </a:fillRef>
+          <a:effectRef idx="2">
+            <a:schemeClr val="accent3"/>
+          </a:effectRef>
+          <a:fontRef idx="minor">
+            <a:schemeClr val="tx1"/>
+          </a:fontRef>
+        </p:style>
+      </p:cxnSp>
     </p:spTree>
     <p:extLst>
       <p:ext uri="{BB962C8B-B14F-4D97-AF65-F5344CB8AC3E}">
@@ -3415,7 +6612,7 @@
 <file path=ppt/theme/theme1.xml><?xml version="1.0" encoding="utf-8"?>
 <a:theme xmlns:a="http://schemas.openxmlformats.org/drawingml/2006/main" name="Office Theme">
   <a:themeElements>
-    <a:clrScheme name="Office">
+    <a:clrScheme name="Blue">
       <a:dk1>
         <a:sysClr val="windowText" lastClr="000000"/>
       </a:dk1>
@@ -3423,37 +6620,37 @@
         <a:sysClr val="window" lastClr="FFFFFF"/>
       </a:lt1>
       <a:dk2>
-        <a:srgbClr val="44546A"/>
+        <a:srgbClr val="17406D"/>
       </a:dk2>
       <a:lt2>
-        <a:srgbClr val="E7E6E6"/>
+        <a:srgbClr val="DBEFF9"/>
       </a:lt2>
       <a:accent1>
-        <a:srgbClr val="4472C4"/>
+        <a:srgbClr val="0F6FC6"/>
       </a:accent1>
       <a:accent2>
-        <a:srgbClr val="ED7D31"/>
+        <a:srgbClr val="009DD9"/>
       </a:accent2>
       <a:accent3>
-        <a:srgbClr val="A5A5A5"/>
+        <a:srgbClr val="0BD0D9"/>
       </a:accent3>
       <a:accent4>
-        <a:srgbClr val="FFC000"/>
+        <a:srgbClr val="10CF9B"/>
       </a:accent4>
       <a:accent5>
-        <a:srgbClr val="5B9BD5"/>
+        <a:srgbClr val="7CCA62"/>
       </a:accent5>
       <a:accent6>
-        <a:srgbClr val="70AD47"/>
+        <a:srgbClr val="A5C249"/>
       </a:accent6>
       <a:hlink>
-        <a:srgbClr val="0563C1"/>
+        <a:srgbClr val="F49100"/>
       </a:hlink>
       <a:folHlink>
-        <a:srgbClr val="954F72"/>
+        <a:srgbClr val="85DFD0"/>
       </a:folHlink>
     </a:clrScheme>
-    <a:fontScheme name="Office">
+    <a:fontScheme name="Office Theme">
       <a:majorFont>
         <a:latin typeface="Calibri Light" panose="020F0302020204030204"/>
         <a:ea typeface=""/>
@@ -3488,23 +6685,6 @@
         <a:font script="Viet" typeface="Times New Roman"/>
         <a:font script="Uigh" typeface="Microsoft Uighur"/>
         <a:font script="Geor" typeface="Sylfaen"/>
-        <a:font script="Armn" typeface="Arial"/>
-        <a:font script="Bugi" typeface="Leelawadee UI"/>
-        <a:font script="Bopo" typeface="Microsoft JhengHei"/>
-        <a:font script="Java" typeface="Javanese Text"/>
-        <a:font script="Lisu" typeface="Segoe UI"/>
-        <a:font script="Mymr" typeface="Myanmar Text"/>
-        <a:font script="Nkoo" typeface="Ebrima"/>
-        <a:font script="Olck" typeface="Nirmala UI"/>
-        <a:font script="Osma" typeface="Ebrima"/>
-        <a:font script="Phag" typeface="Phagspa"/>
-        <a:font script="Syrn" typeface="Estrangelo Edessa"/>
-        <a:font script="Syrj" typeface="Estrangelo Edessa"/>
-        <a:font script="Syre" typeface="Estrangelo Edessa"/>
-        <a:font script="Sora" typeface="Nirmala UI"/>
-        <a:font script="Tale" typeface="Microsoft Tai Le"/>
-        <a:font script="Talu" typeface="Microsoft New Tai Lue"/>
-        <a:font script="Tfng" typeface="Ebrima"/>
       </a:majorFont>
       <a:minorFont>
         <a:latin typeface="Calibri" panose="020F0502020204030204"/>
@@ -3540,26 +6720,9 @@
         <a:font script="Viet" typeface="Arial"/>
         <a:font script="Uigh" typeface="Microsoft Uighur"/>
         <a:font script="Geor" typeface="Sylfaen"/>
-        <a:font script="Armn" typeface="Arial"/>
-        <a:font script="Bugi" typeface="Leelawadee UI"/>
-        <a:font script="Bopo" typeface="Microsoft JhengHei"/>
-        <a:font script="Java" typeface="Javanese Text"/>
-        <a:font script="Lisu" typeface="Segoe UI"/>
-        <a:font script="Mymr" typeface="Myanmar Text"/>
-        <a:font script="Nkoo" typeface="Ebrima"/>
-        <a:font script="Olck" typeface="Nirmala UI"/>
-        <a:font script="Osma" typeface="Ebrima"/>
-        <a:font script="Phag" typeface="Phagspa"/>
-        <a:font script="Syrn" typeface="Estrangelo Edessa"/>
-        <a:font script="Syrj" typeface="Estrangelo Edessa"/>
-        <a:font script="Syre" typeface="Estrangelo Edessa"/>
-        <a:font script="Sora" typeface="Nirmala UI"/>
-        <a:font script="Tale" typeface="Microsoft Tai Le"/>
-        <a:font script="Talu" typeface="Microsoft New Tai Lue"/>
-        <a:font script="Tfng" typeface="Ebrima"/>
       </a:minorFont>
     </a:fontScheme>
-    <a:fmtScheme name="Office">
+    <a:fmtScheme name="Office Theme">
       <a:fillStyleLst>
         <a:solidFill>
           <a:schemeClr val="phClr"/>
@@ -3701,7 +6864,7 @@
   <a:extraClrSchemeLst/>
   <a:extLst>
     <a:ext uri="{05A4C25C-085E-4340-85A3-A5531E510DB2}">
-      <thm15:themeFamily xmlns:thm15="http://schemas.microsoft.com/office/thememl/2012/main" name="Office Theme" id="{62F939B6-93AF-4DB8-9C6B-D6C7DFDC589F}" vid="{4A3C46E8-61CC-4603-A589-7422A47A8E4A}"/>
+      <thm15:themeFamily xmlns:thm15="http://schemas.microsoft.com/office/thememl/2012/main" name="Office 2013 - 2022 Theme" id="{62F939B6-93AF-4DB8-9C6B-D6C7DFDC589F}" vid="{4A3C46E8-61CC-4603-A589-7422A47A8E4A}"/>
     </a:ext>
   </a:extLst>
 </a:theme>

--- a/module-5/Faison_M5_ValueStreamMapping.pptx
+++ b/module-5/Faison_M5_ValueStreamMapping.pptx
@@ -244,7 +244,7 @@
           <a:p>
             <a:fld id="{D865FBE8-0AE7-4F39-8C28-C05E193A1F1F}" type="datetimeFigureOut">
               <a:rPr lang="en-US" smtClean="0"/>
-              <a:t>9/11/2025</a:t>
+              <a:t>9/13/2025</a:t>
             </a:fld>
             <a:endParaRPr lang="en-US"/>
           </a:p>
@@ -414,7 +414,7 @@
           <a:p>
             <a:fld id="{D865FBE8-0AE7-4F39-8C28-C05E193A1F1F}" type="datetimeFigureOut">
               <a:rPr lang="en-US" smtClean="0"/>
-              <a:t>9/11/2025</a:t>
+              <a:t>9/13/2025</a:t>
             </a:fld>
             <a:endParaRPr lang="en-US"/>
           </a:p>
@@ -594,7 +594,7 @@
           <a:p>
             <a:fld id="{D865FBE8-0AE7-4F39-8C28-C05E193A1F1F}" type="datetimeFigureOut">
               <a:rPr lang="en-US" smtClean="0"/>
-              <a:t>9/11/2025</a:t>
+              <a:t>9/13/2025</a:t>
             </a:fld>
             <a:endParaRPr lang="en-US"/>
           </a:p>
@@ -764,7 +764,7 @@
           <a:p>
             <a:fld id="{D865FBE8-0AE7-4F39-8C28-C05E193A1F1F}" type="datetimeFigureOut">
               <a:rPr lang="en-US" smtClean="0"/>
-              <a:t>9/11/2025</a:t>
+              <a:t>9/13/2025</a:t>
             </a:fld>
             <a:endParaRPr lang="en-US"/>
           </a:p>
@@ -1008,7 +1008,7 @@
           <a:p>
             <a:fld id="{D865FBE8-0AE7-4F39-8C28-C05E193A1F1F}" type="datetimeFigureOut">
               <a:rPr lang="en-US" smtClean="0"/>
-              <a:t>9/11/2025</a:t>
+              <a:t>9/13/2025</a:t>
             </a:fld>
             <a:endParaRPr lang="en-US"/>
           </a:p>
@@ -1240,7 +1240,7 @@
           <a:p>
             <a:fld id="{D865FBE8-0AE7-4F39-8C28-C05E193A1F1F}" type="datetimeFigureOut">
               <a:rPr lang="en-US" smtClean="0"/>
-              <a:t>9/11/2025</a:t>
+              <a:t>9/13/2025</a:t>
             </a:fld>
             <a:endParaRPr lang="en-US"/>
           </a:p>
@@ -1607,7 +1607,7 @@
           <a:p>
             <a:fld id="{D865FBE8-0AE7-4F39-8C28-C05E193A1F1F}" type="datetimeFigureOut">
               <a:rPr lang="en-US" smtClean="0"/>
-              <a:t>9/11/2025</a:t>
+              <a:t>9/13/2025</a:t>
             </a:fld>
             <a:endParaRPr lang="en-US"/>
           </a:p>
@@ -1725,7 +1725,7 @@
           <a:p>
             <a:fld id="{D865FBE8-0AE7-4F39-8C28-C05E193A1F1F}" type="datetimeFigureOut">
               <a:rPr lang="en-US" smtClean="0"/>
-              <a:t>9/11/2025</a:t>
+              <a:t>9/13/2025</a:t>
             </a:fld>
             <a:endParaRPr lang="en-US"/>
           </a:p>
@@ -1820,7 +1820,7 @@
           <a:p>
             <a:fld id="{D865FBE8-0AE7-4F39-8C28-C05E193A1F1F}" type="datetimeFigureOut">
               <a:rPr lang="en-US" smtClean="0"/>
-              <a:t>9/11/2025</a:t>
+              <a:t>9/13/2025</a:t>
             </a:fld>
             <a:endParaRPr lang="en-US"/>
           </a:p>
@@ -2097,7 +2097,7 @@
           <a:p>
             <a:fld id="{D865FBE8-0AE7-4F39-8C28-C05E193A1F1F}" type="datetimeFigureOut">
               <a:rPr lang="en-US" smtClean="0"/>
-              <a:t>9/11/2025</a:t>
+              <a:t>9/13/2025</a:t>
             </a:fld>
             <a:endParaRPr lang="en-US"/>
           </a:p>
@@ -2354,7 +2354,7 @@
           <a:p>
             <a:fld id="{D865FBE8-0AE7-4F39-8C28-C05E193A1F1F}" type="datetimeFigureOut">
               <a:rPr lang="en-US" smtClean="0"/>
-              <a:t>9/11/2025</a:t>
+              <a:t>9/13/2025</a:t>
             </a:fld>
             <a:endParaRPr lang="en-US"/>
           </a:p>
@@ -2567,7 +2567,7 @@
           <a:p>
             <a:fld id="{D865FBE8-0AE7-4F39-8C28-C05E193A1F1F}" type="datetimeFigureOut">
               <a:rPr lang="en-US" smtClean="0"/>
-              <a:t>9/11/2025</a:t>
+              <a:t>9/13/2025</a:t>
             </a:fld>
             <a:endParaRPr lang="en-US"/>
           </a:p>
@@ -5400,7 +5400,7 @@
         <p:spPr>
           <a:xfrm>
             <a:off x="1551499" y="8742947"/>
-            <a:ext cx="8891912" cy="1200329"/>
+            <a:ext cx="8891912" cy="2585323"/>
           </a:xfrm>
           <a:prstGeom prst="rect">
             <a:avLst/>
@@ -5447,6 +5447,11 @@
               <a:rPr lang="en-US" b="1" dirty="0"/>
               <a:t>Eliminating Waste</a:t>
             </a:r>
+            <a:r>
+              <a:rPr lang="en-US" dirty="0"/>
+              <a:t> – I can eliminate 1 hour from finding references and themes by using already saved ones from previous projects. I can use hot keys to snap my camera to my view to take off about an hour from setting up the camera.</a:t>
+            </a:r>
+            <a:endParaRPr lang="en-US" b="1" dirty="0"/>
           </a:p>
           <a:p>
             <a:pPr marL="285750" indent="-285750">
@@ -5463,6 +5468,11 @@
               <a:rPr lang="en-US" b="1" dirty="0"/>
               <a:t>Workflow Orchestration</a:t>
             </a:r>
+            <a:r>
+              <a:rPr lang="en-US" dirty="0"/>
+              <a:t> – I can shave off time off the planning phase if I can commission someone to sketch out the design for me.</a:t>
+            </a:r>
+            <a:endParaRPr lang="en-US" b="1" dirty="0"/>
           </a:p>
           <a:p>
             <a:pPr marL="285750" indent="-285750">
@@ -5477,8 +5487,17 @@
             </a:pPr>
             <a:r>
               <a:rPr lang="en-US" b="1" dirty="0"/>
-              <a:t>Governance Models</a:t>
-            </a:r>
+              <a:t>Governance Models- </a:t>
+            </a:r>
+            <a:r>
+              <a:rPr lang="en-US" dirty="0"/>
+              <a:t>Ensure autosaving is on just in case software crashes. Creating archives of models through out the process helps shave time off if you have to completely restart modeling an asset </a:t>
+            </a:r>
+            <a:r>
+              <a:rPr lang="en-US"/>
+              <a:t>from scratch.</a:t>
+            </a:r>
+            <a:endParaRPr lang="en-US" b="1" dirty="0"/>
           </a:p>
         </p:txBody>
       </p:sp>
@@ -6596,6 +6615,60 @@
           </a:fontRef>
         </p:style>
       </p:cxnSp>
+      <p:sp>
+        <p:nvSpPr>
+          <p:cNvPr id="2" name="Rectangle 1">
+            <a:extLst>
+              <a:ext uri="{FF2B5EF4-FFF2-40B4-BE49-F238E27FC236}">
+                <a16:creationId xmlns:a16="http://schemas.microsoft.com/office/drawing/2014/main" id="{2BE88FC3-3751-D15B-9B95-1698CEE20DC0}"/>
+              </a:ext>
+            </a:extLst>
+          </p:cNvPr>
+          <p:cNvSpPr/>
+          <p:nvPr/>
+        </p:nvSpPr>
+        <p:spPr>
+          <a:xfrm>
+            <a:off x="-543352" y="-9484"/>
+            <a:ext cx="5656435" cy="707886"/>
+          </a:xfrm>
+          <a:prstGeom prst="rect">
+            <a:avLst/>
+          </a:prstGeom>
+          <a:noFill/>
+        </p:spPr>
+        <p:txBody>
+          <a:bodyPr wrap="square" lIns="91440" tIns="45720" rIns="91440" bIns="45720">
+            <a:spAutoFit/>
+            <a:scene3d>
+              <a:camera prst="orthographicFront"/>
+              <a:lightRig rig="harsh" dir="t"/>
+            </a:scene3d>
+            <a:sp3d extrusionH="57150" prstMaterial="matte">
+              <a:bevelT w="63500" h="12700" prst="angle"/>
+              <a:contourClr>
+                <a:schemeClr val="bg1">
+                  <a:lumMod val="65000"/>
+                </a:schemeClr>
+              </a:contourClr>
+            </a:sp3d>
+          </a:bodyPr>
+          <a:lstStyle/>
+          <a:p>
+            <a:pPr algn="ctr"/>
+            <a:r>
+              <a:rPr lang="en-US" sz="4000" b="1" cap="none" spc="0" dirty="0">
+                <a:ln/>
+                <a:solidFill>
+                  <a:schemeClr val="accent3"/>
+                </a:solidFill>
+                <a:effectLst/>
+              </a:rPr>
+              <a:t>3D Modeling Flow</a:t>
+            </a:r>
+          </a:p>
+        </p:txBody>
+      </p:sp>
     </p:spTree>
     <p:extLst>
       <p:ext uri="{BB962C8B-B14F-4D97-AF65-F5344CB8AC3E}">

--- a/module-5/Faison_M5_ValueStreamMapping.pptx
+++ b/module-5/Faison_M5_ValueStreamMapping.pptx
@@ -2994,7 +2994,7 @@
         </p:blipFill>
         <p:spPr>
           <a:xfrm>
-            <a:off x="3825612" y="4195642"/>
+            <a:off x="1346342" y="4309942"/>
             <a:ext cx="4017612" cy="1012024"/>
           </a:xfrm>
           <a:prstGeom prst="rect">
@@ -3002,6 +3002,84 @@
           </a:prstGeom>
         </p:spPr>
       </p:pic>
+      <p:sp>
+        <p:nvSpPr>
+          <p:cNvPr id="3" name="TextBox 2">
+            <a:extLst>
+              <a:ext uri="{FF2B5EF4-FFF2-40B4-BE49-F238E27FC236}">
+                <a16:creationId xmlns:a16="http://schemas.microsoft.com/office/drawing/2014/main" id="{A84FFD3B-5842-4C31-53E6-B359BC6B2217}"/>
+              </a:ext>
+            </a:extLst>
+          </p:cNvPr>
+          <p:cNvSpPr txBox="1"/>
+          <p:nvPr/>
+        </p:nvSpPr>
+        <p:spPr>
+          <a:xfrm>
+            <a:off x="1346342" y="6279485"/>
+            <a:ext cx="9890551" cy="1754326"/>
+          </a:xfrm>
+          <a:prstGeom prst="rect">
+            <a:avLst/>
+          </a:prstGeom>
+          <a:noFill/>
+        </p:spPr>
+        <p:txBody>
+          <a:bodyPr wrap="square" rtlCol="0">
+            <a:spAutoFit/>
+          </a:bodyPr>
+          <a:lstStyle/>
+          <a:p>
+            <a:r>
+              <a:rPr lang="en-US" dirty="0"/>
+              <a:t>Reference:</a:t>
+            </a:r>
+          </a:p>
+          <a:p>
+            <a:r>
+              <a:rPr lang="en-US" dirty="0"/>
+              <a:t>Knight, L. (2020, October 29). </a:t>
+            </a:r>
+            <a:r>
+              <a:rPr lang="en-US" i="1" dirty="0"/>
+              <a:t>3 Easy Steps for Using VSM in Everyday Life - </a:t>
+            </a:r>
+            <a:r>
+              <a:rPr lang="en-US" i="1" dirty="0" err="1"/>
+              <a:t>ConnectALL</a:t>
+            </a:r>
+            <a:r>
+              <a:rPr lang="en-US" dirty="0"/>
+              <a:t>. </a:t>
+            </a:r>
+            <a:r>
+              <a:rPr lang="en-US" dirty="0" err="1"/>
+              <a:t>ConnectALL</a:t>
+            </a:r>
+            <a:r>
+              <a:rPr lang="en-US" dirty="0"/>
+              <a:t> - 3 Easy Steps for Using </a:t>
+            </a:r>
+            <a:r>
+              <a:rPr lang="en-US" dirty="0" err="1"/>
+              <a:t>vsm</a:t>
+            </a:r>
+            <a:r>
+              <a:rPr lang="en-US" dirty="0"/>
+              <a:t> in Everyday Life. https://www.connectall.com/3-easy-steps-for-using-vsm-in-everyday-life/</a:t>
+            </a:r>
+          </a:p>
+          <a:p>
+            <a:r>
+              <a:rPr lang="en-US" dirty="0"/>
+              <a:t>‌</a:t>
+            </a:r>
+          </a:p>
+          <a:p>
+            <a:endParaRPr lang="en-US" dirty="0"/>
+          </a:p>
+        </p:txBody>
+      </p:sp>
     </p:spTree>
     <p:extLst>
       <p:ext uri="{BB962C8B-B14F-4D97-AF65-F5344CB8AC3E}">
